--- a/2 - Linked List/Linkedlist.pptx
+++ b/2 - Linked List/Linkedlist.pptx
@@ -216,7 +216,7 @@
           <a:p>
             <a:fld id="{F666E1FD-E7A0-497B-BBC0-740BAAC97C64}" type="datetimeFigureOut">
               <a:rPr lang="en-PH" smtClean="0"/>
-              <a:t>21/08/2023</a:t>
+              <a:t>23/08/2023</a:t>
             </a:fld>
             <a:endParaRPr lang="en-PH"/>
           </a:p>
@@ -1669,7 +1669,7 @@
           <a:p>
             <a:fld id="{0CCF0B81-6BD8-4C65-9459-815598C5F1F4}" type="datetimeFigureOut">
               <a:rPr lang="en-PH" smtClean="0"/>
-              <a:t>21/08/2023</a:t>
+              <a:t>23/08/2023</a:t>
             </a:fld>
             <a:endParaRPr lang="en-PH"/>
           </a:p>
@@ -1869,7 +1869,7 @@
           <a:p>
             <a:fld id="{0CCF0B81-6BD8-4C65-9459-815598C5F1F4}" type="datetimeFigureOut">
               <a:rPr lang="en-PH" smtClean="0"/>
-              <a:t>21/08/2023</a:t>
+              <a:t>23/08/2023</a:t>
             </a:fld>
             <a:endParaRPr lang="en-PH"/>
           </a:p>
@@ -2079,7 +2079,7 @@
           <a:p>
             <a:fld id="{0CCF0B81-6BD8-4C65-9459-815598C5F1F4}" type="datetimeFigureOut">
               <a:rPr lang="en-PH" smtClean="0"/>
-              <a:t>21/08/2023</a:t>
+              <a:t>23/08/2023</a:t>
             </a:fld>
             <a:endParaRPr lang="en-PH"/>
           </a:p>
@@ -2279,7 +2279,7 @@
           <a:p>
             <a:fld id="{0CCF0B81-6BD8-4C65-9459-815598C5F1F4}" type="datetimeFigureOut">
               <a:rPr lang="en-PH" smtClean="0"/>
-              <a:t>21/08/2023</a:t>
+              <a:t>23/08/2023</a:t>
             </a:fld>
             <a:endParaRPr lang="en-PH"/>
           </a:p>
@@ -2555,7 +2555,7 @@
           <a:p>
             <a:fld id="{0CCF0B81-6BD8-4C65-9459-815598C5F1F4}" type="datetimeFigureOut">
               <a:rPr lang="en-PH" smtClean="0"/>
-              <a:t>21/08/2023</a:t>
+              <a:t>23/08/2023</a:t>
             </a:fld>
             <a:endParaRPr lang="en-PH"/>
           </a:p>
@@ -2823,7 +2823,7 @@
           <a:p>
             <a:fld id="{0CCF0B81-6BD8-4C65-9459-815598C5F1F4}" type="datetimeFigureOut">
               <a:rPr lang="en-PH" smtClean="0"/>
-              <a:t>21/08/2023</a:t>
+              <a:t>23/08/2023</a:t>
             </a:fld>
             <a:endParaRPr lang="en-PH"/>
           </a:p>
@@ -3238,7 +3238,7 @@
           <a:p>
             <a:fld id="{0CCF0B81-6BD8-4C65-9459-815598C5F1F4}" type="datetimeFigureOut">
               <a:rPr lang="en-PH" smtClean="0"/>
-              <a:t>21/08/2023</a:t>
+              <a:t>23/08/2023</a:t>
             </a:fld>
             <a:endParaRPr lang="en-PH"/>
           </a:p>
@@ -3380,7 +3380,7 @@
           <a:p>
             <a:fld id="{0CCF0B81-6BD8-4C65-9459-815598C5F1F4}" type="datetimeFigureOut">
               <a:rPr lang="en-PH" smtClean="0"/>
-              <a:t>21/08/2023</a:t>
+              <a:t>23/08/2023</a:t>
             </a:fld>
             <a:endParaRPr lang="en-PH"/>
           </a:p>
@@ -3493,7 +3493,7 @@
           <a:p>
             <a:fld id="{0CCF0B81-6BD8-4C65-9459-815598C5F1F4}" type="datetimeFigureOut">
               <a:rPr lang="en-PH" smtClean="0"/>
-              <a:t>21/08/2023</a:t>
+              <a:t>23/08/2023</a:t>
             </a:fld>
             <a:endParaRPr lang="en-PH"/>
           </a:p>
@@ -3806,7 +3806,7 @@
           <a:p>
             <a:fld id="{0CCF0B81-6BD8-4C65-9459-815598C5F1F4}" type="datetimeFigureOut">
               <a:rPr lang="en-PH" smtClean="0"/>
-              <a:t>21/08/2023</a:t>
+              <a:t>23/08/2023</a:t>
             </a:fld>
             <a:endParaRPr lang="en-PH"/>
           </a:p>
@@ -4095,7 +4095,7 @@
           <a:p>
             <a:fld id="{0CCF0B81-6BD8-4C65-9459-815598C5F1F4}" type="datetimeFigureOut">
               <a:rPr lang="en-PH" smtClean="0"/>
-              <a:t>21/08/2023</a:t>
+              <a:t>23/08/2023</a:t>
             </a:fld>
             <a:endParaRPr lang="en-PH"/>
           </a:p>
@@ -4338,7 +4338,7 @@
           <a:p>
             <a:fld id="{0CCF0B81-6BD8-4C65-9459-815598C5F1F4}" type="datetimeFigureOut">
               <a:rPr lang="en-PH" smtClean="0"/>
-              <a:t>21/08/2023</a:t>
+              <a:t>23/08/2023</a:t>
             </a:fld>
             <a:endParaRPr lang="en-PH"/>
           </a:p>
@@ -4818,7 +4818,9 @@
         </p:nvSpPr>
         <p:spPr/>
         <p:txBody>
-          <a:bodyPr/>
+          <a:bodyPr>
+            <a:normAutofit fontScale="92500" lnSpcReduction="20000"/>
+          </a:bodyPr>
           <a:lstStyle/>
           <a:p>
             <a:pPr algn="l"/>
@@ -4827,23 +4829,33 @@
           <a:p>
             <a:pPr algn="l"/>
             <a:r>
+              <a:rPr lang="en-PH" sz="2000" b="1" dirty="0"/>
+              <a:t>Presented by</a:t>
+            </a:r>
+            <a:r>
               <a:rPr lang="en-PH" sz="2000" dirty="0"/>
-              <a:t>Presented by:</a:t>
+              <a:t>:</a:t>
             </a:r>
           </a:p>
           <a:p>
             <a:pPr algn="l"/>
             <a:r>
-              <a:rPr lang="en-PH" sz="2000" dirty="0" err="1"/>
-              <a:t>Elizer</a:t>
-            </a:r>
-            <a:r>
               <a:rPr lang="en-PH" sz="2000" dirty="0"/>
-              <a:t> Ponio Jr</a:t>
-            </a:r>
-            <a:r>
-              <a:rPr lang="en-PH" dirty="0"/>
-              <a:t>.</a:t>
+              <a:t>Elizer Ponio Jr.</a:t>
+            </a:r>
+          </a:p>
+          <a:p>
+            <a:pPr algn="l"/>
+            <a:r>
+              <a:rPr lang="en-PH" sz="2000" dirty="0"/>
+              <a:t>Department of Computer Science</a:t>
+            </a:r>
+          </a:p>
+          <a:p>
+            <a:pPr algn="l"/>
+            <a:r>
+              <a:rPr lang="en-PH" sz="2000" dirty="0"/>
+              <a:t>College of Computing and Information Technologies</a:t>
             </a:r>
           </a:p>
         </p:txBody>
@@ -5025,12 +5037,103 @@
           </a:p>
         </p:txBody>
       </p:sp>
+      <p:sp>
+        <p:nvSpPr>
+          <p:cNvPr id="8" name="Arrow: Right 7">
+            <a:extLst>
+              <a:ext uri="{FF2B5EF4-FFF2-40B4-BE49-F238E27FC236}">
+                <a16:creationId xmlns:a16="http://schemas.microsoft.com/office/drawing/2014/main" id="{DA21AACD-8A8E-55BD-BA0B-787836C718D5}"/>
+              </a:ext>
+            </a:extLst>
+          </p:cNvPr>
+          <p:cNvSpPr/>
+          <p:nvPr/>
+        </p:nvSpPr>
+        <p:spPr>
+          <a:xfrm>
+            <a:off x="7757623" y="3179312"/>
+            <a:ext cx="1219461" cy="410819"/>
+          </a:xfrm>
+          <a:prstGeom prst="rightArrow">
+            <a:avLst/>
+          </a:prstGeom>
+        </p:spPr>
+        <p:style>
+          <a:lnRef idx="3">
+            <a:schemeClr val="lt1"/>
+          </a:lnRef>
+          <a:fillRef idx="1">
+            <a:schemeClr val="accent6"/>
+          </a:fillRef>
+          <a:effectRef idx="1">
+            <a:schemeClr val="accent6"/>
+          </a:effectRef>
+          <a:fontRef idx="minor">
+            <a:schemeClr val="lt1"/>
+          </a:fontRef>
+        </p:style>
+        <p:txBody>
+          <a:bodyPr rtlCol="0" anchor="ctr"/>
+          <a:lstStyle/>
+          <a:p>
+            <a:pPr algn="ctr"/>
+            <a:endParaRPr lang="en-PH"/>
+          </a:p>
+        </p:txBody>
+      </p:sp>
+      <p:sp>
+        <p:nvSpPr>
+          <p:cNvPr id="9" name="Arrow: Right 8">
+            <a:extLst>
+              <a:ext uri="{FF2B5EF4-FFF2-40B4-BE49-F238E27FC236}">
+                <a16:creationId xmlns:a16="http://schemas.microsoft.com/office/drawing/2014/main" id="{675800C6-D89D-445F-3E61-F50981A6EDA3}"/>
+              </a:ext>
+            </a:extLst>
+          </p:cNvPr>
+          <p:cNvSpPr/>
+          <p:nvPr/>
+        </p:nvSpPr>
+        <p:spPr>
+          <a:xfrm rot="10800000">
+            <a:off x="7691176" y="2753723"/>
+            <a:ext cx="1285908" cy="410819"/>
+          </a:xfrm>
+          <a:prstGeom prst="rightArrow">
+            <a:avLst/>
+          </a:prstGeom>
+          <a:solidFill>
+            <a:srgbClr val="7030A0"/>
+          </a:solidFill>
+        </p:spPr>
+        <p:style>
+          <a:lnRef idx="3">
+            <a:schemeClr val="lt1"/>
+          </a:lnRef>
+          <a:fillRef idx="1">
+            <a:schemeClr val="accent1"/>
+          </a:fillRef>
+          <a:effectRef idx="1">
+            <a:schemeClr val="accent1"/>
+          </a:effectRef>
+          <a:fontRef idx="minor">
+            <a:schemeClr val="lt1"/>
+          </a:fontRef>
+        </p:style>
+        <p:txBody>
+          <a:bodyPr rtlCol="0" anchor="ctr"/>
+          <a:lstStyle/>
+          <a:p>
+            <a:pPr algn="ctr"/>
+            <a:endParaRPr lang="en-PH"/>
+          </a:p>
+        </p:txBody>
+      </p:sp>
       <p:graphicFrame>
         <p:nvGraphicFramePr>
-          <p:cNvPr id="7" name="Table 6">
-            <a:extLst>
-              <a:ext uri="{FF2B5EF4-FFF2-40B4-BE49-F238E27FC236}">
-                <a16:creationId xmlns:a16="http://schemas.microsoft.com/office/drawing/2014/main" id="{B0BDFF55-FE8B-93DB-64D8-46124C0A544B}"/>
+          <p:cNvPr id="16" name="Table 15">
+            <a:extLst>
+              <a:ext uri="{FF2B5EF4-FFF2-40B4-BE49-F238E27FC236}">
+                <a16:creationId xmlns:a16="http://schemas.microsoft.com/office/drawing/2014/main" id="{AAC4390B-6B1D-D9E9-FA0B-0BDB74C66E25}"/>
               </a:ext>
             </a:extLst>
           </p:cNvPr>
@@ -5040,14 +5143,14 @@
           <p:nvPr>
             <p:extLst>
               <p:ext uri="{D42A27DB-BD31-4B8C-83A1-F6EECF244321}">
-                <p14:modId xmlns:p14="http://schemas.microsoft.com/office/powerpoint/2010/main" val="295276401"/>
+                <p14:modId xmlns:p14="http://schemas.microsoft.com/office/powerpoint/2010/main" val="2141147965"/>
               </p:ext>
             </p:extLst>
           </p:nvPr>
         </p:nvGraphicFramePr>
         <p:xfrm>
-          <a:off x="836634" y="2935576"/>
-          <a:ext cx="2481198" cy="548640"/>
+          <a:off x="9012411" y="2738955"/>
+          <a:ext cx="3048132" cy="809450"/>
         </p:xfrm>
         <a:graphic>
           <a:graphicData uri="http://schemas.openxmlformats.org/drawingml/2006/table">
@@ -5056,21 +5159,21 @@
                 <a:tableStyleId>{5C22544A-7EE6-4342-B048-85BDC9FD1C3A}</a:tableStyleId>
               </a:tblPr>
               <a:tblGrid>
-                <a:gridCol w="827066">
+                <a:gridCol w="1016044">
                   <a:extLst>
                     <a:ext uri="{9D8B030D-6E8A-4147-A177-3AD203B41FA5}">
                       <a16:colId xmlns:a16="http://schemas.microsoft.com/office/drawing/2014/main" val="2151270615"/>
                     </a:ext>
                   </a:extLst>
                 </a:gridCol>
-                <a:gridCol w="827066">
+                <a:gridCol w="1016044">
                   <a:extLst>
                     <a:ext uri="{9D8B030D-6E8A-4147-A177-3AD203B41FA5}">
                       <a16:colId xmlns:a16="http://schemas.microsoft.com/office/drawing/2014/main" val="307781959"/>
                     </a:ext>
                   </a:extLst>
                 </a:gridCol>
-                <a:gridCol w="827066">
+                <a:gridCol w="1016044">
                   <a:extLst>
                     <a:ext uri="{9D8B030D-6E8A-4147-A177-3AD203B41FA5}">
                       <a16:colId xmlns:a16="http://schemas.microsoft.com/office/drawing/2014/main" val="3951014466"/>
@@ -5078,20 +5181,20 @@
                   </a:extLst>
                 </a:gridCol>
               </a:tblGrid>
-              <a:tr h="527436">
+              <a:tr h="809450">
                 <a:tc>
                   <a:txBody>
                     <a:bodyPr/>
                     <a:lstStyle/>
                     <a:p>
-                      <a:pPr algn="l"/>
+                      <a:pPr algn="ctr"/>
                       <a:endParaRPr lang="en-US" sz="1500" dirty="0"/>
                     </a:p>
                     <a:p>
-                      <a:pPr algn="l"/>
+                      <a:pPr algn="ctr"/>
                       <a:r>
                         <a:rPr lang="en-US" sz="1500" dirty="0"/>
-                        <a:t>PREV</a:t>
+                        <a:t>PREVIOUS</a:t>
                       </a:r>
                       <a:endParaRPr lang="en-PH" sz="1500" dirty="0"/>
                     </a:p>
@@ -5107,11 +5210,11 @@
                     <a:bodyPr/>
                     <a:lstStyle/>
                     <a:p>
-                      <a:pPr algn="l"/>
+                      <a:pPr algn="ctr"/>
                       <a:endParaRPr lang="en-US" sz="1500" dirty="0"/>
                     </a:p>
                     <a:p>
-                      <a:pPr algn="l"/>
+                      <a:pPr algn="ctr"/>
                       <a:r>
                         <a:rPr lang="en-US" sz="1500" dirty="0"/>
                         <a:t>DATA</a:t>
@@ -5126,11 +5229,11 @@
                     <a:bodyPr/>
                     <a:lstStyle/>
                     <a:p>
-                      <a:pPr algn="l"/>
+                      <a:pPr algn="ctr"/>
                       <a:endParaRPr lang="en-US" sz="1500" dirty="0"/>
                     </a:p>
                     <a:p>
-                      <a:pPr algn="l"/>
+                      <a:pPr algn="ctr"/>
                       <a:r>
                         <a:rPr lang="en-US" sz="1500" dirty="0"/>
                         <a:t>NEXT</a:t>
@@ -5154,176 +5257,103 @@
           </a:graphicData>
         </a:graphic>
       </p:graphicFrame>
-      <p:cxnSp>
-        <p:nvCxnSpPr>
-          <p:cNvPr id="10" name="Straight Arrow Connector 9">
-            <a:extLst>
-              <a:ext uri="{FF2B5EF4-FFF2-40B4-BE49-F238E27FC236}">
-                <a16:creationId xmlns:a16="http://schemas.microsoft.com/office/drawing/2014/main" id="{2A1182EC-A8C0-70F3-1196-A1377B440FDA}"/>
-              </a:ext>
-            </a:extLst>
-          </p:cNvPr>
-          <p:cNvCxnSpPr>
-            <a:cxnSpLocks/>
-          </p:cNvCxnSpPr>
+      <p:sp>
+        <p:nvSpPr>
+          <p:cNvPr id="17" name="Arrow: Right 16">
+            <a:extLst>
+              <a:ext uri="{FF2B5EF4-FFF2-40B4-BE49-F238E27FC236}">
+                <a16:creationId xmlns:a16="http://schemas.microsoft.com/office/drawing/2014/main" id="{CC45F287-2B73-3D1A-AC6A-E026408C6DCA}"/>
+              </a:ext>
+            </a:extLst>
+          </p:cNvPr>
+          <p:cNvSpPr/>
           <p:nvPr/>
-        </p:nvCxnSpPr>
+        </p:nvSpPr>
         <p:spPr>
           <a:xfrm>
-            <a:off x="3317832" y="3319611"/>
-            <a:ext cx="1598633" cy="11183"/>
+            <a:off x="3388256" y="3194080"/>
+            <a:ext cx="1219461" cy="410819"/>
           </a:xfrm>
-          <a:prstGeom prst="straightConnector1">
+          <a:prstGeom prst="rightArrow">
             <a:avLst/>
           </a:prstGeom>
-          <a:ln>
-            <a:tailEnd type="triangle"/>
-          </a:ln>
         </p:spPr>
         <p:style>
           <a:lnRef idx="3">
-            <a:schemeClr val="accent6"/>
+            <a:schemeClr val="lt1"/>
           </a:lnRef>
-          <a:fillRef idx="0">
+          <a:fillRef idx="1">
             <a:schemeClr val="accent6"/>
           </a:fillRef>
-          <a:effectRef idx="2">
+          <a:effectRef idx="1">
             <a:schemeClr val="accent6"/>
           </a:effectRef>
           <a:fontRef idx="minor">
-            <a:schemeClr val="tx1"/>
+            <a:schemeClr val="lt1"/>
           </a:fontRef>
         </p:style>
-      </p:cxnSp>
-      <p:cxnSp>
-        <p:nvCxnSpPr>
-          <p:cNvPr id="11" name="Straight Arrow Connector 10">
-            <a:extLst>
-              <a:ext uri="{FF2B5EF4-FFF2-40B4-BE49-F238E27FC236}">
-                <a16:creationId xmlns:a16="http://schemas.microsoft.com/office/drawing/2014/main" id="{D989B828-0816-3173-4314-3F51168C731B}"/>
-              </a:ext>
-            </a:extLst>
-          </p:cNvPr>
-          <p:cNvCxnSpPr>
-            <a:cxnSpLocks/>
-          </p:cNvCxnSpPr>
+        <p:txBody>
+          <a:bodyPr rtlCol="0" anchor="ctr"/>
+          <a:lstStyle/>
+          <a:p>
+            <a:pPr algn="ctr"/>
+            <a:endParaRPr lang="en-PH"/>
+          </a:p>
+        </p:txBody>
+      </p:sp>
+      <p:sp>
+        <p:nvSpPr>
+          <p:cNvPr id="19" name="Arrow: Right 18">
+            <a:extLst>
+              <a:ext uri="{FF2B5EF4-FFF2-40B4-BE49-F238E27FC236}">
+                <a16:creationId xmlns:a16="http://schemas.microsoft.com/office/drawing/2014/main" id="{977C377D-E1B0-2ECA-D1B8-F79371FB9722}"/>
+              </a:ext>
+            </a:extLst>
+          </p:cNvPr>
+          <p:cNvSpPr/>
           <p:nvPr/>
-        </p:nvCxnSpPr>
+        </p:nvSpPr>
         <p:spPr>
-          <a:xfrm>
-            <a:off x="7397663" y="3314601"/>
-            <a:ext cx="1598633" cy="16193"/>
+          <a:xfrm rot="10800000">
+            <a:off x="3321809" y="2768491"/>
+            <a:ext cx="1285908" cy="410819"/>
           </a:xfrm>
-          <a:prstGeom prst="straightConnector1">
+          <a:prstGeom prst="rightArrow">
             <a:avLst/>
           </a:prstGeom>
-          <a:ln>
-            <a:tailEnd type="triangle"/>
-          </a:ln>
+          <a:solidFill>
+            <a:srgbClr val="7030A0"/>
+          </a:solidFill>
         </p:spPr>
         <p:style>
           <a:lnRef idx="3">
-            <a:schemeClr val="accent6"/>
+            <a:schemeClr val="lt1"/>
           </a:lnRef>
-          <a:fillRef idx="0">
-            <a:schemeClr val="accent6"/>
+          <a:fillRef idx="1">
+            <a:schemeClr val="accent1"/>
           </a:fillRef>
-          <a:effectRef idx="2">
-            <a:schemeClr val="accent6"/>
+          <a:effectRef idx="1">
+            <a:schemeClr val="accent1"/>
           </a:effectRef>
           <a:fontRef idx="minor">
-            <a:schemeClr val="tx1"/>
+            <a:schemeClr val="lt1"/>
           </a:fontRef>
         </p:style>
-      </p:cxnSp>
-      <p:cxnSp>
-        <p:nvCxnSpPr>
-          <p:cNvPr id="18" name="Straight Arrow Connector 17">
-            <a:extLst>
-              <a:ext uri="{FF2B5EF4-FFF2-40B4-BE49-F238E27FC236}">
-                <a16:creationId xmlns:a16="http://schemas.microsoft.com/office/drawing/2014/main" id="{75BF7076-2D1E-106A-028E-DEC784A1DCFB}"/>
-              </a:ext>
-            </a:extLst>
-          </p:cNvPr>
-          <p:cNvCxnSpPr>
-            <a:cxnSpLocks/>
-          </p:cNvCxnSpPr>
-          <p:nvPr/>
-        </p:nvCxnSpPr>
-        <p:spPr>
-          <a:xfrm flipH="1">
-            <a:off x="3317832" y="3120013"/>
-            <a:ext cx="1598633" cy="0"/>
-          </a:xfrm>
-          <a:prstGeom prst="straightConnector1">
-            <a:avLst/>
-          </a:prstGeom>
-          <a:ln>
-            <a:tailEnd type="triangle"/>
-          </a:ln>
-        </p:spPr>
-        <p:style>
-          <a:lnRef idx="3">
-            <a:schemeClr val="accent6"/>
-          </a:lnRef>
-          <a:fillRef idx="0">
-            <a:schemeClr val="accent6"/>
-          </a:fillRef>
-          <a:effectRef idx="2">
-            <a:schemeClr val="accent6"/>
-          </a:effectRef>
-          <a:fontRef idx="minor">
-            <a:schemeClr val="tx1"/>
-          </a:fontRef>
-        </p:style>
-      </p:cxnSp>
-      <p:cxnSp>
-        <p:nvCxnSpPr>
-          <p:cNvPr id="22" name="Straight Arrow Connector 21">
-            <a:extLst>
-              <a:ext uri="{FF2B5EF4-FFF2-40B4-BE49-F238E27FC236}">
-                <a16:creationId xmlns:a16="http://schemas.microsoft.com/office/drawing/2014/main" id="{E6DA8E50-DAB9-98B5-8D95-FB4D40F7E1D9}"/>
-              </a:ext>
-            </a:extLst>
-          </p:cNvPr>
-          <p:cNvCxnSpPr>
-            <a:cxnSpLocks/>
-          </p:cNvCxnSpPr>
-          <p:nvPr/>
-        </p:nvCxnSpPr>
-        <p:spPr>
-          <a:xfrm flipH="1">
-            <a:off x="7397663" y="3117304"/>
-            <a:ext cx="1598633" cy="0"/>
-          </a:xfrm>
-          <a:prstGeom prst="straightConnector1">
-            <a:avLst/>
-          </a:prstGeom>
-          <a:ln>
-            <a:tailEnd type="triangle"/>
-          </a:ln>
-        </p:spPr>
-        <p:style>
-          <a:lnRef idx="3">
-            <a:schemeClr val="accent6"/>
-          </a:lnRef>
-          <a:fillRef idx="0">
-            <a:schemeClr val="accent6"/>
-          </a:fillRef>
-          <a:effectRef idx="2">
-            <a:schemeClr val="accent6"/>
-          </a:effectRef>
-          <a:fontRef idx="minor">
-            <a:schemeClr val="tx1"/>
-          </a:fontRef>
-        </p:style>
-      </p:cxnSp>
+        <p:txBody>
+          <a:bodyPr rtlCol="0" anchor="ctr"/>
+          <a:lstStyle/>
+          <a:p>
+            <a:pPr algn="ctr"/>
+            <a:endParaRPr lang="en-PH"/>
+          </a:p>
+        </p:txBody>
+      </p:sp>
       <p:graphicFrame>
         <p:nvGraphicFramePr>
-          <p:cNvPr id="26" name="Table 25">
-            <a:extLst>
-              <a:ext uri="{FF2B5EF4-FFF2-40B4-BE49-F238E27FC236}">
-                <a16:creationId xmlns:a16="http://schemas.microsoft.com/office/drawing/2014/main" id="{8781C46E-DD8A-F732-07E7-AF550FA2161A}"/>
+          <p:cNvPr id="20" name="Table 19">
+            <a:extLst>
+              <a:ext uri="{FF2B5EF4-FFF2-40B4-BE49-F238E27FC236}">
+                <a16:creationId xmlns:a16="http://schemas.microsoft.com/office/drawing/2014/main" id="{00791E64-A95A-51E1-39B0-160A0E8FAFF3}"/>
               </a:ext>
             </a:extLst>
           </p:cNvPr>
@@ -5333,14 +5363,14 @@
           <p:nvPr>
             <p:extLst>
               <p:ext uri="{D42A27DB-BD31-4B8C-83A1-F6EECF244321}">
-                <p14:modId xmlns:p14="http://schemas.microsoft.com/office/powerpoint/2010/main" val="4203571933"/>
+                <p14:modId xmlns:p14="http://schemas.microsoft.com/office/powerpoint/2010/main" val="1321990519"/>
               </p:ext>
             </p:extLst>
           </p:nvPr>
         </p:nvGraphicFramePr>
         <p:xfrm>
-          <a:off x="8996296" y="2946759"/>
-          <a:ext cx="2481198" cy="548640"/>
+          <a:off x="4643044" y="2753723"/>
+          <a:ext cx="3048132" cy="809450"/>
         </p:xfrm>
         <a:graphic>
           <a:graphicData uri="http://schemas.openxmlformats.org/drawingml/2006/table">
@@ -5349,21 +5379,21 @@
                 <a:tableStyleId>{5C22544A-7EE6-4342-B048-85BDC9FD1C3A}</a:tableStyleId>
               </a:tblPr>
               <a:tblGrid>
-                <a:gridCol w="827066">
+                <a:gridCol w="1016044">
                   <a:extLst>
                     <a:ext uri="{9D8B030D-6E8A-4147-A177-3AD203B41FA5}">
                       <a16:colId xmlns:a16="http://schemas.microsoft.com/office/drawing/2014/main" val="2151270615"/>
                     </a:ext>
                   </a:extLst>
                 </a:gridCol>
-                <a:gridCol w="827066">
+                <a:gridCol w="1016044">
                   <a:extLst>
                     <a:ext uri="{9D8B030D-6E8A-4147-A177-3AD203B41FA5}">
                       <a16:colId xmlns:a16="http://schemas.microsoft.com/office/drawing/2014/main" val="307781959"/>
                     </a:ext>
                   </a:extLst>
                 </a:gridCol>
-                <a:gridCol w="827066">
+                <a:gridCol w="1016044">
                   <a:extLst>
                     <a:ext uri="{9D8B030D-6E8A-4147-A177-3AD203B41FA5}">
                       <a16:colId xmlns:a16="http://schemas.microsoft.com/office/drawing/2014/main" val="3951014466"/>
@@ -5371,20 +5401,20 @@
                   </a:extLst>
                 </a:gridCol>
               </a:tblGrid>
-              <a:tr h="527436">
+              <a:tr h="809450">
                 <a:tc>
                   <a:txBody>
                     <a:bodyPr/>
                     <a:lstStyle/>
                     <a:p>
-                      <a:pPr algn="l"/>
+                      <a:pPr algn="ctr"/>
                       <a:endParaRPr lang="en-US" sz="1500" dirty="0"/>
                     </a:p>
                     <a:p>
-                      <a:pPr algn="l"/>
+                      <a:pPr algn="ctr"/>
                       <a:r>
                         <a:rPr lang="en-US" sz="1500" dirty="0"/>
-                        <a:t>PREV</a:t>
+                        <a:t>PREVIOUS</a:t>
                       </a:r>
                       <a:endParaRPr lang="en-PH" sz="1500" dirty="0"/>
                     </a:p>
@@ -5400,11 +5430,11 @@
                     <a:bodyPr/>
                     <a:lstStyle/>
                     <a:p>
-                      <a:pPr algn="l"/>
+                      <a:pPr algn="ctr"/>
                       <a:endParaRPr lang="en-US" sz="1500" dirty="0"/>
                     </a:p>
                     <a:p>
-                      <a:pPr algn="l"/>
+                      <a:pPr algn="ctr"/>
                       <a:r>
                         <a:rPr lang="en-US" sz="1500" dirty="0"/>
                         <a:t>DATA</a:t>
@@ -5419,11 +5449,11 @@
                     <a:bodyPr/>
                     <a:lstStyle/>
                     <a:p>
-                      <a:pPr algn="l"/>
+                      <a:pPr algn="ctr"/>
                       <a:endParaRPr lang="en-US" sz="1500" dirty="0"/>
                     </a:p>
                     <a:p>
-                      <a:pPr algn="l"/>
+                      <a:pPr algn="ctr"/>
                       <a:r>
                         <a:rPr lang="en-US" sz="1500" dirty="0"/>
                         <a:t>NEXT</a:t>
@@ -5449,10 +5479,10 @@
       </p:graphicFrame>
       <p:graphicFrame>
         <p:nvGraphicFramePr>
-          <p:cNvPr id="27" name="Table 26">
-            <a:extLst>
-              <a:ext uri="{FF2B5EF4-FFF2-40B4-BE49-F238E27FC236}">
-                <a16:creationId xmlns:a16="http://schemas.microsoft.com/office/drawing/2014/main" id="{048B6268-136D-92A1-8FC3-B0732C7D9C1F}"/>
+          <p:cNvPr id="21" name="Table 20">
+            <a:extLst>
+              <a:ext uri="{FF2B5EF4-FFF2-40B4-BE49-F238E27FC236}">
+                <a16:creationId xmlns:a16="http://schemas.microsoft.com/office/drawing/2014/main" id="{54D7A7D5-138A-137D-F2B9-08D36F3B45C3}"/>
               </a:ext>
             </a:extLst>
           </p:cNvPr>
@@ -5462,14 +5492,14 @@
           <p:nvPr>
             <p:extLst>
               <p:ext uri="{D42A27DB-BD31-4B8C-83A1-F6EECF244321}">
-                <p14:modId xmlns:p14="http://schemas.microsoft.com/office/powerpoint/2010/main" val="1531917094"/>
+                <p14:modId xmlns:p14="http://schemas.microsoft.com/office/powerpoint/2010/main" val="2750529028"/>
               </p:ext>
             </p:extLst>
           </p:nvPr>
         </p:nvGraphicFramePr>
         <p:xfrm>
-          <a:off x="4916465" y="2941380"/>
-          <a:ext cx="2481198" cy="548640"/>
+          <a:off x="235071" y="2753723"/>
+          <a:ext cx="3048132" cy="809450"/>
         </p:xfrm>
         <a:graphic>
           <a:graphicData uri="http://schemas.openxmlformats.org/drawingml/2006/table">
@@ -5478,21 +5508,21 @@
                 <a:tableStyleId>{5C22544A-7EE6-4342-B048-85BDC9FD1C3A}</a:tableStyleId>
               </a:tblPr>
               <a:tblGrid>
-                <a:gridCol w="827066">
+                <a:gridCol w="1016044">
                   <a:extLst>
                     <a:ext uri="{9D8B030D-6E8A-4147-A177-3AD203B41FA5}">
                       <a16:colId xmlns:a16="http://schemas.microsoft.com/office/drawing/2014/main" val="2151270615"/>
                     </a:ext>
                   </a:extLst>
                 </a:gridCol>
-                <a:gridCol w="827066">
+                <a:gridCol w="1016044">
                   <a:extLst>
                     <a:ext uri="{9D8B030D-6E8A-4147-A177-3AD203B41FA5}">
                       <a16:colId xmlns:a16="http://schemas.microsoft.com/office/drawing/2014/main" val="307781959"/>
                     </a:ext>
                   </a:extLst>
                 </a:gridCol>
-                <a:gridCol w="827066">
+                <a:gridCol w="1016044">
                   <a:extLst>
                     <a:ext uri="{9D8B030D-6E8A-4147-A177-3AD203B41FA5}">
                       <a16:colId xmlns:a16="http://schemas.microsoft.com/office/drawing/2014/main" val="3951014466"/>
@@ -5500,20 +5530,20 @@
                   </a:extLst>
                 </a:gridCol>
               </a:tblGrid>
-              <a:tr h="527436">
+              <a:tr h="809450">
                 <a:tc>
                   <a:txBody>
                     <a:bodyPr/>
                     <a:lstStyle/>
                     <a:p>
-                      <a:pPr algn="l"/>
+                      <a:pPr algn="ctr"/>
                       <a:endParaRPr lang="en-US" sz="1500" dirty="0"/>
                     </a:p>
                     <a:p>
-                      <a:pPr algn="l"/>
+                      <a:pPr algn="ctr"/>
                       <a:r>
                         <a:rPr lang="en-US" sz="1500" dirty="0"/>
-                        <a:t>PREV</a:t>
+                        <a:t>PREVIOUS</a:t>
                       </a:r>
                       <a:endParaRPr lang="en-PH" sz="1500" dirty="0"/>
                     </a:p>
@@ -5529,11 +5559,11 @@
                     <a:bodyPr/>
                     <a:lstStyle/>
                     <a:p>
-                      <a:pPr algn="l"/>
+                      <a:pPr algn="ctr"/>
                       <a:endParaRPr lang="en-US" sz="1500" dirty="0"/>
                     </a:p>
                     <a:p>
-                      <a:pPr algn="l"/>
+                      <a:pPr algn="ctr"/>
                       <a:r>
                         <a:rPr lang="en-US" sz="1500" dirty="0"/>
                         <a:t>DATA</a:t>
@@ -5548,11 +5578,11 @@
                     <a:bodyPr/>
                     <a:lstStyle/>
                     <a:p>
-                      <a:pPr algn="l"/>
+                      <a:pPr algn="ctr"/>
                       <a:endParaRPr lang="en-US" sz="1500" dirty="0"/>
                     </a:p>
                     <a:p>
-                      <a:pPr algn="l"/>
+                      <a:pPr algn="ctr"/>
                       <a:r>
                         <a:rPr lang="en-US" sz="1500" dirty="0"/>
                         <a:t>NEXT</a:t>
@@ -6292,135 +6322,226 @@
           </a:graphicData>
         </a:graphic>
       </p:graphicFrame>
-      <p:cxnSp>
-        <p:nvCxnSpPr>
-          <p:cNvPr id="7" name="Straight Arrow Connector 6">
-            <a:extLst>
-              <a:ext uri="{FF2B5EF4-FFF2-40B4-BE49-F238E27FC236}">
-                <a16:creationId xmlns:a16="http://schemas.microsoft.com/office/drawing/2014/main" id="{38C3412F-C9BF-798B-3804-6FC61F96D745}"/>
-              </a:ext>
-            </a:extLst>
-          </p:cNvPr>
-          <p:cNvCxnSpPr>
-            <a:cxnSpLocks/>
-          </p:cNvCxnSpPr>
+      <p:sp>
+        <p:nvSpPr>
+          <p:cNvPr id="8" name="Arrow: Right 7">
+            <a:extLst>
+              <a:ext uri="{FF2B5EF4-FFF2-40B4-BE49-F238E27FC236}">
+                <a16:creationId xmlns:a16="http://schemas.microsoft.com/office/drawing/2014/main" id="{4C702736-793A-D31B-A2F8-11939E4A795F}"/>
+              </a:ext>
+            </a:extLst>
+          </p:cNvPr>
+          <p:cNvSpPr/>
           <p:nvPr/>
-        </p:nvCxnSpPr>
+        </p:nvSpPr>
         <p:spPr>
           <a:xfrm>
-            <a:off x="3256768" y="2981880"/>
-            <a:ext cx="1598633" cy="11183"/>
+            <a:off x="3313100" y="2774152"/>
+            <a:ext cx="1490632" cy="410819"/>
           </a:xfrm>
-          <a:prstGeom prst="straightConnector1">
+          <a:prstGeom prst="rightArrow">
             <a:avLst/>
           </a:prstGeom>
-          <a:ln>
-            <a:tailEnd type="triangle"/>
-          </a:ln>
         </p:spPr>
         <p:style>
           <a:lnRef idx="3">
-            <a:schemeClr val="accent6"/>
+            <a:schemeClr val="lt1"/>
           </a:lnRef>
-          <a:fillRef idx="0">
+          <a:fillRef idx="1">
             <a:schemeClr val="accent6"/>
           </a:fillRef>
-          <a:effectRef idx="2">
+          <a:effectRef idx="1">
             <a:schemeClr val="accent6"/>
           </a:effectRef>
           <a:fontRef idx="minor">
-            <a:schemeClr val="tx1"/>
+            <a:schemeClr val="lt1"/>
           </a:fontRef>
         </p:style>
-      </p:cxnSp>
-      <p:cxnSp>
-        <p:nvCxnSpPr>
-          <p:cNvPr id="12" name="Connector: Elbow 11">
-            <a:extLst>
-              <a:ext uri="{FF2B5EF4-FFF2-40B4-BE49-F238E27FC236}">
-                <a16:creationId xmlns:a16="http://schemas.microsoft.com/office/drawing/2014/main" id="{5DE9BB52-DD64-FFD3-A83D-DBDFD228D0A8}"/>
-              </a:ext>
-            </a:extLst>
-          </p:cNvPr>
-          <p:cNvCxnSpPr>
-            <a:cxnSpLocks/>
-            <a:stCxn id="6" idx="3"/>
-            <a:endCxn id="3" idx="1"/>
-          </p:cNvCxnSpPr>
+        <p:txBody>
+          <a:bodyPr rtlCol="0" anchor="ctr"/>
+          <a:lstStyle/>
+          <a:p>
+            <a:pPr algn="ctr"/>
+            <a:endParaRPr lang="en-PH"/>
+          </a:p>
+        </p:txBody>
+      </p:sp>
+      <p:sp>
+        <p:nvSpPr>
+          <p:cNvPr id="9" name="Arrow: Right 8">
+            <a:extLst>
+              <a:ext uri="{FF2B5EF4-FFF2-40B4-BE49-F238E27FC236}">
+                <a16:creationId xmlns:a16="http://schemas.microsoft.com/office/drawing/2014/main" id="{498AAD9C-DCE7-D345-E5F8-B44AA4D69380}"/>
+              </a:ext>
+            </a:extLst>
+          </p:cNvPr>
+          <p:cNvSpPr/>
           <p:nvPr/>
-        </p:nvCxnSpPr>
+        </p:nvSpPr>
         <p:spPr>
-          <a:xfrm flipH="1" flipV="1">
-            <a:off x="775570" y="3248580"/>
-            <a:ext cx="10640860" cy="11183"/>
+          <a:xfrm>
+            <a:off x="7388268" y="2774151"/>
+            <a:ext cx="1498948" cy="410819"/>
           </a:xfrm>
-          <a:prstGeom prst="bentConnector5">
-            <a:avLst>
-              <a:gd name="adj1" fmla="val -2148"/>
-              <a:gd name="adj2" fmla="val 6955388"/>
-              <a:gd name="adj3" fmla="val 102148"/>
-            </a:avLst>
+          <a:prstGeom prst="rightArrow">
+            <a:avLst/>
           </a:prstGeom>
-          <a:ln>
-            <a:tailEnd type="triangle"/>
-          </a:ln>
         </p:spPr>
         <p:style>
           <a:lnRef idx="3">
-            <a:schemeClr val="accent6"/>
+            <a:schemeClr val="lt1"/>
           </a:lnRef>
-          <a:fillRef idx="0">
+          <a:fillRef idx="1">
             <a:schemeClr val="accent6"/>
           </a:fillRef>
-          <a:effectRef idx="2">
+          <a:effectRef idx="1">
             <a:schemeClr val="accent6"/>
           </a:effectRef>
           <a:fontRef idx="minor">
-            <a:schemeClr val="tx1"/>
+            <a:schemeClr val="lt1"/>
           </a:fontRef>
         </p:style>
-      </p:cxnSp>
-      <p:cxnSp>
-        <p:nvCxnSpPr>
-          <p:cNvPr id="16" name="Straight Arrow Connector 15">
-            <a:extLst>
-              <a:ext uri="{FF2B5EF4-FFF2-40B4-BE49-F238E27FC236}">
-                <a16:creationId xmlns:a16="http://schemas.microsoft.com/office/drawing/2014/main" id="{C2FB4AC3-F2D4-BA9F-98AE-3B1852398FEF}"/>
-              </a:ext>
-            </a:extLst>
-          </p:cNvPr>
-          <p:cNvCxnSpPr>
-            <a:cxnSpLocks/>
-          </p:cNvCxnSpPr>
+        <p:txBody>
+          <a:bodyPr rtlCol="0" anchor="ctr"/>
+          <a:lstStyle/>
+          <a:p>
+            <a:pPr algn="ctr"/>
+            <a:endParaRPr lang="en-PH"/>
+          </a:p>
+        </p:txBody>
+      </p:sp>
+      <p:sp>
+        <p:nvSpPr>
+          <p:cNvPr id="11" name="Arrow: Bent-Up 10">
+            <a:extLst>
+              <a:ext uri="{FF2B5EF4-FFF2-40B4-BE49-F238E27FC236}">
+                <a16:creationId xmlns:a16="http://schemas.microsoft.com/office/drawing/2014/main" id="{52409EAA-9086-B871-3C32-553936A7D8C1}"/>
+              </a:ext>
+            </a:extLst>
+          </p:cNvPr>
+          <p:cNvSpPr/>
           <p:nvPr/>
-        </p:nvCxnSpPr>
+        </p:nvSpPr>
         <p:spPr>
-          <a:xfrm>
-            <a:off x="7336599" y="2993063"/>
-            <a:ext cx="1598633" cy="11183"/>
+          <a:xfrm rot="5400000">
+            <a:off x="-27985" y="2295005"/>
+            <a:ext cx="949946" cy="731520"/>
           </a:xfrm>
-          <a:prstGeom prst="straightConnector1">
+          <a:prstGeom prst="bentUpArrow">
             <a:avLst/>
           </a:prstGeom>
-          <a:ln>
-            <a:tailEnd type="triangle"/>
-          </a:ln>
         </p:spPr>
         <p:style>
           <a:lnRef idx="3">
-            <a:schemeClr val="accent6"/>
+            <a:schemeClr val="lt1"/>
           </a:lnRef>
-          <a:fillRef idx="0">
+          <a:fillRef idx="1">
             <a:schemeClr val="accent6"/>
           </a:fillRef>
-          <a:effectRef idx="2">
+          <a:effectRef idx="1">
             <a:schemeClr val="accent6"/>
           </a:effectRef>
           <a:fontRef idx="minor">
-            <a:schemeClr val="tx1"/>
+            <a:schemeClr val="lt1"/>
           </a:fontRef>
         </p:style>
-      </p:cxnSp>
+        <p:txBody>
+          <a:bodyPr rtlCol="0" anchor="ctr"/>
+          <a:lstStyle/>
+          <a:p>
+            <a:pPr algn="ctr"/>
+            <a:endParaRPr lang="en-PH"/>
+          </a:p>
+        </p:txBody>
+      </p:sp>
+      <p:sp>
+        <p:nvSpPr>
+          <p:cNvPr id="13" name="Arrow: Right 12">
+            <a:extLst>
+              <a:ext uri="{FF2B5EF4-FFF2-40B4-BE49-F238E27FC236}">
+                <a16:creationId xmlns:a16="http://schemas.microsoft.com/office/drawing/2014/main" id="{F9BCC15A-6654-87B8-6D0C-2A442614191D}"/>
+              </a:ext>
+            </a:extLst>
+          </p:cNvPr>
+          <p:cNvSpPr/>
+          <p:nvPr/>
+        </p:nvSpPr>
+        <p:spPr>
+          <a:xfrm rot="10800000">
+            <a:off x="319411" y="2128023"/>
+            <a:ext cx="11624155" cy="410819"/>
+          </a:xfrm>
+          <a:prstGeom prst="rightArrow">
+            <a:avLst/>
+          </a:prstGeom>
+        </p:spPr>
+        <p:style>
+          <a:lnRef idx="3">
+            <a:schemeClr val="lt1"/>
+          </a:lnRef>
+          <a:fillRef idx="1">
+            <a:schemeClr val="accent6"/>
+          </a:fillRef>
+          <a:effectRef idx="1">
+            <a:schemeClr val="accent6"/>
+          </a:effectRef>
+          <a:fontRef idx="minor">
+            <a:schemeClr val="lt1"/>
+          </a:fontRef>
+        </p:style>
+        <p:txBody>
+          <a:bodyPr rtlCol="0" anchor="ctr"/>
+          <a:lstStyle/>
+          <a:p>
+            <a:pPr algn="ctr"/>
+            <a:endParaRPr lang="en-PH"/>
+          </a:p>
+        </p:txBody>
+      </p:sp>
+      <p:sp>
+        <p:nvSpPr>
+          <p:cNvPr id="14" name="Arrow: Bent-Up 13">
+            <a:extLst>
+              <a:ext uri="{FF2B5EF4-FFF2-40B4-BE49-F238E27FC236}">
+                <a16:creationId xmlns:a16="http://schemas.microsoft.com/office/drawing/2014/main" id="{082F52ED-23EB-8631-16A9-3CAAB9E5CEBA}"/>
+              </a:ext>
+            </a:extLst>
+          </p:cNvPr>
+          <p:cNvSpPr/>
+          <p:nvPr/>
+        </p:nvSpPr>
+        <p:spPr>
+          <a:xfrm>
+            <a:off x="11464446" y="2404218"/>
+            <a:ext cx="705557" cy="731520"/>
+          </a:xfrm>
+          <a:prstGeom prst="bentUpArrow">
+            <a:avLst/>
+          </a:prstGeom>
+        </p:spPr>
+        <p:style>
+          <a:lnRef idx="3">
+            <a:schemeClr val="lt1"/>
+          </a:lnRef>
+          <a:fillRef idx="1">
+            <a:schemeClr val="accent6"/>
+          </a:fillRef>
+          <a:effectRef idx="1">
+            <a:schemeClr val="accent6"/>
+          </a:effectRef>
+          <a:fontRef idx="minor">
+            <a:schemeClr val="lt1"/>
+          </a:fontRef>
+        </p:style>
+        <p:txBody>
+          <a:bodyPr rtlCol="0" anchor="ctr"/>
+          <a:lstStyle/>
+          <a:p>
+            <a:pPr algn="ctr"/>
+            <a:endParaRPr lang="en-PH"/>
+          </a:p>
+        </p:txBody>
+      </p:sp>
     </p:spTree>
     <p:extLst>
       <p:ext uri="{BB962C8B-B14F-4D97-AF65-F5344CB8AC3E}">
@@ -6608,7 +6729,7 @@
             <a:r>
               <a:rPr lang="en-US" sz="2900" b="1" i="0" dirty="0">
                 <a:solidFill>
-                  <a:srgbClr val="252C33"/>
+                  <a:srgbClr val="0070C0"/>
                 </a:solidFill>
                 <a:effectLst/>
                 <a:latin typeface="Calibri Light (Headings)"/>
@@ -6628,12 +6749,22 @@
             <a:r>
               <a:rPr lang="en-US" sz="2900" b="1" i="0" dirty="0">
                 <a:solidFill>
+                  <a:srgbClr val="00B050"/>
+                </a:solidFill>
+                <a:effectLst/>
+                <a:latin typeface="Calibri Light (Headings)"/>
+              </a:rPr>
+              <a:t>Next Pointer</a:t>
+            </a:r>
+            <a:r>
+              <a:rPr lang="en-US" sz="2900" b="1" i="0" dirty="0">
+                <a:solidFill>
                   <a:srgbClr val="252C33"/>
                 </a:solidFill>
                 <a:effectLst/>
                 <a:latin typeface="Calibri Light (Headings)"/>
               </a:rPr>
-              <a:t>Next Pointer.</a:t>
+              <a:t>.</a:t>
             </a:r>
           </a:p>
           <a:p>
@@ -7443,7 +7574,11 @@
               <a:t>Is a linear data structure that includes </a:t>
             </a:r>
             <a:r>
-              <a:rPr lang="en-US" sz="3000" b="1" dirty="0"/>
+              <a:rPr lang="en-US" sz="3000" b="1" dirty="0">
+                <a:solidFill>
+                  <a:srgbClr val="00B050"/>
+                </a:solidFill>
+              </a:rPr>
               <a:t>a series of connected nodes</a:t>
             </a:r>
             <a:r>
@@ -7605,10 +7740,10 @@
       </p:sp>
       <p:graphicFrame>
         <p:nvGraphicFramePr>
-          <p:cNvPr id="3" name="Table 5">
-            <a:extLst>
-              <a:ext uri="{FF2B5EF4-FFF2-40B4-BE49-F238E27FC236}">
-                <a16:creationId xmlns:a16="http://schemas.microsoft.com/office/drawing/2014/main" id="{1CEE545F-F5AE-4332-A50D-212635419FE8}"/>
+          <p:cNvPr id="14" name="Table 13">
+            <a:extLst>
+              <a:ext uri="{FF2B5EF4-FFF2-40B4-BE49-F238E27FC236}">
+                <a16:creationId xmlns:a16="http://schemas.microsoft.com/office/drawing/2014/main" id="{B04CA4F2-E349-EFB2-6BC8-88BD0D305CAD}"/>
               </a:ext>
             </a:extLst>
           </p:cNvPr>
@@ -7618,13 +7753,13 @@
           <p:nvPr>
             <p:extLst>
               <p:ext uri="{D42A27DB-BD31-4B8C-83A1-F6EECF244321}">
-                <p14:modId xmlns:p14="http://schemas.microsoft.com/office/powerpoint/2010/main" val="2470575521"/>
+                <p14:modId xmlns:p14="http://schemas.microsoft.com/office/powerpoint/2010/main" val="386220914"/>
               </p:ext>
             </p:extLst>
           </p:nvPr>
         </p:nvGraphicFramePr>
         <p:xfrm>
-          <a:off x="775570" y="2710542"/>
+          <a:off x="969723" y="2986115"/>
           <a:ext cx="2481198" cy="1076076"/>
         </p:xfrm>
         <a:graphic>
@@ -7707,7 +7842,7 @@
                       <a:pPr algn="ctr"/>
                       <a:r>
                         <a:rPr lang="en-US" sz="1500" b="1" dirty="0"/>
-                        <a:t>Node 1</a:t>
+                        <a:t>Head</a:t>
                       </a:r>
                       <a:endParaRPr lang="en-PH" sz="1500" b="1" dirty="0"/>
                     </a:p>
@@ -7735,7 +7870,7 @@
                 </a:tc>
                 <a:extLst>
                   <a:ext uri="{0D108BD9-81ED-4DB2-BD59-A6C34878D82A}">
-                    <a16:rowId xmlns:a16="http://schemas.microsoft.com/office/drawing/2014/main" val="47440809"/>
+                    <a16:rowId xmlns:a16="http://schemas.microsoft.com/office/drawing/2014/main" val="1504590453"/>
                   </a:ext>
                 </a:extLst>
               </a:tr>
@@ -7745,10 +7880,10 @@
       </p:graphicFrame>
       <p:graphicFrame>
         <p:nvGraphicFramePr>
-          <p:cNvPr id="5" name="Table 5">
-            <a:extLst>
-              <a:ext uri="{FF2B5EF4-FFF2-40B4-BE49-F238E27FC236}">
-                <a16:creationId xmlns:a16="http://schemas.microsoft.com/office/drawing/2014/main" id="{E23C58A9-EEE1-BCE1-6DF0-7BAF56AA944C}"/>
+          <p:cNvPr id="15" name="Table 5">
+            <a:extLst>
+              <a:ext uri="{FF2B5EF4-FFF2-40B4-BE49-F238E27FC236}">
+                <a16:creationId xmlns:a16="http://schemas.microsoft.com/office/drawing/2014/main" id="{4757E4CD-44FD-F65B-0D37-50F4685745DA}"/>
               </a:ext>
             </a:extLst>
           </p:cNvPr>
@@ -7758,13 +7893,149 @@
           <p:nvPr>
             <p:extLst>
               <p:ext uri="{D42A27DB-BD31-4B8C-83A1-F6EECF244321}">
-                <p14:modId xmlns:p14="http://schemas.microsoft.com/office/powerpoint/2010/main" val="720799133"/>
+                <p14:modId xmlns:p14="http://schemas.microsoft.com/office/powerpoint/2010/main" val="3660591978"/>
               </p:ext>
             </p:extLst>
           </p:nvPr>
         </p:nvGraphicFramePr>
         <p:xfrm>
-          <a:off x="4855401" y="2721725"/>
+          <a:off x="5049554" y="2997298"/>
+          <a:ext cx="2481198" cy="1076076"/>
+        </p:xfrm>
+        <a:graphic>
+          <a:graphicData uri="http://schemas.openxmlformats.org/drawingml/2006/table">
+            <a:tbl>
+              <a:tblPr firstRow="1" bandRow="1">
+                <a:tableStyleId>{5C22544A-7EE6-4342-B048-85BDC9FD1C3A}</a:tableStyleId>
+              </a:tblPr>
+              <a:tblGrid>
+                <a:gridCol w="1240599">
+                  <a:extLst>
+                    <a:ext uri="{9D8B030D-6E8A-4147-A177-3AD203B41FA5}">
+                      <a16:colId xmlns:a16="http://schemas.microsoft.com/office/drawing/2014/main" val="307781959"/>
+                    </a:ext>
+                  </a:extLst>
+                </a:gridCol>
+                <a:gridCol w="1240599">
+                  <a:extLst>
+                    <a:ext uri="{9D8B030D-6E8A-4147-A177-3AD203B41FA5}">
+                      <a16:colId xmlns:a16="http://schemas.microsoft.com/office/drawing/2014/main" val="3951014466"/>
+                    </a:ext>
+                  </a:extLst>
+                </a:gridCol>
+              </a:tblGrid>
+              <a:tr h="527436">
+                <a:tc>
+                  <a:txBody>
+                    <a:bodyPr/>
+                    <a:lstStyle/>
+                    <a:p>
+                      <a:pPr algn="l"/>
+                      <a:endParaRPr lang="en-US" sz="1500" dirty="0"/>
+                    </a:p>
+                    <a:p>
+                      <a:pPr algn="l"/>
+                      <a:r>
+                        <a:rPr lang="en-US" sz="1500" dirty="0"/>
+                        <a:t>DATA</a:t>
+                      </a:r>
+                      <a:endParaRPr lang="en-PH" sz="1500" dirty="0"/>
+                    </a:p>
+                  </a:txBody>
+                  <a:tcPr/>
+                </a:tc>
+                <a:tc>
+                  <a:txBody>
+                    <a:bodyPr/>
+                    <a:lstStyle/>
+                    <a:p>
+                      <a:pPr algn="l"/>
+                      <a:endParaRPr lang="en-US" sz="1500" dirty="0"/>
+                    </a:p>
+                    <a:p>
+                      <a:pPr algn="l"/>
+                      <a:r>
+                        <a:rPr lang="en-US" sz="1500" dirty="0"/>
+                        <a:t>NEXT</a:t>
+                      </a:r>
+                      <a:endParaRPr lang="en-PH" sz="1500" dirty="0"/>
+                    </a:p>
+                  </a:txBody>
+                  <a:tcPr>
+                    <a:solidFill>
+                      <a:srgbClr val="00B050"/>
+                    </a:solidFill>
+                  </a:tcPr>
+                </a:tc>
+                <a:extLst>
+                  <a:ext uri="{0D108BD9-81ED-4DB2-BD59-A6C34878D82A}">
+                    <a16:rowId xmlns:a16="http://schemas.microsoft.com/office/drawing/2014/main" val="35935662"/>
+                  </a:ext>
+                </a:extLst>
+              </a:tr>
+              <a:tr h="527436">
+                <a:tc gridSpan="2">
+                  <a:txBody>
+                    <a:bodyPr/>
+                    <a:lstStyle/>
+                    <a:p>
+                      <a:pPr algn="l"/>
+                      <a:endParaRPr lang="en-PH" sz="1500" dirty="0"/>
+                    </a:p>
+                  </a:txBody>
+                  <a:tcPr>
+                    <a:solidFill>
+                      <a:schemeClr val="bg1"/>
+                    </a:solidFill>
+                  </a:tcPr>
+                </a:tc>
+                <a:tc hMerge="1">
+                  <a:txBody>
+                    <a:bodyPr/>
+                    <a:lstStyle/>
+                    <a:p>
+                      <a:pPr algn="l"/>
+                      <a:endParaRPr lang="en-PH" sz="1500" dirty="0"/>
+                    </a:p>
+                  </a:txBody>
+                  <a:tcPr>
+                    <a:solidFill>
+                      <a:srgbClr val="00B050"/>
+                    </a:solidFill>
+                  </a:tcPr>
+                </a:tc>
+                <a:extLst>
+                  <a:ext uri="{0D108BD9-81ED-4DB2-BD59-A6C34878D82A}">
+                    <a16:rowId xmlns:a16="http://schemas.microsoft.com/office/drawing/2014/main" val="191432354"/>
+                  </a:ext>
+                </a:extLst>
+              </a:tr>
+            </a:tbl>
+          </a:graphicData>
+        </a:graphic>
+      </p:graphicFrame>
+      <p:graphicFrame>
+        <p:nvGraphicFramePr>
+          <p:cNvPr id="16" name="Table 15">
+            <a:extLst>
+              <a:ext uri="{FF2B5EF4-FFF2-40B4-BE49-F238E27FC236}">
+                <a16:creationId xmlns:a16="http://schemas.microsoft.com/office/drawing/2014/main" id="{EC128DAF-CAB3-535D-AB08-7D42CBE45A26}"/>
+              </a:ext>
+            </a:extLst>
+          </p:cNvPr>
+          <p:cNvGraphicFramePr>
+            <a:graphicFrameLocks noGrp="1"/>
+          </p:cNvGraphicFramePr>
+          <p:nvPr>
+            <p:extLst>
+              <p:ext uri="{D42A27DB-BD31-4B8C-83A1-F6EECF244321}">
+                <p14:modId xmlns:p14="http://schemas.microsoft.com/office/powerpoint/2010/main" val="3100039406"/>
+              </p:ext>
+            </p:extLst>
+          </p:nvPr>
+        </p:nvGraphicFramePr>
+        <p:xfrm>
+          <a:off x="8963416" y="2986115"/>
           <a:ext cx="2481198" cy="1076076"/>
         </p:xfrm>
         <a:graphic>
@@ -7847,7 +8118,7 @@
                       <a:pPr algn="ctr"/>
                       <a:r>
                         <a:rPr lang="en-US" sz="1500" b="1" dirty="0"/>
-                        <a:t>Node 2</a:t>
+                        <a:t>Tail</a:t>
                       </a:r>
                       <a:endParaRPr lang="en-PH" sz="1500" b="1" dirty="0"/>
                     </a:p>
@@ -7875,7 +8146,7 @@
                 </a:tc>
                 <a:extLst>
                   <a:ext uri="{0D108BD9-81ED-4DB2-BD59-A6C34878D82A}">
-                    <a16:rowId xmlns:a16="http://schemas.microsoft.com/office/drawing/2014/main" val="3955143049"/>
+                    <a16:rowId xmlns:a16="http://schemas.microsoft.com/office/drawing/2014/main" val="2177093656"/>
                   </a:ext>
                 </a:extLst>
               </a:tr>
@@ -7883,228 +8154,94 @@
           </a:graphicData>
         </a:graphic>
       </p:graphicFrame>
-      <p:graphicFrame>
-        <p:nvGraphicFramePr>
-          <p:cNvPr id="6" name="Table 5">
-            <a:extLst>
-              <a:ext uri="{FF2B5EF4-FFF2-40B4-BE49-F238E27FC236}">
-                <a16:creationId xmlns:a16="http://schemas.microsoft.com/office/drawing/2014/main" id="{C9DA1D23-F23A-A009-C205-43A707A0CD88}"/>
-              </a:ext>
-            </a:extLst>
-          </p:cNvPr>
-          <p:cNvGraphicFramePr>
-            <a:graphicFrameLocks noGrp="1"/>
-          </p:cNvGraphicFramePr>
-          <p:nvPr>
-            <p:extLst>
-              <p:ext uri="{D42A27DB-BD31-4B8C-83A1-F6EECF244321}">
-                <p14:modId xmlns:p14="http://schemas.microsoft.com/office/powerpoint/2010/main" val="1547196359"/>
-              </p:ext>
-            </p:extLst>
-          </p:nvPr>
-        </p:nvGraphicFramePr>
-        <p:xfrm>
-          <a:off x="8769263" y="2710542"/>
-          <a:ext cx="2481198" cy="1076076"/>
-        </p:xfrm>
-        <a:graphic>
-          <a:graphicData uri="http://schemas.openxmlformats.org/drawingml/2006/table">
-            <a:tbl>
-              <a:tblPr firstRow="1" bandRow="1">
-                <a:tableStyleId>{5C22544A-7EE6-4342-B048-85BDC9FD1C3A}</a:tableStyleId>
-              </a:tblPr>
-              <a:tblGrid>
-                <a:gridCol w="1240599">
-                  <a:extLst>
-                    <a:ext uri="{9D8B030D-6E8A-4147-A177-3AD203B41FA5}">
-                      <a16:colId xmlns:a16="http://schemas.microsoft.com/office/drawing/2014/main" val="307781959"/>
-                    </a:ext>
-                  </a:extLst>
-                </a:gridCol>
-                <a:gridCol w="1240599">
-                  <a:extLst>
-                    <a:ext uri="{9D8B030D-6E8A-4147-A177-3AD203B41FA5}">
-                      <a16:colId xmlns:a16="http://schemas.microsoft.com/office/drawing/2014/main" val="3951014466"/>
-                    </a:ext>
-                  </a:extLst>
-                </a:gridCol>
-              </a:tblGrid>
-              <a:tr h="527436">
-                <a:tc>
-                  <a:txBody>
-                    <a:bodyPr/>
-                    <a:lstStyle/>
-                    <a:p>
-                      <a:pPr algn="l"/>
-                      <a:endParaRPr lang="en-US" sz="1500" b="1" dirty="0"/>
-                    </a:p>
-                    <a:p>
-                      <a:pPr algn="l"/>
-                      <a:r>
-                        <a:rPr lang="en-US" sz="1500" b="1" dirty="0"/>
-                        <a:t>DATA</a:t>
-                      </a:r>
-                      <a:endParaRPr lang="en-PH" sz="1500" b="1" dirty="0"/>
-                    </a:p>
-                  </a:txBody>
-                  <a:tcPr/>
-                </a:tc>
-                <a:tc>
-                  <a:txBody>
-                    <a:bodyPr/>
-                    <a:lstStyle/>
-                    <a:p>
-                      <a:pPr algn="l"/>
-                      <a:endParaRPr lang="en-US" sz="1500" b="1" dirty="0"/>
-                    </a:p>
-                    <a:p>
-                      <a:pPr algn="l"/>
-                      <a:r>
-                        <a:rPr lang="en-US" sz="1500" b="1" dirty="0"/>
-                        <a:t>NEXT</a:t>
-                      </a:r>
-                      <a:endParaRPr lang="en-PH" sz="1500" b="1" dirty="0"/>
-                    </a:p>
-                  </a:txBody>
-                  <a:tcPr>
-                    <a:solidFill>
-                      <a:srgbClr val="00B050"/>
-                    </a:solidFill>
-                  </a:tcPr>
-                </a:tc>
-                <a:extLst>
-                  <a:ext uri="{0D108BD9-81ED-4DB2-BD59-A6C34878D82A}">
-                    <a16:rowId xmlns:a16="http://schemas.microsoft.com/office/drawing/2014/main" val="35935662"/>
-                  </a:ext>
-                </a:extLst>
-              </a:tr>
-              <a:tr h="527436">
-                <a:tc gridSpan="2">
-                  <a:txBody>
-                    <a:bodyPr/>
-                    <a:lstStyle/>
-                    <a:p>
-                      <a:pPr algn="ctr"/>
-                      <a:r>
-                        <a:rPr lang="en-US" sz="1500" b="1" dirty="0"/>
-                        <a:t>Node 3</a:t>
-                      </a:r>
-                      <a:endParaRPr lang="en-PH" sz="1500" b="1" dirty="0"/>
-                    </a:p>
-                  </a:txBody>
-                  <a:tcPr>
-                    <a:solidFill>
-                      <a:schemeClr val="bg1"/>
-                    </a:solidFill>
-                  </a:tcPr>
-                </a:tc>
-                <a:tc hMerge="1">
-                  <a:txBody>
-                    <a:bodyPr/>
-                    <a:lstStyle/>
-                    <a:p>
-                      <a:pPr algn="l"/>
-                      <a:endParaRPr lang="en-PH" sz="1500" dirty="0"/>
-                    </a:p>
-                  </a:txBody>
-                  <a:tcPr>
-                    <a:solidFill>
-                      <a:srgbClr val="00B050"/>
-                    </a:solidFill>
-                  </a:tcPr>
-                </a:tc>
-                <a:extLst>
-                  <a:ext uri="{0D108BD9-81ED-4DB2-BD59-A6C34878D82A}">
-                    <a16:rowId xmlns:a16="http://schemas.microsoft.com/office/drawing/2014/main" val="1451245722"/>
-                  </a:ext>
-                </a:extLst>
-              </a:tr>
-            </a:tbl>
-          </a:graphicData>
-        </a:graphic>
-      </p:graphicFrame>
-      <p:cxnSp>
-        <p:nvCxnSpPr>
-          <p:cNvPr id="9" name="Straight Arrow Connector 8">
-            <a:extLst>
-              <a:ext uri="{FF2B5EF4-FFF2-40B4-BE49-F238E27FC236}">
-                <a16:creationId xmlns:a16="http://schemas.microsoft.com/office/drawing/2014/main" id="{9F33941E-F2E5-C49A-777B-9D280067C86F}"/>
-              </a:ext>
-            </a:extLst>
-          </p:cNvPr>
-          <p:cNvCxnSpPr>
-            <a:cxnSpLocks/>
-          </p:cNvCxnSpPr>
+      <p:sp>
+        <p:nvSpPr>
+          <p:cNvPr id="17" name="Arrow: Right 16">
+            <a:extLst>
+              <a:ext uri="{FF2B5EF4-FFF2-40B4-BE49-F238E27FC236}">
+                <a16:creationId xmlns:a16="http://schemas.microsoft.com/office/drawing/2014/main" id="{61DC6284-A743-336C-58A9-33FA051D36A7}"/>
+              </a:ext>
+            </a:extLst>
+          </p:cNvPr>
+          <p:cNvSpPr/>
           <p:nvPr/>
-        </p:nvCxnSpPr>
+        </p:nvSpPr>
         <p:spPr>
           <a:xfrm>
-            <a:off x="3256768" y="2994580"/>
-            <a:ext cx="1598633" cy="11183"/>
+            <a:off x="7637353" y="3113334"/>
+            <a:ext cx="1219461" cy="410819"/>
           </a:xfrm>
-          <a:prstGeom prst="straightConnector1">
+          <a:prstGeom prst="rightArrow">
             <a:avLst/>
           </a:prstGeom>
-          <a:ln>
-            <a:tailEnd type="triangle"/>
-          </a:ln>
         </p:spPr>
         <p:style>
           <a:lnRef idx="3">
-            <a:schemeClr val="accent6"/>
+            <a:schemeClr val="lt1"/>
           </a:lnRef>
-          <a:fillRef idx="0">
+          <a:fillRef idx="1">
             <a:schemeClr val="accent6"/>
           </a:fillRef>
-          <a:effectRef idx="2">
+          <a:effectRef idx="1">
             <a:schemeClr val="accent6"/>
           </a:effectRef>
           <a:fontRef idx="minor">
-            <a:schemeClr val="tx1"/>
+            <a:schemeClr val="lt1"/>
           </a:fontRef>
         </p:style>
-      </p:cxnSp>
-      <p:cxnSp>
-        <p:nvCxnSpPr>
-          <p:cNvPr id="13" name="Straight Arrow Connector 12">
-            <a:extLst>
-              <a:ext uri="{FF2B5EF4-FFF2-40B4-BE49-F238E27FC236}">
-                <a16:creationId xmlns:a16="http://schemas.microsoft.com/office/drawing/2014/main" id="{A92DBB1F-CEB4-5971-5F90-790E605B1462}"/>
-              </a:ext>
-            </a:extLst>
-          </p:cNvPr>
-          <p:cNvCxnSpPr>
-            <a:cxnSpLocks/>
-          </p:cNvCxnSpPr>
+        <p:txBody>
+          <a:bodyPr rtlCol="0" anchor="ctr"/>
+          <a:lstStyle/>
+          <a:p>
+            <a:pPr algn="ctr"/>
+            <a:endParaRPr lang="en-PH"/>
+          </a:p>
+        </p:txBody>
+      </p:sp>
+      <p:sp>
+        <p:nvSpPr>
+          <p:cNvPr id="18" name="Arrow: Right 17">
+            <a:extLst>
+              <a:ext uri="{FF2B5EF4-FFF2-40B4-BE49-F238E27FC236}">
+                <a16:creationId xmlns:a16="http://schemas.microsoft.com/office/drawing/2014/main" id="{3A96433D-783F-34F6-F6AC-30523C8AFA0A}"/>
+              </a:ext>
+            </a:extLst>
+          </p:cNvPr>
+          <p:cNvSpPr/>
           <p:nvPr/>
-        </p:nvCxnSpPr>
+        </p:nvSpPr>
         <p:spPr>
-          <a:xfrm flipV="1">
-            <a:off x="7336599" y="2972910"/>
-            <a:ext cx="1432664" cy="11183"/>
+          <a:xfrm>
+            <a:off x="3713866" y="3068672"/>
+            <a:ext cx="1219461" cy="410819"/>
           </a:xfrm>
-          <a:prstGeom prst="straightConnector1">
+          <a:prstGeom prst="rightArrow">
             <a:avLst/>
           </a:prstGeom>
-          <a:ln>
-            <a:tailEnd type="triangle"/>
-          </a:ln>
         </p:spPr>
         <p:style>
           <a:lnRef idx="3">
-            <a:schemeClr val="accent6"/>
+            <a:schemeClr val="lt1"/>
           </a:lnRef>
-          <a:fillRef idx="0">
+          <a:fillRef idx="1">
             <a:schemeClr val="accent6"/>
           </a:fillRef>
-          <a:effectRef idx="2">
+          <a:effectRef idx="1">
             <a:schemeClr val="accent6"/>
           </a:effectRef>
           <a:fontRef idx="minor">
-            <a:schemeClr val="tx1"/>
+            <a:schemeClr val="lt1"/>
           </a:fontRef>
         </p:style>
-      </p:cxnSp>
+        <p:txBody>
+          <a:bodyPr rtlCol="0" anchor="ctr"/>
+          <a:lstStyle/>
+          <a:p>
+            <a:pPr algn="ctr"/>
+            <a:endParaRPr lang="en-PH"/>
+          </a:p>
+        </p:txBody>
+      </p:sp>
     </p:spTree>
     <p:extLst>
       <p:ext uri="{BB962C8B-B14F-4D97-AF65-F5344CB8AC3E}">
@@ -8115,248 +8252,6 @@
   <p:clrMapOvr>
     <a:masterClrMapping/>
   </p:clrMapOvr>
-  <p:timing>
-    <p:tnLst>
-      <p:par>
-        <p:cTn id="1" dur="indefinite" restart="never" nodeType="tmRoot">
-          <p:childTnLst>
-            <p:seq concurrent="1" nextAc="seek">
-              <p:cTn id="2" dur="indefinite" nodeType="mainSeq">
-                <p:childTnLst>
-                  <p:par>
-                    <p:cTn id="3" fill="hold">
-                      <p:stCondLst>
-                        <p:cond delay="indefinite"/>
-                      </p:stCondLst>
-                      <p:childTnLst>
-                        <p:par>
-                          <p:cTn id="4" fill="hold">
-                            <p:stCondLst>
-                              <p:cond delay="0"/>
-                            </p:stCondLst>
-                            <p:childTnLst>
-                              <p:par>
-                                <p:cTn id="5" presetID="10" presetClass="entr" presetSubtype="0" fill="hold" nodeType="clickEffect">
-                                  <p:stCondLst>
-                                    <p:cond delay="0"/>
-                                  </p:stCondLst>
-                                  <p:childTnLst>
-                                    <p:set>
-                                      <p:cBhvr>
-                                        <p:cTn id="6" dur="1" fill="hold">
-                                          <p:stCondLst>
-                                            <p:cond delay="0"/>
-                                          </p:stCondLst>
-                                        </p:cTn>
-                                        <p:tgtEl>
-                                          <p:spTgt spid="9"/>
-                                        </p:tgtEl>
-                                        <p:attrNameLst>
-                                          <p:attrName>style.visibility</p:attrName>
-                                        </p:attrNameLst>
-                                      </p:cBhvr>
-                                      <p:to>
-                                        <p:strVal val="visible"/>
-                                      </p:to>
-                                    </p:set>
-                                    <p:animEffect transition="in" filter="fade">
-                                      <p:cBhvr>
-                                        <p:cTn id="7" dur="500"/>
-                                        <p:tgtEl>
-                                          <p:spTgt spid="9"/>
-                                        </p:tgtEl>
-                                      </p:cBhvr>
-                                    </p:animEffect>
-                                  </p:childTnLst>
-                                </p:cTn>
-                              </p:par>
-                            </p:childTnLst>
-                          </p:cTn>
-                        </p:par>
-                      </p:childTnLst>
-                    </p:cTn>
-                  </p:par>
-                  <p:par>
-                    <p:cTn id="8" fill="hold">
-                      <p:stCondLst>
-                        <p:cond delay="indefinite"/>
-                      </p:stCondLst>
-                      <p:childTnLst>
-                        <p:par>
-                          <p:cTn id="9" fill="hold">
-                            <p:stCondLst>
-                              <p:cond delay="0"/>
-                            </p:stCondLst>
-                            <p:childTnLst>
-                              <p:par>
-                                <p:cTn id="10" presetID="10" presetClass="entr" presetSubtype="0" fill="hold" nodeType="clickEffect">
-                                  <p:stCondLst>
-                                    <p:cond delay="0"/>
-                                  </p:stCondLst>
-                                  <p:childTnLst>
-                                    <p:set>
-                                      <p:cBhvr>
-                                        <p:cTn id="11" dur="1" fill="hold">
-                                          <p:stCondLst>
-                                            <p:cond delay="0"/>
-                                          </p:stCondLst>
-                                        </p:cTn>
-                                        <p:tgtEl>
-                                          <p:spTgt spid="5"/>
-                                        </p:tgtEl>
-                                        <p:attrNameLst>
-                                          <p:attrName>style.visibility</p:attrName>
-                                        </p:attrNameLst>
-                                      </p:cBhvr>
-                                      <p:to>
-                                        <p:strVal val="visible"/>
-                                      </p:to>
-                                    </p:set>
-                                    <p:animEffect transition="in" filter="fade">
-                                      <p:cBhvr>
-                                        <p:cTn id="12" dur="500"/>
-                                        <p:tgtEl>
-                                          <p:spTgt spid="5"/>
-                                        </p:tgtEl>
-                                      </p:cBhvr>
-                                    </p:animEffect>
-                                  </p:childTnLst>
-                                </p:cTn>
-                              </p:par>
-                            </p:childTnLst>
-                          </p:cTn>
-                        </p:par>
-                      </p:childTnLst>
-                    </p:cTn>
-                  </p:par>
-                  <p:par>
-                    <p:cTn id="13" fill="hold">
-                      <p:stCondLst>
-                        <p:cond delay="indefinite"/>
-                      </p:stCondLst>
-                      <p:childTnLst>
-                        <p:par>
-                          <p:cTn id="14" fill="hold">
-                            <p:stCondLst>
-                              <p:cond delay="0"/>
-                            </p:stCondLst>
-                            <p:childTnLst>
-                              <p:par>
-                                <p:cTn id="15" presetID="10" presetClass="entr" presetSubtype="0" fill="hold" nodeType="clickEffect">
-                                  <p:stCondLst>
-                                    <p:cond delay="0"/>
-                                  </p:stCondLst>
-                                  <p:childTnLst>
-                                    <p:set>
-                                      <p:cBhvr>
-                                        <p:cTn id="16" dur="1" fill="hold">
-                                          <p:stCondLst>
-                                            <p:cond delay="0"/>
-                                          </p:stCondLst>
-                                        </p:cTn>
-                                        <p:tgtEl>
-                                          <p:spTgt spid="13"/>
-                                        </p:tgtEl>
-                                        <p:attrNameLst>
-                                          <p:attrName>style.visibility</p:attrName>
-                                        </p:attrNameLst>
-                                      </p:cBhvr>
-                                      <p:to>
-                                        <p:strVal val="visible"/>
-                                      </p:to>
-                                    </p:set>
-                                    <p:animEffect transition="in" filter="fade">
-                                      <p:cBhvr>
-                                        <p:cTn id="17" dur="500"/>
-                                        <p:tgtEl>
-                                          <p:spTgt spid="13"/>
-                                        </p:tgtEl>
-                                      </p:cBhvr>
-                                    </p:animEffect>
-                                  </p:childTnLst>
-                                </p:cTn>
-                              </p:par>
-                            </p:childTnLst>
-                          </p:cTn>
-                        </p:par>
-                      </p:childTnLst>
-                    </p:cTn>
-                  </p:par>
-                  <p:par>
-                    <p:cTn id="18" fill="hold">
-                      <p:stCondLst>
-                        <p:cond delay="indefinite"/>
-                      </p:stCondLst>
-                      <p:childTnLst>
-                        <p:par>
-                          <p:cTn id="19" fill="hold">
-                            <p:stCondLst>
-                              <p:cond delay="0"/>
-                            </p:stCondLst>
-                            <p:childTnLst>
-                              <p:par>
-                                <p:cTn id="20" presetID="10" presetClass="entr" presetSubtype="0" fill="hold" nodeType="clickEffect">
-                                  <p:stCondLst>
-                                    <p:cond delay="0"/>
-                                  </p:stCondLst>
-                                  <p:childTnLst>
-                                    <p:set>
-                                      <p:cBhvr>
-                                        <p:cTn id="21" dur="1" fill="hold">
-                                          <p:stCondLst>
-                                            <p:cond delay="0"/>
-                                          </p:stCondLst>
-                                        </p:cTn>
-                                        <p:tgtEl>
-                                          <p:spTgt spid="6"/>
-                                        </p:tgtEl>
-                                        <p:attrNameLst>
-                                          <p:attrName>style.visibility</p:attrName>
-                                        </p:attrNameLst>
-                                      </p:cBhvr>
-                                      <p:to>
-                                        <p:strVal val="visible"/>
-                                      </p:to>
-                                    </p:set>
-                                    <p:animEffect transition="in" filter="fade">
-                                      <p:cBhvr>
-                                        <p:cTn id="22" dur="500"/>
-                                        <p:tgtEl>
-                                          <p:spTgt spid="6"/>
-                                        </p:tgtEl>
-                                      </p:cBhvr>
-                                    </p:animEffect>
-                                  </p:childTnLst>
-                                </p:cTn>
-                              </p:par>
-                            </p:childTnLst>
-                          </p:cTn>
-                        </p:par>
-                      </p:childTnLst>
-                    </p:cTn>
-                  </p:par>
-                </p:childTnLst>
-              </p:cTn>
-              <p:prevCondLst>
-                <p:cond evt="onPrev" delay="0">
-                  <p:tgtEl>
-                    <p:sldTgt/>
-                  </p:tgtEl>
-                </p:cond>
-              </p:prevCondLst>
-              <p:nextCondLst>
-                <p:cond evt="onNext" delay="0">
-                  <p:tgtEl>
-                    <p:sldTgt/>
-                  </p:tgtEl>
-                </p:cond>
-              </p:nextCondLst>
-            </p:seq>
-          </p:childTnLst>
-        </p:cTn>
-      </p:par>
-    </p:tnLst>
-  </p:timing>
 </p:sld>
 </file>
 
@@ -9141,7 +9036,7 @@
           <p:nvPr>
             <p:extLst>
               <p:ext uri="{D42A27DB-BD31-4B8C-83A1-F6EECF244321}">
-                <p14:modId xmlns:p14="http://schemas.microsoft.com/office/powerpoint/2010/main" val="4100894602"/>
+                <p14:modId xmlns:p14="http://schemas.microsoft.com/office/powerpoint/2010/main" val="3043416643"/>
               </p:ext>
             </p:extLst>
           </p:nvPr>
@@ -9402,88 +9297,94 @@
           </a:graphicData>
         </a:graphic>
       </p:graphicFrame>
-      <p:cxnSp>
-        <p:nvCxnSpPr>
-          <p:cNvPr id="9" name="Straight Arrow Connector 8">
-            <a:extLst>
-              <a:ext uri="{FF2B5EF4-FFF2-40B4-BE49-F238E27FC236}">
-                <a16:creationId xmlns:a16="http://schemas.microsoft.com/office/drawing/2014/main" id="{4C1AD129-96B5-E5EA-858A-4BB09AED0CBD}"/>
-              </a:ext>
-            </a:extLst>
-          </p:cNvPr>
-          <p:cNvCxnSpPr>
-            <a:cxnSpLocks/>
-          </p:cNvCxnSpPr>
+      <p:sp>
+        <p:nvSpPr>
+          <p:cNvPr id="3" name="Arrow: Right 2">
+            <a:extLst>
+              <a:ext uri="{FF2B5EF4-FFF2-40B4-BE49-F238E27FC236}">
+                <a16:creationId xmlns:a16="http://schemas.microsoft.com/office/drawing/2014/main" id="{D1216DA4-8284-D0DF-3B87-46A97C38867C}"/>
+              </a:ext>
+            </a:extLst>
+          </p:cNvPr>
+          <p:cNvSpPr/>
           <p:nvPr/>
-        </p:nvCxnSpPr>
+        </p:nvSpPr>
         <p:spPr>
           <a:xfrm>
-            <a:off x="3256768" y="2981880"/>
-            <a:ext cx="1598633" cy="11183"/>
+            <a:off x="7443200" y="2837761"/>
+            <a:ext cx="1219461" cy="410819"/>
           </a:xfrm>
-          <a:prstGeom prst="straightConnector1">
+          <a:prstGeom prst="rightArrow">
             <a:avLst/>
           </a:prstGeom>
-          <a:ln>
-            <a:tailEnd type="triangle"/>
-          </a:ln>
         </p:spPr>
         <p:style>
           <a:lnRef idx="3">
-            <a:schemeClr val="accent6"/>
+            <a:schemeClr val="lt1"/>
           </a:lnRef>
-          <a:fillRef idx="0">
+          <a:fillRef idx="1">
             <a:schemeClr val="accent6"/>
           </a:fillRef>
-          <a:effectRef idx="2">
+          <a:effectRef idx="1">
             <a:schemeClr val="accent6"/>
           </a:effectRef>
           <a:fontRef idx="minor">
-            <a:schemeClr val="tx1"/>
+            <a:schemeClr val="lt1"/>
           </a:fontRef>
         </p:style>
-      </p:cxnSp>
-      <p:cxnSp>
-        <p:nvCxnSpPr>
-          <p:cNvPr id="10" name="Straight Arrow Connector 9">
-            <a:extLst>
-              <a:ext uri="{FF2B5EF4-FFF2-40B4-BE49-F238E27FC236}">
-                <a16:creationId xmlns:a16="http://schemas.microsoft.com/office/drawing/2014/main" id="{AAF7064B-7B4B-040F-1202-084170B7BCE0}"/>
-              </a:ext>
-            </a:extLst>
-          </p:cNvPr>
-          <p:cNvCxnSpPr>
-            <a:cxnSpLocks/>
-          </p:cNvCxnSpPr>
+        <p:txBody>
+          <a:bodyPr rtlCol="0" anchor="ctr"/>
+          <a:lstStyle/>
+          <a:p>
+            <a:pPr algn="ctr"/>
+            <a:endParaRPr lang="en-PH"/>
+          </a:p>
+        </p:txBody>
+      </p:sp>
+      <p:sp>
+        <p:nvSpPr>
+          <p:cNvPr id="13" name="Arrow: Right 12">
+            <a:extLst>
+              <a:ext uri="{FF2B5EF4-FFF2-40B4-BE49-F238E27FC236}">
+                <a16:creationId xmlns:a16="http://schemas.microsoft.com/office/drawing/2014/main" id="{3BE481F8-E53F-BAD6-EA3A-BDA1734DCF5E}"/>
+              </a:ext>
+            </a:extLst>
+          </p:cNvPr>
+          <p:cNvSpPr/>
           <p:nvPr/>
-        </p:nvCxnSpPr>
+        </p:nvSpPr>
         <p:spPr>
-          <a:xfrm flipV="1">
-            <a:off x="7336599" y="2970697"/>
-            <a:ext cx="1432664" cy="11183"/>
+          <a:xfrm>
+            <a:off x="3519713" y="2793099"/>
+            <a:ext cx="1219461" cy="410819"/>
           </a:xfrm>
-          <a:prstGeom prst="straightConnector1">
+          <a:prstGeom prst="rightArrow">
             <a:avLst/>
           </a:prstGeom>
-          <a:ln>
-            <a:tailEnd type="triangle"/>
-          </a:ln>
         </p:spPr>
         <p:style>
           <a:lnRef idx="3">
-            <a:schemeClr val="accent6"/>
+            <a:schemeClr val="lt1"/>
           </a:lnRef>
-          <a:fillRef idx="0">
+          <a:fillRef idx="1">
             <a:schemeClr val="accent6"/>
           </a:fillRef>
-          <a:effectRef idx="2">
+          <a:effectRef idx="1">
             <a:schemeClr val="accent6"/>
           </a:effectRef>
           <a:fontRef idx="minor">
-            <a:schemeClr val="tx1"/>
+            <a:schemeClr val="lt1"/>
           </a:fontRef>
         </p:style>
-      </p:cxnSp>
+        <p:txBody>
+          <a:bodyPr rtlCol="0" anchor="ctr"/>
+          <a:lstStyle/>
+          <a:p>
+            <a:pPr algn="ctr"/>
+            <a:endParaRPr lang="en-PH"/>
+          </a:p>
+        </p:txBody>
+      </p:sp>
     </p:spTree>
     <p:extLst>
       <p:ext uri="{BB962C8B-B14F-4D97-AF65-F5344CB8AC3E}">
@@ -10692,15 +10593,6 @@
 </file>
 
 <file path=customXml/item1.xml><?xml version="1.0" encoding="utf-8"?>
-<?mso-contentType ?>
-<FormTemplates xmlns="http://schemas.microsoft.com/sharepoint/v3/contenttype/forms">
-  <Display>DocumentLibraryForm</Display>
-  <Edit>DocumentLibraryForm</Edit>
-  <New>DocumentLibraryForm</New>
-</FormTemplates>
-</file>
-
-<file path=customXml/item2.xml><?xml version="1.0" encoding="utf-8"?>
 <ct:contentTypeSchema xmlns:ct="http://schemas.microsoft.com/office/2006/metadata/contentType" xmlns:ma="http://schemas.microsoft.com/office/2006/metadata/properties/metaAttributes" ct:_="" ma:_="" ma:contentTypeName="Document" ma:contentTypeID="0x0101007188BDCA587B344BBA6CB1A93FAE6998" ma:contentTypeVersion="2" ma:contentTypeDescription="Create a new document." ma:contentTypeScope="" ma:versionID="7a8e4b6720badb2566a0cfeddfaf2856">
   <xsd:schema xmlns:xsd="http://www.w3.org/2001/XMLSchema" xmlns:xs="http://www.w3.org/2001/XMLSchema" xmlns:p="http://schemas.microsoft.com/office/2006/metadata/properties" xmlns:ns2="ba111d12-426d-4af0-bcb6-460e36974645" targetNamespace="http://schemas.microsoft.com/office/2006/metadata/properties" ma:root="true" ma:fieldsID="989b05398519136c88ba0a8d54e3c3da" ns2:_="">
     <xsd:import namespace="ba111d12-426d-4af0-bcb6-460e36974645"/>
@@ -10832,6 +10724,15 @@
 </ct:contentTypeSchema>
 </file>
 
+<file path=customXml/item2.xml><?xml version="1.0" encoding="utf-8"?>
+<?mso-contentType ?>
+<FormTemplates xmlns="http://schemas.microsoft.com/sharepoint/v3/contenttype/forms">
+  <Display>DocumentLibraryForm</Display>
+  <Edit>DocumentLibraryForm</Edit>
+  <New>DocumentLibraryForm</New>
+</FormTemplates>
+</file>
+
 <file path=customXml/item3.xml><?xml version="1.0" encoding="utf-8"?>
 <p:properties xmlns:p="http://schemas.microsoft.com/office/2006/metadata/properties" xmlns:xsi="http://www.w3.org/2001/XMLSchema-instance" xmlns:pc="http://schemas.microsoft.com/office/infopath/2007/PartnerControls">
   <documentManagement/>
@@ -10839,14 +10740,6 @@
 </file>
 
 <file path=customXml/itemProps1.xml><?xml version="1.0" encoding="utf-8"?>
-<ds:datastoreItem xmlns:ds="http://schemas.openxmlformats.org/officeDocument/2006/customXml" ds:itemID="{6C1A3F1B-CE3A-47AB-9F84-47E786467973}">
-  <ds:schemaRefs>
-    <ds:schemaRef ds:uri="http://schemas.microsoft.com/sharepoint/v3/contenttype/forms"/>
-  </ds:schemaRefs>
-</ds:datastoreItem>
-</file>
-
-<file path=customXml/itemProps2.xml><?xml version="1.0" encoding="utf-8"?>
 <ds:datastoreItem xmlns:ds="http://schemas.openxmlformats.org/officeDocument/2006/customXml" ds:itemID="{D622FF19-6ECD-4B79-A412-9430824D2BB6}">
   <ds:schemaRefs>
     <ds:schemaRef ds:uri="http://schemas.microsoft.com/office/2006/metadata/contentType"/>
@@ -10864,6 +10757,14 @@
 </ds:datastoreItem>
 </file>
 
+<file path=customXml/itemProps2.xml><?xml version="1.0" encoding="utf-8"?>
+<ds:datastoreItem xmlns:ds="http://schemas.openxmlformats.org/officeDocument/2006/customXml" ds:itemID="{6C1A3F1B-CE3A-47AB-9F84-47E786467973}">
+  <ds:schemaRefs>
+    <ds:schemaRef ds:uri="http://schemas.microsoft.com/sharepoint/v3/contenttype/forms"/>
+  </ds:schemaRefs>
+</ds:datastoreItem>
+</file>
+
 <file path=customXml/itemProps3.xml><?xml version="1.0" encoding="utf-8"?>
 <ds:datastoreItem xmlns:ds="http://schemas.openxmlformats.org/officeDocument/2006/customXml" ds:itemID="{7ACF14CA-9E7F-410C-99DF-E0FAFDE78C11}">
   <ds:schemaRefs>

--- a/2 - Linked List/Linkedlist.pptx
+++ b/2 - Linked List/Linkedlist.pptx
@@ -134,6 +134,65 @@
 </p1510:revInfo>
 </file>
 
+<file path=ppt/ink/ink1.xml><?xml version="1.0" encoding="utf-8"?>
+<inkml:ink xmlns:inkml="http://www.w3.org/2003/InkML">
+  <inkml:definitions>
+    <inkml:context xml:id="ctx0">
+      <inkml:inkSource xml:id="inkSrc0">
+        <inkml:traceFormat>
+          <inkml:channel name="X" type="integer" min="-2.14748E9" max="2.14748E9" units="cm"/>
+          <inkml:channel name="Y" type="integer" min="-2.14748E9" max="2.14748E9" units="cm"/>
+          <inkml:channel name="F" type="integer" max="32767" units="dev"/>
+        </inkml:traceFormat>
+        <inkml:channelProperties>
+          <inkml:channelProperty channel="X" name="resolution" value="1000" units="1/cm"/>
+          <inkml:channelProperty channel="Y" name="resolution" value="1000" units="1/cm"/>
+          <inkml:channelProperty channel="F" name="resolution" value="0" units="1/dev"/>
+        </inkml:channelProperties>
+      </inkml:inkSource>
+      <inkml:timestamp xml:id="ts0" timeString="2023-08-24T03:20:32.402"/>
+    </inkml:context>
+    <inkml:brush xml:id="br0">
+      <inkml:brushProperty name="width" value="0.05292" units="cm"/>
+      <inkml:brushProperty name="height" value="0.05292" units="cm"/>
+      <inkml:brushProperty name="color" value="#C00000"/>
+    </inkml:brush>
+  </inkml:definitions>
+  <inkml:trace contextRef="#ctx0" brushRef="#br0">25982 11007 18888,'50'-3'0,"0"1"0,-1 0 0,1-1 0,0 1 0,-1-1 0,1 1 0,0 0 0,0-1 0,-1 1 0,1 0 0,0-1 0,-1 1 0,1-1 0,0 1 0,-1 0 0,1-1 0,0 1 0,0 0 0,-1-1 0,1 1 0,0-1 0,-1 1 0,1 0 0,0-1 0,0 1 0,-1 0 0,1-1 0,0 1 0,-1-1 0,1 1 0,0 0 0,0-1 0,-1 1 0,1 0 0,0-1 0,-1 1 0,1-1 0,0 1 0,0 0 0,-1-1 0,1 1 0,0 0 0,-1-1 0,1 1 0,0-1 0,0 1 0,-1 0 0,1-1 0,0 1 0,-1 0 0,1-1 0,1 2 0,0-1 0,0 1 0,0-1 0,0 1 0,0 0 0,1 0 0,-1 0 0,1 0 0,0 0 0,0 0 0,-1 0 0,1 0 0,0 1 0,0-1 0,-1 0 0,1 1 0,0-1 0,-1 1 0,1-1 0,-1 1 0,1-1 0,-1 1 0,0-1 0,0 1 0,-1-1 0,1 1 0,-1-1 0,0 0 0,0 1 0,0-1 0,-1 0 0,0 1 0,0-1 0,-1 0 0,0 0 0,0 0 0,-1 0 0,1 0 0,-2 0 0,1-1 0,-2 1 0,1-1 0,-1 1 0,0-1 0,-1 0 0,-1 0 0,0 0 0,14-1 0,-2 0 0,0 0 0,-1-1 0,0 0 0,-1 0 0,0 0 0,-1-1 0,0 1 0,-1-1 0,0 0 0,-1 1 0,0-1 0,0 0 0,-1 0 0,-1 1 0,0-1 0,0 1 0,0-1 0,-1 1 0,0 0 0,-1 0 0,0 1 0,0 0 0,-1 0 0,1 0 0,-2 0 0,1 1-155,9 1 1,2-1 0,1 2 0,1-1 0,0 1 0,1 1 0,-1 0 0,-1-1 0,-1 1 0,-2 0 0,-1 0 0,-3 0 0,-3-1 0,-4 1 0,-3-2 0,-4 1 0,-4-1 0,-6-1 0,-5-1 154,15-5 0,-21 1 0,-29 4 0,-25 2 0,-14 1 0,-10 1 0,-1 0 0,7 1 0,13-1 0,1 0 0,0 0 0,-2 0 0,-1 1 0,-4 0 0,-3 2 0,-5-1-137,22 0 0,-3 0 1,-1 1-1,-3-1 1,-1 1-1,-1 0 1,-2 0-1,-1 1 1,-1 0-1,-1 0 1,-1 0-1,0 0 1,-1 0-1,-1 1 1,0 0-1,0 0 1,0 0-1,0 0 0,0 0 1,1 0-1,0 0 1,1 0-1,1 1 1,0-1 125,2 0 0,-1 1 1,1-1-1,0 1 1,-1 0-1,0 0 0,1 0 1,-1 1-1,1-1 1,-1 1-1,0-1 1,0 1-1,1 0 0,-1-1 1,0 1-1,0 0 1,1 0-1,-1 0 0,0 0 1,0-1-1,1 1 1,-1 0-1,1 0 1,-1 0-1,1-1-44,0 1 1,-1-1 0,1 1 0,-1 0 0,1-1 0,-1 1 0,0-1 0,0 1 0,0 0 0,0 0 0,1-1 0,-1 1 0,0 0 0,1-1-1,0 1 1,0 0 0,0 0 0,1-1 0,0 1 0,0 0 0,0-1 0,1 1 0,1 0 0,0 0 0,0-1 54,-5 2 0,-1 0 0,0 0 0,0 0 0,1 1 0,0-1 0,0 0 0,0 0 0,1 1 0,1-1 0,0 0 0,1 0 0,1 0 0,0-1 0,2 1 0,1-1 0,0 0 0,2-1 0,2 1 28,-13 1 0,2 1 0,1-1 0,2 0 0,2 0 0,1-1 0,2 0 1,1 0-1,2-2 0,3 0 0,-9 1 0,4-3 0,3 1 0,1-1 1,-2 2-1,-2 1 0,0 1 0,1 0 0,-1 0 0,0 0 0</inkml:trace>
+</inkml:ink>
+</file>
+
+<file path=ppt/ink/ink2.xml><?xml version="1.0" encoding="utf-8"?>
+<inkml:ink xmlns:inkml="http://www.w3.org/2003/InkML">
+  <inkml:definitions>
+    <inkml:context xml:id="ctx0">
+      <inkml:inkSource xml:id="inkSrc0">
+        <inkml:traceFormat>
+          <inkml:channel name="X" type="integer" min="-2.14748E9" max="2.14748E9" units="cm"/>
+          <inkml:channel name="Y" type="integer" min="-2.14748E9" max="2.14748E9" units="cm"/>
+          <inkml:channel name="F" type="integer" max="32767" units="dev"/>
+        </inkml:traceFormat>
+        <inkml:channelProperties>
+          <inkml:channelProperty channel="X" name="resolution" value="1000" units="1/cm"/>
+          <inkml:channelProperty channel="Y" name="resolution" value="1000" units="1/cm"/>
+          <inkml:channelProperty channel="F" name="resolution" value="0" units="1/dev"/>
+        </inkml:channelProperties>
+      </inkml:inkSource>
+      <inkml:timestamp xml:id="ts0" timeString="2023-08-24T03:21:32.363"/>
+    </inkml:context>
+    <inkml:brush xml:id="br0">
+      <inkml:brushProperty name="width" value="0.05292" units="cm"/>
+      <inkml:brushProperty name="height" value="0.05292" units="cm"/>
+      <inkml:brushProperty name="color" value="#C00000"/>
+    </inkml:brush>
+  </inkml:definitions>
+  <inkml:trace contextRef="#ctx0" brushRef="#br0">25612 10301 24575,'46'0'0,"0"0"0,1 0 0,-1 0 0,1 0 0,-1 0 0,-8 0 0,-5-1 0,2 1 0,10 1 0,-14 0 0,6 1 0,4-1 0,3 1 0,4 0 0,2 1 0,2 0 0,2 0 0,1 0 0,0 1 0,0-1 0,0 1 0,-2 1 0,-2-1 0,-3 1 0,-2 0 0,-4 0-364,11 3 1,-5 0 0,-3 1 0,-2 0-1,0 0 1,1 1 0,2 0 0,3 1-1,5-1 364,-13-3 0,2 1 0,3-1 0,2 1 0,1 0 0,3 0 0,0 0 0,2 0 0,0 0 0,0 1 0,0-1 0,0 1 0,-1-1 0,0 1 0,-3 0 0,0 0 0,-3 0 0,-2 0 0,-3 0 0,-3 0 114,13 4 0,-4 1 0,-3 1 0,-3-1 1,-1 1-1,0-1 0,-1 0 0,2-1 1,1 0-115,5 0 0,4-2 0,1 0 0,0 0 0,-1-1 0,-3 1 0,-5 0 0,-6 1 0,-7 0 0,15 19 0,-26-7 0,-31-18 0,31 7 0,16-3 0,-5-13 0,2-7 0,9 0-365,-7 4 1,6 0 0,5-1 0,4 0 0,1 0 0,1 0 0,-1 0 0,-2 0 0,-4 0 169,-1 0 0,-2 0 0,-2-1 0,0 1 1,1 0-1,3-1 0,3-1 195,-7 2 0,4-1 0,3-1 0,1 0 0,2 0 0,-1 0 0,1 0 0,-1 0 0,-3 1 0,-2 0 0,-3 1 0,-5 1 0,10 0 0,-6 1 0,-2 0 0,-1 1 0,2-1 0,12-3 0,4-2 0,-1 1 0,-6 1 0,-11 4 0,10 4 309,-15 0 0,-32 0 0,0 0 0</inkml:trace>
+  <inkml:trace contextRef="#ctx0" brushRef="#br0" timeOffset="9081">31591 9507 24575,'45'0'0,"0"0"0,-4-7 0,5-3 0,2-5 0,0-8 0,-15 3 0,1-5 0,1-3 0,-1-3 0,1-1 0,0-1 0,-1 1 0,-2 0-469,3 0 1,0 2 0,-2-1 0,1-1 0,-2-2 0,-1-5 0,-2-6 427,-10 12 1,0-4-1,0-4 1,-1-2-1,-1-2 1,1-2-1,-2-1 1,0-1-1,0-1 1,-1 0-1,-1 1 1,0 1-1,-2 1 1,0 2-1,-1 2 1,-2 3-325,2-8 1,-2 2 0,-2 3 0,-1 1 0,-1 0 0,-1 0 0,1-1 0,-1-2 0,2-2 193,0 4 0,0-1 1,0-3-1,0 0 1,1-1-1,-1-1 0,0 0 1,0 0-1,0 1 1,-1 0-1,-1 1 0,0 1 1,-1 2 170,-1-5 0,0 1 0,-1 1 0,-1 0 0,0 1 0,-1 1 0,0 1 0,0 1 0,0 1 0,0 2 219,-1-9 0,0 3 0,-1 2 1,0 1-1,0-1 0,0-3-219,1 4 0,0-3 0,0-3 0,0 1 0,-1 1 0,1 2 0,-1 5 0,0 6 0,-4-8 0,1 8 0,-1 2 0,-3-10 0,4 13 0,6 25 694,3-22 1,-6-3-695,-20 20 0,9-10 0,-10-2 0,3 13 0,-6 1 0,-7 1 0,-4 1 0,-5 1 0,-5 0 0,-3 0 0,-3 1 0,-3-1 0,-3 1 0,-1-2 0,-1 0 0,-1 0 0,0-2-14,28 3 0,-2-1 1,-1 0-1,0 0 0,-2 0 1,-1-1-1,-1 0 1,0 0-1,-2 0 0,0-1 1,-1 1-1,-1-1 0,-1 0 1,0 0-1,-1 0 1,0 0-1,-2-1 0,0 1 1,0-1-1,-1 1 0,0-1 1,-1 0-1,0 1 1,-1-1-1,0 0 0,0 1 1,0-1-1,-1 0 1,0 1-1,0-1 0,-1 1 1,1 0-1,-1 0 0,1 0 1,-1 0-1,0 0 1,1 1-1,-1-1 0,1 1 1,-1 0-1,1 1 0,0-1 1,1 1-1,-1 0 1,1 0-1,0 1 14,7 0 0,-1 1 0,1 0 0,-1-1 0,0 1 0,0 1 0,0-1 0,0 0 0,-1 1 0,1-1 0,-1 1 0,0 0 0,0 0 0,0 0 0,0 1 0,0-1 0,-1 0 0,1 1 0,-1-1 0,1 1 0,-1 0 0,0 0 0,0 0 0,0 0 0,-1 0 0,1 0 0,0 0 0,-1 0 0,1 0 0,-1 0 0,0 1 0,0-1 0,1 0 0,-1 0 0,0 1 0,0-1 0,-1 0 0,1 1 0,0-1 0,0 0 0,0 0 0,-1 1 0,1-1 0,-1 0 0,1 0 0,-1 0 0,1 0 0,-1 0 0,1 0 0,-1 0 0,1 0 0,-1 0 0,0 0 0,1-1 0,-1 1 0,0-1 0,1 0 0,-1 1 0,1-1-18,1 0 0,1 0 0,0 0 1,-1 0-1,0 0 0,-1-1 1,1 1-1,-1-1 0,0 1 1,0-1-1,0 1 0,-1-1 1,1 0-1,-1 1 0,0-1 0,0 0 1,0 0-1,0 0 0,0 0 1,0 0-1,-1 0 0,1 0 1,-1 0-1,1 0 0,-1 0 1,1 0-1,-1 0 0,1 0 0,-1 0 1,1 0-1,-1 0 0,1 0 1,0 0-1,-1 0 0,1 0 1,0 0-1,0 0 0,0 0 1,1 1-1,-1-1 0,1 0 0,0 1 1,0-1-1,0 1 0,0-1 1,0 1-1,1 0 0,0-1 1,0 1-1,1 0 0,-1 0 1,1 1-1,1-1 0,-1 0 1,1 1-1,0-1 0,1 1 0,-1 0 1,2 0-1,-1 0 0,1 0 1,0 0-1,1 1 0,0-1 1,0 1-1,1 0 18,-13 0 0,0 0 0,1 0 0,-1 1 0,0-1 0,1 1 0,0 0 0,0 0 0,0 0 0,0 0 0,1 0 0,0 1 0,0-1 0,1 1 0,0 0 0,0-1 0,1 1 0,0 0 0,1 1 0,0-1 0,0 0 0,1 1 0,1-1 0,0 1 0,1 0 0,0 0 0,1 0 0,1 0 0,0 0 0,1 0 0,0 0 0,1 1 0,2-1 0,-1 1 0,2-1 0,0 1 0,2 0 0,0-1 0,1 1 0,-23 3 0,0 1 0,-1 1 0,1 0 0,2 1 0,0 0 0,3 0 0,3 0 0,2-1 0,5 0 0,4-1 0,4-1 0,7-2 0,5-1 0,7-1 0,-9-3 0,-7 0 0,-12 0 0,11-2 0,-3-1 0,-5-1 0,-7 0 0,-8-1 0,-10-1-62,43 4 0,-2 0 0,-2 0 0,-2-1 0,-1 1 1,-2-1-1,-2 0 0,-2 0 0,-1 0 0,-2 0 0,-1 0 1,-1-1-1,-2 1 0,0-1 0,-2 0 0,-2 1 0,0-1 1,-1 0-1,-1 0 0,-1 0 0,0 0 0,-2 0 1,0-1-1,0 1 0,-1 0 0,-1 0 0,0-1 0,0 1 1,-1 0-1,0 0 0,0 0 0,0-1 0,0 1 0,0 0 1,0 0-1,0 0 0,1 0 0,0 0 0,0 0 1,0 0-1,1 1 0,1-1 0,0 0 0,1 1 0,1 0 1,0-1-1,1 1 0,2 0 0,0 0 0,1 0 0,1 1 1,2-1-1,1 1 42,-10-1 0,2 1 1,1-1-1,0 0 0,2 1 1,0 0-1,1-1 0,1 1 1,0 0-1,1 0 0,0 0 1,0 0-1,1 0 1,0 0-1,0 0 0,0 1 1,0-1-1,0 0 0,0 1 1,-1 0-1,0-1 0,0 1 1,-1 0-1,0 0 1,-1 0-1,-1 0 0,0 0 1,-1 0-1,-1 1 0,-2-1 1,0 0-1,-1 1 0,-2 0 1,-1-1-1,-1 1 51,18 0 1,0 0 0,-1 0 0,0 0-1,-2 0 1,0 0 0,-1 1 0,-1-1-1,0 0 1,-1 1 0,-1-1 0,0 0 0,-1 1-1,0 0 1,-1-1 0,-1 1 0,0-1-1,0 1 1,-1 0 0,-1 0 0,1 0 0,-2 0-1,1-1 1,-1 1 0,0 0 0,-1 0-1,0 1 1,0-1 0,0 0 0,0 0-1,-1 0 1,0 0 0,0 1 0,0-1 0,0 0-1,0 1 1,0-1 0,0 0 0,-1 1-1,1-1 1,0 1 0,0-1 0,0 1 0,0-1-1,1 1 1,-1-1 0,1 1 0,0-1-1,0 1 1,0 0 0,1-1 0,0 1-1,0 0 1,1-1 0,0 1 0,1 0 0,0-1-1,0 1 1,1 0 0,0-1 0,1 1-1,0 0 1,1 0 0,1-1 0,0 1 0,1 0-1,0 0 1,2-1 0,-1 1 0,2 0-1,0 0 1,2-1 0,-1 1 0,2 0-1,1 0 1,0-1 0,2 1 0,0 0 0,1-1-1,1 1-31,-24 1 0,1 0 0,2-1 0,3 0 0,1 1 0,1-1 0,2 0 0,2 0 0,0 1 0,2-1 0,0 0 0,1 1 0,1 0 0,1-1 0,-1 1 0,1 1 0,0-1 0,-1 1 0,1 0 0,-1 0 0,-1 1 0,0 0 0,-1 1 0,-1 0 0,-1 0 0,-1261 269 0,1309-275 0,-220-16-413,177 11 1,1-2-1,-1 0 1,-3-1-1,-2 0 1,-4 0 412,13 2 0,-2 1 0,-2-1 0,-2 0 0,-1 1 0,-1-1 0,-2-1 0,0 1 0,-1 0 0,-1-1 0,1 0 0,-1 1 0,0-1-158,6 0 1,0 1 0,-1-1 0,-1 0-1,0 0 1,0 0 0,-1 0 0,0-1-1,0 1 1,-1-1 0,0 1 0,-1-1 0,0 1-1,0-1 1,0 0 0,-1 1 0,0-1 157,5 1 0,-1 0 0,-1 0 0,1-1 0,-1 1 0,-1 0 0,1-1 0,-1 0 0,0 1 0,0-1 0,-1 1 0,0-1 0,1 1 0,-1-1 0,0 1 0,-1 0 0,1 0 0,0 0 0,0 1 0,-1-1 0,1 1 0,2 1 0,0-1 0,0 1 0,0-1 0,0 1 0,-1 0 0,0 0 0,0 1 0,0-1 0,0 0 0,0 1 0,0-1 0,0 1 0,0 0 0,0-1 0,0 1 0,0 0 0,0 0 0,0 0 0,0 0 0,0 0 0,1-1 0,-1 1 0,-1 0 0,-1 0 0,0-1 0,0 1 0,-1 0 0,0-1 0,0 1 0,0 0 0,0 0 0,0 0 0,0-1 0,1 1 0,0 1 0,1-1 0,1 0 0,0 1 0,1 0 0,2-1 0,0 2 0,1-1 0,2 0 0,0 1 51,-10-1 1,1 1-1,2 0 1,1 0-1,1 1 1,2 0-1,0 0 1,1 0-1,1 0 1,0 1-1,1-1 1,-1 0-52,-6 1 0,2-1 0,1 0 0,0 0 0,1 1 0,0 0 0,0 1 0,0 0 0,-1 0 0,-2 2 0,1 0 0,-1 0 0,0 1 0,1 0 0,-1 1 0,1 0 0,0 1 0,1 1 16,2 0 1,1 1-1,1 1 1,0 0 0,0 1-1,0-1 1,-1 1 0,-2-1-1,-1 0-16,2-2 0,-1 0 0,-2-1 0,-1 0 0,-1 1 0,0-1 0,0 0 0,1 0 0,0 1 0,2 0 0,2 0 0,2 1 0,-5 3 0,0 0 0,1 1 0,1 1 0,3-1 0,2 0 0,3-1 0,2-1 1018,-15 5 0,7-1 0,0 1-1018,7-1 0,-1 2 0,1-1 0,2-2 1638,-11 0 0,2 0-994,0 7 1,6-1-391,6-3-254,5 11 1638,-1-10 0,-5 3-583,-1 6 1,-2 4 0,2-3-1056,5-6 0,2 3 0,-1 8 0,-3 8 0,2 2 0,7-3 0,7 5 0,4 6 0,4-16 0,-1 7 0,-1 4 0,1 2 0,-1-1 0,0-2 0,1-5 0,-3 2 0,0-5 0,0 1 0,0 5 0,4-2 0,0 5 0,0 4 0,1 2 0,0 0 0,-1-3 0,1-3 0,0-7 0,-4 10 0,0-7 0,-2 5 0,0-3 0,-2 6 0,-2 2 0,0 1 0,1-4 0,2-7 0,0 3 0,2-6 0,-2 2-299,-4 0 0,-3 1 0,-1 1 0,2-3 299,1 3 0,1-3 0,1 0 0,3-3 0,1-1 0,0 2 0,-3 8 0,0 3 0,2-2 0,4-8 0,3-2 0,1 2 0,4 3 0,1 0 0,1-4 0,1-4 0,0-1 0,6 8 0,0 2 0,-6 6 0,-4 0 0,-6 0 0,0 0 0,5 2 0,2-4 598,-2-13 0,6-7-598,21-13 0,11-6 0,5 0 0,6-2 0,7-2 0,-11-1 0,5-1 0,3-1 0,3-1 0,-1 0 0,-1 1 0,-5-1 0,3 1 0,-4 0 0,-1 0 0,0 0 0,4 0 0,-5 0 0,5 0 0,2 0 0,-2 0 0,-1 0 0,-6 0 0,-7 0 0,10 0 0,-7 0 0,-2 2 0,-4-4 0,6-13 0,-9 11 0,-12-12 0</inkml:trace>
+  <inkml:trace contextRef="#ctx0" brushRef="#br0" timeOffset="9946">1411 8043 24575,'0'47'0,"0"-1"0,0 0 0,0-8 0,0 6 0,0 2 0,0 3 0,0 1 0,0-1 0,0-3 0,0-3 0,0 5 0,0-3 0,0-2 0,0 1 0,0 3 0,0 0 0,0 4 0,0 1 0,0 1 0,0-2 0,0-5 0,0-7 0,0 6 0,0-7 0,0-7 0,0 2 0,0 19 0,0-10 0,0-36 0,0 18 0</inkml:trace>
+  <inkml:trace contextRef="#ctx0" brushRef="#br0" timeOffset="11177">1376 8096 24575,'41'12'0,"1"0"0,-1 0 0,1-1 0,-1 1 0,1 0 0,1 5 0,-1 2 0,-2 1 0,2 0 0,0 0 0,-1-3 0,2-1 0,0 0 0,0 1 0,-3 2 0,-3 2 0,0 5 0,-2 3 0,-2 1 0,-4-2 0,-4-4 0,2-1 0,-5-1 0,2 9 0,-9-3 0,-15-13 0,-23 9 0,-14-3 0,6 2 0,-6 5 0,-5 4-170,9-9 1,-3 3 0,-3 0 0,-1 2 0,-1 2-1,-1-1 170,6-3 0,-1 1 0,-2 2 0,0 0 0,-1 0 0,1 1 0,0-2 0,1 0 0,2-1-427,-3 2 0,1-1 1,1-1-1,1-1 1,0 1-1,0-1 1,-1 1 426,-3 3 0,-3 1 0,0 1 0,0-1 0,5-3 0,5-5 0,8-6 0,-8 5 0,-6 2 0,39-24 0,0 0 0</inkml:trace>
+</inkml:ink>
+</file>
+
 <file path=ppt/notesMasters/notesMaster1.xml><?xml version="1.0" encoding="utf-8"?>
 <p:notesMaster xmlns:a="http://schemas.openxmlformats.org/drawingml/2006/main" xmlns:r="http://schemas.openxmlformats.org/officeDocument/2006/relationships" xmlns:p="http://schemas.openxmlformats.org/presentationml/2006/main">
   <p:cSld>
@@ -216,7 +275,7 @@
           <a:p>
             <a:fld id="{F666E1FD-E7A0-497B-BBC0-740BAAC97C64}" type="datetimeFigureOut">
               <a:rPr lang="en-PH" smtClean="0"/>
-              <a:t>23/08/2023</a:t>
+              <a:t>8/24/23</a:t>
             </a:fld>
             <a:endParaRPr lang="en-PH"/>
           </a:p>
@@ -1669,7 +1728,7 @@
           <a:p>
             <a:fld id="{0CCF0B81-6BD8-4C65-9459-815598C5F1F4}" type="datetimeFigureOut">
               <a:rPr lang="en-PH" smtClean="0"/>
-              <a:t>23/08/2023</a:t>
+              <a:t>8/24/23</a:t>
             </a:fld>
             <a:endParaRPr lang="en-PH"/>
           </a:p>
@@ -1869,7 +1928,7 @@
           <a:p>
             <a:fld id="{0CCF0B81-6BD8-4C65-9459-815598C5F1F4}" type="datetimeFigureOut">
               <a:rPr lang="en-PH" smtClean="0"/>
-              <a:t>23/08/2023</a:t>
+              <a:t>8/24/23</a:t>
             </a:fld>
             <a:endParaRPr lang="en-PH"/>
           </a:p>
@@ -2079,7 +2138,7 @@
           <a:p>
             <a:fld id="{0CCF0B81-6BD8-4C65-9459-815598C5F1F4}" type="datetimeFigureOut">
               <a:rPr lang="en-PH" smtClean="0"/>
-              <a:t>23/08/2023</a:t>
+              <a:t>8/24/23</a:t>
             </a:fld>
             <a:endParaRPr lang="en-PH"/>
           </a:p>
@@ -2279,7 +2338,7 @@
           <a:p>
             <a:fld id="{0CCF0B81-6BD8-4C65-9459-815598C5F1F4}" type="datetimeFigureOut">
               <a:rPr lang="en-PH" smtClean="0"/>
-              <a:t>23/08/2023</a:t>
+              <a:t>8/24/23</a:t>
             </a:fld>
             <a:endParaRPr lang="en-PH"/>
           </a:p>
@@ -2555,7 +2614,7 @@
           <a:p>
             <a:fld id="{0CCF0B81-6BD8-4C65-9459-815598C5F1F4}" type="datetimeFigureOut">
               <a:rPr lang="en-PH" smtClean="0"/>
-              <a:t>23/08/2023</a:t>
+              <a:t>8/24/23</a:t>
             </a:fld>
             <a:endParaRPr lang="en-PH"/>
           </a:p>
@@ -2823,7 +2882,7 @@
           <a:p>
             <a:fld id="{0CCF0B81-6BD8-4C65-9459-815598C5F1F4}" type="datetimeFigureOut">
               <a:rPr lang="en-PH" smtClean="0"/>
-              <a:t>23/08/2023</a:t>
+              <a:t>8/24/23</a:t>
             </a:fld>
             <a:endParaRPr lang="en-PH"/>
           </a:p>
@@ -3238,7 +3297,7 @@
           <a:p>
             <a:fld id="{0CCF0B81-6BD8-4C65-9459-815598C5F1F4}" type="datetimeFigureOut">
               <a:rPr lang="en-PH" smtClean="0"/>
-              <a:t>23/08/2023</a:t>
+              <a:t>8/24/23</a:t>
             </a:fld>
             <a:endParaRPr lang="en-PH"/>
           </a:p>
@@ -3380,7 +3439,7 @@
           <a:p>
             <a:fld id="{0CCF0B81-6BD8-4C65-9459-815598C5F1F4}" type="datetimeFigureOut">
               <a:rPr lang="en-PH" smtClean="0"/>
-              <a:t>23/08/2023</a:t>
+              <a:t>8/24/23</a:t>
             </a:fld>
             <a:endParaRPr lang="en-PH"/>
           </a:p>
@@ -3493,7 +3552,7 @@
           <a:p>
             <a:fld id="{0CCF0B81-6BD8-4C65-9459-815598C5F1F4}" type="datetimeFigureOut">
               <a:rPr lang="en-PH" smtClean="0"/>
-              <a:t>23/08/2023</a:t>
+              <a:t>8/24/23</a:t>
             </a:fld>
             <a:endParaRPr lang="en-PH"/>
           </a:p>
@@ -3806,7 +3865,7 @@
           <a:p>
             <a:fld id="{0CCF0B81-6BD8-4C65-9459-815598C5F1F4}" type="datetimeFigureOut">
               <a:rPr lang="en-PH" smtClean="0"/>
-              <a:t>23/08/2023</a:t>
+              <a:t>8/24/23</a:t>
             </a:fld>
             <a:endParaRPr lang="en-PH"/>
           </a:p>
@@ -4095,7 +4154,7 @@
           <a:p>
             <a:fld id="{0CCF0B81-6BD8-4C65-9459-815598C5F1F4}" type="datetimeFigureOut">
               <a:rPr lang="en-PH" smtClean="0"/>
-              <a:t>23/08/2023</a:t>
+              <a:t>8/24/23</a:t>
             </a:fld>
             <a:endParaRPr lang="en-PH"/>
           </a:p>
@@ -4338,7 +4397,7 @@
           <a:p>
             <a:fld id="{0CCF0B81-6BD8-4C65-9459-815598C5F1F4}" type="datetimeFigureOut">
               <a:rPr lang="en-PH" smtClean="0"/>
-              <a:t>23/08/2023</a:t>
+              <a:t>8/24/23</a:t>
             </a:fld>
             <a:endParaRPr lang="en-PH"/>
           </a:p>
@@ -5606,6 +5665,57 @@
           </a:graphicData>
         </a:graphic>
       </p:graphicFrame>
+      <mc:AlternateContent xmlns:mc="http://schemas.openxmlformats.org/markup-compatibility/2006" xmlns:p14="http://schemas.microsoft.com/office/powerpoint/2010/main">
+        <mc:Choice Requires="p14">
+          <p:contentPart p14:bwMode="auto" r:id="rId3">
+            <p14:nvContentPartPr>
+              <p14:cNvPr id="3" name="Ink 2">
+                <a:extLst>
+                  <a:ext uri="{FF2B5EF4-FFF2-40B4-BE49-F238E27FC236}">
+                    <a16:creationId xmlns:a16="http://schemas.microsoft.com/office/drawing/2014/main" id="{79F1BFF0-B447-F2CE-B1E9-BF42EC518238}"/>
+                  </a:ext>
+                </a:extLst>
+              </p14:cNvPr>
+              <p14:cNvContentPartPr/>
+              <p14:nvPr/>
+            </p14:nvContentPartPr>
+            <p14:xfrm>
+              <a:off x="9353520" y="3853080"/>
+              <a:ext cx="2634840" cy="300240"/>
+            </p14:xfrm>
+          </p:contentPart>
+        </mc:Choice>
+        <mc:Fallback xmlns="">
+          <p:pic>
+            <p:nvPicPr>
+              <p:cNvPr id="3" name="Ink 2">
+                <a:extLst>
+                  <a:ext uri="{FF2B5EF4-FFF2-40B4-BE49-F238E27FC236}">
+                    <a16:creationId xmlns:a16="http://schemas.microsoft.com/office/drawing/2014/main" id="{79F1BFF0-B447-F2CE-B1E9-BF42EC518238}"/>
+                  </a:ext>
+                </a:extLst>
+              </p:cNvPr>
+              <p:cNvPicPr/>
+              <p:nvPr/>
+            </p:nvPicPr>
+            <p:blipFill>
+              <a:blip r:embed="rId4"/>
+              <a:stretch>
+                <a:fillRect/>
+              </a:stretch>
+            </p:blipFill>
+            <p:spPr>
+              <a:xfrm>
+                <a:off x="9344160" y="3843720"/>
+                <a:ext cx="2653560" cy="318960"/>
+              </a:xfrm>
+              <a:prstGeom prst="rect">
+                <a:avLst/>
+              </a:prstGeom>
+            </p:spPr>
+          </p:pic>
+        </mc:Fallback>
+      </mc:AlternateContent>
     </p:spTree>
     <p:extLst>
       <p:ext uri="{BB962C8B-B14F-4D97-AF65-F5344CB8AC3E}">
@@ -6542,6 +6652,57 @@
           </a:p>
         </p:txBody>
       </p:sp>
+      <mc:AlternateContent xmlns:mc="http://schemas.openxmlformats.org/markup-compatibility/2006" xmlns:p14="http://schemas.microsoft.com/office/powerpoint/2010/main">
+        <mc:Choice Requires="p14">
+          <p:contentPart p14:bwMode="auto" r:id="rId3">
+            <p14:nvContentPartPr>
+              <p14:cNvPr id="7" name="Ink 6">
+                <a:extLst>
+                  <a:ext uri="{FF2B5EF4-FFF2-40B4-BE49-F238E27FC236}">
+                    <a16:creationId xmlns:a16="http://schemas.microsoft.com/office/drawing/2014/main" id="{065F9D1E-7347-0913-1888-3D932E8C2F55}"/>
+                  </a:ext>
+                </a:extLst>
+              </p14:cNvPr>
+              <p14:cNvContentPartPr/>
+              <p14:nvPr/>
+            </p14:nvContentPartPr>
+            <p14:xfrm>
+              <a:off x="80640" y="1821240"/>
+              <a:ext cx="11707200" cy="2109600"/>
+            </p14:xfrm>
+          </p:contentPart>
+        </mc:Choice>
+        <mc:Fallback xmlns="">
+          <p:pic>
+            <p:nvPicPr>
+              <p:cNvPr id="7" name="Ink 6">
+                <a:extLst>
+                  <a:ext uri="{FF2B5EF4-FFF2-40B4-BE49-F238E27FC236}">
+                    <a16:creationId xmlns:a16="http://schemas.microsoft.com/office/drawing/2014/main" id="{065F9D1E-7347-0913-1888-3D932E8C2F55}"/>
+                  </a:ext>
+                </a:extLst>
+              </p:cNvPr>
+              <p:cNvPicPr/>
+              <p:nvPr/>
+            </p:nvPicPr>
+            <p:blipFill>
+              <a:blip r:embed="rId4"/>
+              <a:stretch>
+                <a:fillRect/>
+              </a:stretch>
+            </p:blipFill>
+            <p:spPr>
+              <a:xfrm>
+                <a:off x="71280" y="1811880"/>
+                <a:ext cx="11725920" cy="2128320"/>
+              </a:xfrm>
+              <a:prstGeom prst="rect">
+                <a:avLst/>
+              </a:prstGeom>
+            </p:spPr>
+          </p:pic>
+        </mc:Fallback>
+      </mc:AlternateContent>
     </p:spTree>
     <p:extLst>
       <p:ext uri="{BB962C8B-B14F-4D97-AF65-F5344CB8AC3E}">

--- a/2 - Linked List/Linkedlist.pptx
+++ b/2 - Linked List/Linkedlist.pptx
@@ -5,21 +5,24 @@
     <p:sldMasterId id="2147483648" r:id="rId4"/>
   </p:sldMasterIdLst>
   <p:notesMasterIdLst>
-    <p:notesMasterId r:id="rId17"/>
+    <p:notesMasterId r:id="rId20"/>
   </p:notesMasterIdLst>
   <p:sldIdLst>
     <p:sldId id="257" r:id="rId5"/>
     <p:sldId id="291" r:id="rId6"/>
-    <p:sldId id="292" r:id="rId7"/>
-    <p:sldId id="271" r:id="rId8"/>
-    <p:sldId id="293" r:id="rId9"/>
-    <p:sldId id="272" r:id="rId10"/>
-    <p:sldId id="258" r:id="rId11"/>
-    <p:sldId id="279" r:id="rId12"/>
-    <p:sldId id="268" r:id="rId13"/>
-    <p:sldId id="278" r:id="rId14"/>
-    <p:sldId id="269" r:id="rId15"/>
-    <p:sldId id="277" r:id="rId16"/>
+    <p:sldId id="294" r:id="rId7"/>
+    <p:sldId id="292" r:id="rId8"/>
+    <p:sldId id="295" r:id="rId9"/>
+    <p:sldId id="271" r:id="rId10"/>
+    <p:sldId id="293" r:id="rId11"/>
+    <p:sldId id="296" r:id="rId12"/>
+    <p:sldId id="272" r:id="rId13"/>
+    <p:sldId id="258" r:id="rId14"/>
+    <p:sldId id="279" r:id="rId15"/>
+    <p:sldId id="268" r:id="rId16"/>
+    <p:sldId id="278" r:id="rId17"/>
+    <p:sldId id="269" r:id="rId18"/>
+    <p:sldId id="277" r:id="rId19"/>
   </p:sldIdLst>
   <p:sldSz cx="12192000" cy="6858000"/>
   <p:notesSz cx="6858000" cy="9144000"/>
@@ -275,7 +278,7 @@
           <a:p>
             <a:fld id="{F666E1FD-E7A0-497B-BBC0-740BAAC97C64}" type="datetimeFigureOut">
               <a:rPr lang="en-PH" smtClean="0"/>
-              <a:t>8/24/23</a:t>
+              <a:t>01/09/2023</a:t>
             </a:fld>
             <a:endParaRPr lang="en-PH"/>
           </a:p>
@@ -627,6 +630,278 @@
 </p:notes>
 </file>
 
+<file path=ppt/notesSlides/notesSlide10.xml><?xml version="1.0" encoding="utf-8"?>
+<p:notes xmlns:a="http://schemas.openxmlformats.org/drawingml/2006/main" xmlns:r="http://schemas.openxmlformats.org/officeDocument/2006/relationships" xmlns:p="http://schemas.openxmlformats.org/presentationml/2006/main">
+  <p:cSld>
+    <p:spTree>
+      <p:nvGrpSpPr>
+        <p:cNvPr id="1" name=""/>
+        <p:cNvGrpSpPr/>
+        <p:nvPr/>
+      </p:nvGrpSpPr>
+      <p:grpSpPr>
+        <a:xfrm>
+          <a:off x="0" y="0"/>
+          <a:ext cx="0" cy="0"/>
+          <a:chOff x="0" y="0"/>
+          <a:chExt cx="0" cy="0"/>
+        </a:xfrm>
+      </p:grpSpPr>
+      <p:sp>
+        <p:nvSpPr>
+          <p:cNvPr id="2" name="Slide Image Placeholder 1"/>
+          <p:cNvSpPr>
+            <a:spLocks noGrp="1" noRot="1" noChangeAspect="1"/>
+          </p:cNvSpPr>
+          <p:nvPr>
+            <p:ph type="sldImg"/>
+          </p:nvPr>
+        </p:nvSpPr>
+        <p:spPr/>
+      </p:sp>
+      <p:sp>
+        <p:nvSpPr>
+          <p:cNvPr id="3" name="Notes Placeholder 2"/>
+          <p:cNvSpPr>
+            <a:spLocks noGrp="1"/>
+          </p:cNvSpPr>
+          <p:nvPr>
+            <p:ph type="body" idx="1"/>
+          </p:nvPr>
+        </p:nvSpPr>
+        <p:spPr/>
+        <p:txBody>
+          <a:bodyPr/>
+          <a:lstStyle/>
+          <a:p>
+            <a:r>
+              <a:rPr lang="en-US" b="0" i="0" dirty="0">
+                <a:solidFill>
+                  <a:srgbClr val="000000"/>
+                </a:solidFill>
+                <a:effectLst/>
+                <a:latin typeface="Charter"/>
+              </a:rPr>
+              <a:t>Have you asked yourself the question, why do people organize?</a:t>
+            </a:r>
+          </a:p>
+          <a:p>
+            <a:endParaRPr lang="en-US" b="0" i="0" dirty="0">
+              <a:solidFill>
+                <a:srgbClr val="000000"/>
+              </a:solidFill>
+              <a:effectLst/>
+              <a:latin typeface="Charter"/>
+            </a:endParaRPr>
+          </a:p>
+          <a:p>
+            <a:r>
+              <a:rPr lang="en-US" b="0" i="0" dirty="0">
+                <a:solidFill>
+                  <a:srgbClr val="000000"/>
+                </a:solidFill>
+                <a:effectLst/>
+                <a:latin typeface="Charter"/>
+              </a:rPr>
+              <a:t>Lets go to the psychology of organizing</a:t>
+            </a:r>
+          </a:p>
+          <a:p>
+            <a:endParaRPr lang="en-US" b="0" i="0" dirty="0">
+              <a:solidFill>
+                <a:srgbClr val="000000"/>
+              </a:solidFill>
+              <a:effectLst/>
+              <a:latin typeface="Charter"/>
+            </a:endParaRPr>
+          </a:p>
+          <a:p>
+            <a:r>
+              <a:rPr lang="en-US" b="0" i="0" dirty="0">
+                <a:solidFill>
+                  <a:srgbClr val="000000"/>
+                </a:solidFill>
+                <a:effectLst/>
+                <a:latin typeface="Charter"/>
+              </a:rPr>
+              <a:t>This predictability applies within the context of our homes, manifesting through the concept of organization</a:t>
+            </a:r>
+            <a:endParaRPr lang="en-PH" dirty="0"/>
+          </a:p>
+        </p:txBody>
+      </p:sp>
+      <p:sp>
+        <p:nvSpPr>
+          <p:cNvPr id="4" name="Slide Number Placeholder 3"/>
+          <p:cNvSpPr>
+            <a:spLocks noGrp="1"/>
+          </p:cNvSpPr>
+          <p:nvPr>
+            <p:ph type="sldNum" sz="quarter" idx="5"/>
+          </p:nvPr>
+        </p:nvSpPr>
+        <p:spPr/>
+        <p:txBody>
+          <a:bodyPr/>
+          <a:lstStyle/>
+          <a:p>
+            <a:fld id="{FE90CCE9-4AAE-4E1F-85AD-521A406D6524}" type="slidenum">
+              <a:rPr lang="en-PH" smtClean="0"/>
+              <a:t>10</a:t>
+            </a:fld>
+            <a:endParaRPr lang="en-PH"/>
+          </a:p>
+        </p:txBody>
+      </p:sp>
+    </p:spTree>
+    <p:extLst>
+      <p:ext uri="{BB962C8B-B14F-4D97-AF65-F5344CB8AC3E}">
+        <p14:creationId xmlns:p14="http://schemas.microsoft.com/office/powerpoint/2010/main" val="2800032738"/>
+      </p:ext>
+    </p:extLst>
+  </p:cSld>
+  <p:clrMapOvr>
+    <a:masterClrMapping/>
+  </p:clrMapOvr>
+</p:notes>
+</file>
+
+<file path=ppt/notesSlides/notesSlide11.xml><?xml version="1.0" encoding="utf-8"?>
+<p:notes xmlns:a="http://schemas.openxmlformats.org/drawingml/2006/main" xmlns:r="http://schemas.openxmlformats.org/officeDocument/2006/relationships" xmlns:p="http://schemas.openxmlformats.org/presentationml/2006/main">
+  <p:cSld>
+    <p:spTree>
+      <p:nvGrpSpPr>
+        <p:cNvPr id="1" name=""/>
+        <p:cNvGrpSpPr/>
+        <p:nvPr/>
+      </p:nvGrpSpPr>
+      <p:grpSpPr>
+        <a:xfrm>
+          <a:off x="0" y="0"/>
+          <a:ext cx="0" cy="0"/>
+          <a:chOff x="0" y="0"/>
+          <a:chExt cx="0" cy="0"/>
+        </a:xfrm>
+      </p:grpSpPr>
+      <p:sp>
+        <p:nvSpPr>
+          <p:cNvPr id="2" name="Slide Image Placeholder 1"/>
+          <p:cNvSpPr>
+            <a:spLocks noGrp="1" noRot="1" noChangeAspect="1"/>
+          </p:cNvSpPr>
+          <p:nvPr>
+            <p:ph type="sldImg"/>
+          </p:nvPr>
+        </p:nvSpPr>
+        <p:spPr/>
+      </p:sp>
+      <p:sp>
+        <p:nvSpPr>
+          <p:cNvPr id="3" name="Notes Placeholder 2"/>
+          <p:cNvSpPr>
+            <a:spLocks noGrp="1"/>
+          </p:cNvSpPr>
+          <p:nvPr>
+            <p:ph type="body" idx="1"/>
+          </p:nvPr>
+        </p:nvSpPr>
+        <p:spPr/>
+        <p:txBody>
+          <a:bodyPr/>
+          <a:lstStyle/>
+          <a:p>
+            <a:r>
+              <a:rPr lang="en-US" b="0" i="0" dirty="0">
+                <a:solidFill>
+                  <a:srgbClr val="000000"/>
+                </a:solidFill>
+                <a:effectLst/>
+                <a:latin typeface="Charter"/>
+              </a:rPr>
+              <a:t>Have you asked yourself the question, why do people organize?</a:t>
+            </a:r>
+          </a:p>
+          <a:p>
+            <a:endParaRPr lang="en-US" b="0" i="0" dirty="0">
+              <a:solidFill>
+                <a:srgbClr val="000000"/>
+              </a:solidFill>
+              <a:effectLst/>
+              <a:latin typeface="Charter"/>
+            </a:endParaRPr>
+          </a:p>
+          <a:p>
+            <a:r>
+              <a:rPr lang="en-US" b="0" i="0" dirty="0">
+                <a:solidFill>
+                  <a:srgbClr val="000000"/>
+                </a:solidFill>
+                <a:effectLst/>
+                <a:latin typeface="Charter"/>
+              </a:rPr>
+              <a:t>Lets go to the psychology of organizing</a:t>
+            </a:r>
+          </a:p>
+          <a:p>
+            <a:endParaRPr lang="en-US" b="0" i="0" dirty="0">
+              <a:solidFill>
+                <a:srgbClr val="000000"/>
+              </a:solidFill>
+              <a:effectLst/>
+              <a:latin typeface="Charter"/>
+            </a:endParaRPr>
+          </a:p>
+          <a:p>
+            <a:r>
+              <a:rPr lang="en-US" b="0" i="0" dirty="0">
+                <a:solidFill>
+                  <a:srgbClr val="000000"/>
+                </a:solidFill>
+                <a:effectLst/>
+                <a:latin typeface="Charter"/>
+              </a:rPr>
+              <a:t>This predictability applies within the context of our homes, manifesting through the concept of organization</a:t>
+            </a:r>
+            <a:endParaRPr lang="en-PH" dirty="0"/>
+          </a:p>
+        </p:txBody>
+      </p:sp>
+      <p:sp>
+        <p:nvSpPr>
+          <p:cNvPr id="4" name="Slide Number Placeholder 3"/>
+          <p:cNvSpPr>
+            <a:spLocks noGrp="1"/>
+          </p:cNvSpPr>
+          <p:nvPr>
+            <p:ph type="sldNum" sz="quarter" idx="5"/>
+          </p:nvPr>
+        </p:nvSpPr>
+        <p:spPr/>
+        <p:txBody>
+          <a:bodyPr/>
+          <a:lstStyle/>
+          <a:p>
+            <a:fld id="{FE90CCE9-4AAE-4E1F-85AD-521A406D6524}" type="slidenum">
+              <a:rPr lang="en-PH" smtClean="0"/>
+              <a:t>11</a:t>
+            </a:fld>
+            <a:endParaRPr lang="en-PH"/>
+          </a:p>
+        </p:txBody>
+      </p:sp>
+    </p:spTree>
+    <p:extLst>
+      <p:ext uri="{BB962C8B-B14F-4D97-AF65-F5344CB8AC3E}">
+        <p14:creationId xmlns:p14="http://schemas.microsoft.com/office/powerpoint/2010/main" val="3109728295"/>
+      </p:ext>
+    </p:extLst>
+  </p:cSld>
+  <p:clrMapOvr>
+    <a:masterClrMapping/>
+  </p:clrMapOvr>
+</p:notes>
+</file>
+
 <file path=ppt/notesSlides/notesSlide2.xml><?xml version="1.0" encoding="utf-8"?>
 <p:notes xmlns:a="http://schemas.openxmlformats.org/drawingml/2006/main" xmlns:r="http://schemas.openxmlformats.org/officeDocument/2006/relationships" xmlns:p="http://schemas.openxmlformats.org/presentationml/2006/main">
   <p:cSld>
@@ -889,7 +1164,7 @@
     </p:spTree>
     <p:extLst>
       <p:ext uri="{BB962C8B-B14F-4D97-AF65-F5344CB8AC3E}">
-        <p14:creationId xmlns:p14="http://schemas.microsoft.com/office/powerpoint/2010/main" val="2169460093"/>
+        <p14:creationId xmlns:p14="http://schemas.microsoft.com/office/powerpoint/2010/main" val="2224011650"/>
       </p:ext>
     </p:extLst>
   </p:cSld>
@@ -1025,7 +1300,7 @@
     </p:spTree>
     <p:extLst>
       <p:ext uri="{BB962C8B-B14F-4D97-AF65-F5344CB8AC3E}">
-        <p14:creationId xmlns:p14="http://schemas.microsoft.com/office/powerpoint/2010/main" val="553149235"/>
+        <p14:creationId xmlns:p14="http://schemas.microsoft.com/office/powerpoint/2010/main" val="2169460093"/>
       </p:ext>
     </p:extLst>
   </p:cSld>
@@ -1161,7 +1436,7 @@
     </p:spTree>
     <p:extLst>
       <p:ext uri="{BB962C8B-B14F-4D97-AF65-F5344CB8AC3E}">
-        <p14:creationId xmlns:p14="http://schemas.microsoft.com/office/powerpoint/2010/main" val="3504682041"/>
+        <p14:creationId xmlns:p14="http://schemas.microsoft.com/office/powerpoint/2010/main" val="3566683644"/>
       </p:ext>
     </p:extLst>
   </p:cSld>
@@ -1297,7 +1572,7 @@
     </p:spTree>
     <p:extLst>
       <p:ext uri="{BB962C8B-B14F-4D97-AF65-F5344CB8AC3E}">
-        <p14:creationId xmlns:p14="http://schemas.microsoft.com/office/powerpoint/2010/main" val="513507987"/>
+        <p14:creationId xmlns:p14="http://schemas.microsoft.com/office/powerpoint/2010/main" val="553149235"/>
       </p:ext>
     </p:extLst>
   </p:cSld>
@@ -1433,7 +1708,7 @@
     </p:spTree>
     <p:extLst>
       <p:ext uri="{BB962C8B-B14F-4D97-AF65-F5344CB8AC3E}">
-        <p14:creationId xmlns:p14="http://schemas.microsoft.com/office/powerpoint/2010/main" val="2800032738"/>
+        <p14:creationId xmlns:p14="http://schemas.microsoft.com/office/powerpoint/2010/main" val="3504682041"/>
       </p:ext>
     </p:extLst>
   </p:cSld>
@@ -1569,7 +1844,143 @@
     </p:spTree>
     <p:extLst>
       <p:ext uri="{BB962C8B-B14F-4D97-AF65-F5344CB8AC3E}">
-        <p14:creationId xmlns:p14="http://schemas.microsoft.com/office/powerpoint/2010/main" val="3109728295"/>
+        <p14:creationId xmlns:p14="http://schemas.microsoft.com/office/powerpoint/2010/main" val="2471398920"/>
+      </p:ext>
+    </p:extLst>
+  </p:cSld>
+  <p:clrMapOvr>
+    <a:masterClrMapping/>
+  </p:clrMapOvr>
+</p:notes>
+</file>
+
+<file path=ppt/notesSlides/notesSlide9.xml><?xml version="1.0" encoding="utf-8"?>
+<p:notes xmlns:a="http://schemas.openxmlformats.org/drawingml/2006/main" xmlns:r="http://schemas.openxmlformats.org/officeDocument/2006/relationships" xmlns:p="http://schemas.openxmlformats.org/presentationml/2006/main">
+  <p:cSld>
+    <p:spTree>
+      <p:nvGrpSpPr>
+        <p:cNvPr id="1" name=""/>
+        <p:cNvGrpSpPr/>
+        <p:nvPr/>
+      </p:nvGrpSpPr>
+      <p:grpSpPr>
+        <a:xfrm>
+          <a:off x="0" y="0"/>
+          <a:ext cx="0" cy="0"/>
+          <a:chOff x="0" y="0"/>
+          <a:chExt cx="0" cy="0"/>
+        </a:xfrm>
+      </p:grpSpPr>
+      <p:sp>
+        <p:nvSpPr>
+          <p:cNvPr id="2" name="Slide Image Placeholder 1"/>
+          <p:cNvSpPr>
+            <a:spLocks noGrp="1" noRot="1" noChangeAspect="1"/>
+          </p:cNvSpPr>
+          <p:nvPr>
+            <p:ph type="sldImg"/>
+          </p:nvPr>
+        </p:nvSpPr>
+        <p:spPr/>
+      </p:sp>
+      <p:sp>
+        <p:nvSpPr>
+          <p:cNvPr id="3" name="Notes Placeholder 2"/>
+          <p:cNvSpPr>
+            <a:spLocks noGrp="1"/>
+          </p:cNvSpPr>
+          <p:nvPr>
+            <p:ph type="body" idx="1"/>
+          </p:nvPr>
+        </p:nvSpPr>
+        <p:spPr/>
+        <p:txBody>
+          <a:bodyPr/>
+          <a:lstStyle/>
+          <a:p>
+            <a:r>
+              <a:rPr lang="en-US" b="0" i="0" dirty="0">
+                <a:solidFill>
+                  <a:srgbClr val="000000"/>
+                </a:solidFill>
+                <a:effectLst/>
+                <a:latin typeface="Charter"/>
+              </a:rPr>
+              <a:t>Have you asked yourself the question, why do people organize?</a:t>
+            </a:r>
+          </a:p>
+          <a:p>
+            <a:endParaRPr lang="en-US" b="0" i="0" dirty="0">
+              <a:solidFill>
+                <a:srgbClr val="000000"/>
+              </a:solidFill>
+              <a:effectLst/>
+              <a:latin typeface="Charter"/>
+            </a:endParaRPr>
+          </a:p>
+          <a:p>
+            <a:r>
+              <a:rPr lang="en-US" b="0" i="0" dirty="0">
+                <a:solidFill>
+                  <a:srgbClr val="000000"/>
+                </a:solidFill>
+                <a:effectLst/>
+                <a:latin typeface="Charter"/>
+              </a:rPr>
+              <a:t>Lets go to the psychology of organizing</a:t>
+            </a:r>
+          </a:p>
+          <a:p>
+            <a:endParaRPr lang="en-US" b="0" i="0" dirty="0">
+              <a:solidFill>
+                <a:srgbClr val="000000"/>
+              </a:solidFill>
+              <a:effectLst/>
+              <a:latin typeface="Charter"/>
+            </a:endParaRPr>
+          </a:p>
+          <a:p>
+            <a:r>
+              <a:rPr lang="en-US" b="0" i="0" dirty="0">
+                <a:solidFill>
+                  <a:srgbClr val="000000"/>
+                </a:solidFill>
+                <a:effectLst/>
+                <a:latin typeface="Charter"/>
+              </a:rPr>
+              <a:t>This predictability applies within the context of our homes, manifesting through the concept of organization</a:t>
+            </a:r>
+            <a:endParaRPr lang="en-PH" dirty="0"/>
+          </a:p>
+        </p:txBody>
+      </p:sp>
+      <p:sp>
+        <p:nvSpPr>
+          <p:cNvPr id="4" name="Slide Number Placeholder 3"/>
+          <p:cNvSpPr>
+            <a:spLocks noGrp="1"/>
+          </p:cNvSpPr>
+          <p:nvPr>
+            <p:ph type="sldNum" sz="quarter" idx="5"/>
+          </p:nvPr>
+        </p:nvSpPr>
+        <p:spPr/>
+        <p:txBody>
+          <a:bodyPr/>
+          <a:lstStyle/>
+          <a:p>
+            <a:fld id="{FE90CCE9-4AAE-4E1F-85AD-521A406D6524}" type="slidenum">
+              <a:rPr lang="en-PH" smtClean="0"/>
+              <a:t>9</a:t>
+            </a:fld>
+            <a:endParaRPr lang="en-PH"/>
+          </a:p>
+        </p:txBody>
+      </p:sp>
+    </p:spTree>
+    <p:extLst>
+      <p:ext uri="{BB962C8B-B14F-4D97-AF65-F5344CB8AC3E}">
+        <p14:creationId xmlns:p14="http://schemas.microsoft.com/office/powerpoint/2010/main" val="513507987"/>
       </p:ext>
     </p:extLst>
   </p:cSld>
@@ -1728,7 +2139,7 @@
           <a:p>
             <a:fld id="{0CCF0B81-6BD8-4C65-9459-815598C5F1F4}" type="datetimeFigureOut">
               <a:rPr lang="en-PH" smtClean="0"/>
-              <a:t>8/24/23</a:t>
+              <a:t>01/09/2023</a:t>
             </a:fld>
             <a:endParaRPr lang="en-PH"/>
           </a:p>
@@ -1928,7 +2339,7 @@
           <a:p>
             <a:fld id="{0CCF0B81-6BD8-4C65-9459-815598C5F1F4}" type="datetimeFigureOut">
               <a:rPr lang="en-PH" smtClean="0"/>
-              <a:t>8/24/23</a:t>
+              <a:t>01/09/2023</a:t>
             </a:fld>
             <a:endParaRPr lang="en-PH"/>
           </a:p>
@@ -2138,7 +2549,7 @@
           <a:p>
             <a:fld id="{0CCF0B81-6BD8-4C65-9459-815598C5F1F4}" type="datetimeFigureOut">
               <a:rPr lang="en-PH" smtClean="0"/>
-              <a:t>8/24/23</a:t>
+              <a:t>01/09/2023</a:t>
             </a:fld>
             <a:endParaRPr lang="en-PH"/>
           </a:p>
@@ -2338,7 +2749,7 @@
           <a:p>
             <a:fld id="{0CCF0B81-6BD8-4C65-9459-815598C5F1F4}" type="datetimeFigureOut">
               <a:rPr lang="en-PH" smtClean="0"/>
-              <a:t>8/24/23</a:t>
+              <a:t>01/09/2023</a:t>
             </a:fld>
             <a:endParaRPr lang="en-PH"/>
           </a:p>
@@ -2614,7 +3025,7 @@
           <a:p>
             <a:fld id="{0CCF0B81-6BD8-4C65-9459-815598C5F1F4}" type="datetimeFigureOut">
               <a:rPr lang="en-PH" smtClean="0"/>
-              <a:t>8/24/23</a:t>
+              <a:t>01/09/2023</a:t>
             </a:fld>
             <a:endParaRPr lang="en-PH"/>
           </a:p>
@@ -2882,7 +3293,7 @@
           <a:p>
             <a:fld id="{0CCF0B81-6BD8-4C65-9459-815598C5F1F4}" type="datetimeFigureOut">
               <a:rPr lang="en-PH" smtClean="0"/>
-              <a:t>8/24/23</a:t>
+              <a:t>01/09/2023</a:t>
             </a:fld>
             <a:endParaRPr lang="en-PH"/>
           </a:p>
@@ -3297,7 +3708,7 @@
           <a:p>
             <a:fld id="{0CCF0B81-6BD8-4C65-9459-815598C5F1F4}" type="datetimeFigureOut">
               <a:rPr lang="en-PH" smtClean="0"/>
-              <a:t>8/24/23</a:t>
+              <a:t>01/09/2023</a:t>
             </a:fld>
             <a:endParaRPr lang="en-PH"/>
           </a:p>
@@ -3439,7 +3850,7 @@
           <a:p>
             <a:fld id="{0CCF0B81-6BD8-4C65-9459-815598C5F1F4}" type="datetimeFigureOut">
               <a:rPr lang="en-PH" smtClean="0"/>
-              <a:t>8/24/23</a:t>
+              <a:t>01/09/2023</a:t>
             </a:fld>
             <a:endParaRPr lang="en-PH"/>
           </a:p>
@@ -3552,7 +3963,7 @@
           <a:p>
             <a:fld id="{0CCF0B81-6BD8-4C65-9459-815598C5F1F4}" type="datetimeFigureOut">
               <a:rPr lang="en-PH" smtClean="0"/>
-              <a:t>8/24/23</a:t>
+              <a:t>01/09/2023</a:t>
             </a:fld>
             <a:endParaRPr lang="en-PH"/>
           </a:p>
@@ -3865,7 +4276,7 @@
           <a:p>
             <a:fld id="{0CCF0B81-6BD8-4C65-9459-815598C5F1F4}" type="datetimeFigureOut">
               <a:rPr lang="en-PH" smtClean="0"/>
-              <a:t>8/24/23</a:t>
+              <a:t>01/09/2023</a:t>
             </a:fld>
             <a:endParaRPr lang="en-PH"/>
           </a:p>
@@ -4154,7 +4565,7 @@
           <a:p>
             <a:fld id="{0CCF0B81-6BD8-4C65-9459-815598C5F1F4}" type="datetimeFigureOut">
               <a:rPr lang="en-PH" smtClean="0"/>
-              <a:t>8/24/23</a:t>
+              <a:t>01/09/2023</a:t>
             </a:fld>
             <a:endParaRPr lang="en-PH"/>
           </a:p>
@@ -4397,7 +4808,7 @@
           <a:p>
             <a:fld id="{0CCF0B81-6BD8-4C65-9459-815598C5F1F4}" type="datetimeFigureOut">
               <a:rPr lang="en-PH" smtClean="0"/>
-              <a:t>8/24/23</a:t>
+              <a:t>01/09/2023</a:t>
             </a:fld>
             <a:endParaRPr lang="en-PH"/>
           </a:p>
@@ -4988,6 +5399,1500 @@
     <p:bg>
       <p:bgPr>
         <a:blipFill dpi="0" rotWithShape="1">
+          <a:blip r:embed="rId3">
+            <a:alphaModFix amt="99000"/>
+            <a:lum/>
+          </a:blip>
+          <a:srcRect/>
+          <a:stretch>
+            <a:fillRect t="89000" r="85000" b="-1000"/>
+          </a:stretch>
+        </a:blipFill>
+        <a:effectLst/>
+      </p:bgPr>
+    </p:bg>
+    <p:spTree>
+      <p:nvGrpSpPr>
+        <p:cNvPr id="1" name=""/>
+        <p:cNvGrpSpPr/>
+        <p:nvPr/>
+      </p:nvGrpSpPr>
+      <p:grpSpPr>
+        <a:xfrm>
+          <a:off x="0" y="0"/>
+          <a:ext cx="0" cy="0"/>
+          <a:chOff x="0" y="0"/>
+          <a:chExt cx="0" cy="0"/>
+        </a:xfrm>
+      </p:grpSpPr>
+      <p:sp>
+        <p:nvSpPr>
+          <p:cNvPr id="2" name="Title 1">
+            <a:extLst>
+              <a:ext uri="{FF2B5EF4-FFF2-40B4-BE49-F238E27FC236}">
+                <a16:creationId xmlns:a16="http://schemas.microsoft.com/office/drawing/2014/main" id="{6A3DCE86-C2BA-4713-9E7A-73589E8D6CCF}"/>
+              </a:ext>
+            </a:extLst>
+          </p:cNvPr>
+          <p:cNvSpPr>
+            <a:spLocks noGrp="1"/>
+          </p:cNvSpPr>
+          <p:nvPr>
+            <p:ph type="ctrTitle"/>
+          </p:nvPr>
+        </p:nvSpPr>
+        <p:spPr>
+          <a:xfrm>
+            <a:off x="1524000" y="497150"/>
+            <a:ext cx="9144000" cy="718459"/>
+          </a:xfrm>
+        </p:spPr>
+        <p:txBody>
+          <a:bodyPr>
+            <a:normAutofit fontScale="90000"/>
+          </a:bodyPr>
+          <a:lstStyle/>
+          <a:p>
+            <a:r>
+              <a:rPr lang="en-PH" b="1" dirty="0"/>
+              <a:t>Singly Linked list</a:t>
+            </a:r>
+          </a:p>
+        </p:txBody>
+      </p:sp>
+      <p:sp>
+        <p:nvSpPr>
+          <p:cNvPr id="4" name="Footer Placeholder 3">
+            <a:extLst>
+              <a:ext uri="{FF2B5EF4-FFF2-40B4-BE49-F238E27FC236}">
+                <a16:creationId xmlns:a16="http://schemas.microsoft.com/office/drawing/2014/main" id="{638E7DE1-45EE-476A-A474-0F3C264AEDA3}"/>
+              </a:ext>
+            </a:extLst>
+          </p:cNvPr>
+          <p:cNvSpPr>
+            <a:spLocks noGrp="1"/>
+          </p:cNvSpPr>
+          <p:nvPr>
+            <p:ph type="ftr" sz="quarter" idx="11"/>
+          </p:nvPr>
+        </p:nvSpPr>
+        <p:spPr>
+          <a:xfrm>
+            <a:off x="0" y="6139541"/>
+            <a:ext cx="12192000" cy="718459"/>
+          </a:xfrm>
+          <a:ln w="28575">
+            <a:solidFill>
+              <a:schemeClr val="accent5">
+                <a:lumMod val="50000"/>
+              </a:schemeClr>
+            </a:solidFill>
+          </a:ln>
+        </p:spPr>
+        <p:txBody>
+          <a:bodyPr/>
+          <a:lstStyle/>
+          <a:p>
+            <a:pPr algn="r"/>
+            <a:r>
+              <a:rPr lang="en-US" b="1" dirty="0">
+                <a:solidFill>
+                  <a:schemeClr val="tx1"/>
+                </a:solidFill>
+              </a:rPr>
+              <a:t>CCDATRCL</a:t>
+            </a:r>
+            <a:endParaRPr lang="en-PH" dirty="0"/>
+          </a:p>
+        </p:txBody>
+      </p:sp>
+      <p:sp>
+        <p:nvSpPr>
+          <p:cNvPr id="8" name="TextBox 7">
+            <a:extLst>
+              <a:ext uri="{FF2B5EF4-FFF2-40B4-BE49-F238E27FC236}">
+                <a16:creationId xmlns:a16="http://schemas.microsoft.com/office/drawing/2014/main" id="{378AED58-7021-7CAD-2BE7-9006D0733B3A}"/>
+              </a:ext>
+            </a:extLst>
+          </p:cNvPr>
+          <p:cNvSpPr txBox="1"/>
+          <p:nvPr/>
+        </p:nvSpPr>
+        <p:spPr>
+          <a:xfrm>
+            <a:off x="933189" y="2050516"/>
+            <a:ext cx="10540652" cy="1015663"/>
+          </a:xfrm>
+          <a:prstGeom prst="rect">
+            <a:avLst/>
+          </a:prstGeom>
+          <a:noFill/>
+        </p:spPr>
+        <p:txBody>
+          <a:bodyPr wrap="square">
+            <a:spAutoFit/>
+          </a:bodyPr>
+          <a:lstStyle/>
+          <a:p>
+            <a:r>
+              <a:rPr lang="en-US" sz="3000" b="0" i="0" dirty="0">
+                <a:effectLst/>
+                <a:latin typeface="+mj-lt"/>
+              </a:rPr>
+              <a:t>It is the most common. </a:t>
+            </a:r>
+            <a:r>
+              <a:rPr lang="en-US" sz="3000" b="1" i="0" dirty="0">
+                <a:effectLst/>
+                <a:latin typeface="+mj-lt"/>
+              </a:rPr>
+              <a:t>Each node has data and a pointer to the next node.</a:t>
+            </a:r>
+            <a:endParaRPr lang="en-PH" sz="3000" b="1" dirty="0">
+              <a:latin typeface="+mj-lt"/>
+            </a:endParaRPr>
+          </a:p>
+        </p:txBody>
+      </p:sp>
+    </p:spTree>
+    <p:extLst>
+      <p:ext uri="{BB962C8B-B14F-4D97-AF65-F5344CB8AC3E}">
+        <p14:creationId xmlns:p14="http://schemas.microsoft.com/office/powerpoint/2010/main" val="3155613431"/>
+      </p:ext>
+    </p:extLst>
+  </p:cSld>
+  <p:clrMapOvr>
+    <a:masterClrMapping/>
+  </p:clrMapOvr>
+</p:sld>
+</file>
+
+<file path=ppt/slides/slide11.xml><?xml version="1.0" encoding="utf-8"?>
+<p:sld xmlns:a="http://schemas.openxmlformats.org/drawingml/2006/main" xmlns:r="http://schemas.openxmlformats.org/officeDocument/2006/relationships" xmlns:p="http://schemas.openxmlformats.org/presentationml/2006/main">
+  <p:cSld>
+    <p:bg>
+      <p:bgPr>
+        <a:blipFill dpi="0" rotWithShape="1">
+          <a:blip r:embed="rId3">
+            <a:alphaModFix amt="99000"/>
+            <a:lum/>
+          </a:blip>
+          <a:srcRect/>
+          <a:stretch>
+            <a:fillRect t="89000" r="85000" b="-1000"/>
+          </a:stretch>
+        </a:blipFill>
+        <a:effectLst/>
+      </p:bgPr>
+    </p:bg>
+    <p:spTree>
+      <p:nvGrpSpPr>
+        <p:cNvPr id="1" name=""/>
+        <p:cNvGrpSpPr/>
+        <p:nvPr/>
+      </p:nvGrpSpPr>
+      <p:grpSpPr>
+        <a:xfrm>
+          <a:off x="0" y="0"/>
+          <a:ext cx="0" cy="0"/>
+          <a:chOff x="0" y="0"/>
+          <a:chExt cx="0" cy="0"/>
+        </a:xfrm>
+      </p:grpSpPr>
+      <p:sp>
+        <p:nvSpPr>
+          <p:cNvPr id="2" name="Title 1">
+            <a:extLst>
+              <a:ext uri="{FF2B5EF4-FFF2-40B4-BE49-F238E27FC236}">
+                <a16:creationId xmlns:a16="http://schemas.microsoft.com/office/drawing/2014/main" id="{6A3DCE86-C2BA-4713-9E7A-73589E8D6CCF}"/>
+              </a:ext>
+            </a:extLst>
+          </p:cNvPr>
+          <p:cNvSpPr>
+            <a:spLocks noGrp="1"/>
+          </p:cNvSpPr>
+          <p:nvPr>
+            <p:ph type="ctrTitle"/>
+          </p:nvPr>
+        </p:nvSpPr>
+        <p:spPr>
+          <a:xfrm>
+            <a:off x="1524000" y="497150"/>
+            <a:ext cx="9144000" cy="718459"/>
+          </a:xfrm>
+        </p:spPr>
+        <p:txBody>
+          <a:bodyPr>
+            <a:normAutofit fontScale="90000"/>
+          </a:bodyPr>
+          <a:lstStyle/>
+          <a:p>
+            <a:r>
+              <a:rPr lang="en-PH" b="1" dirty="0"/>
+              <a:t>Singly Linked list</a:t>
+            </a:r>
+            <a:endParaRPr lang="en-PH" dirty="0"/>
+          </a:p>
+        </p:txBody>
+      </p:sp>
+      <p:sp>
+        <p:nvSpPr>
+          <p:cNvPr id="4" name="Footer Placeholder 3">
+            <a:extLst>
+              <a:ext uri="{FF2B5EF4-FFF2-40B4-BE49-F238E27FC236}">
+                <a16:creationId xmlns:a16="http://schemas.microsoft.com/office/drawing/2014/main" id="{638E7DE1-45EE-476A-A474-0F3C264AEDA3}"/>
+              </a:ext>
+            </a:extLst>
+          </p:cNvPr>
+          <p:cNvSpPr>
+            <a:spLocks noGrp="1"/>
+          </p:cNvSpPr>
+          <p:nvPr>
+            <p:ph type="ftr" sz="quarter" idx="11"/>
+          </p:nvPr>
+        </p:nvSpPr>
+        <p:spPr>
+          <a:xfrm>
+            <a:off x="0" y="6139541"/>
+            <a:ext cx="12192000" cy="718459"/>
+          </a:xfrm>
+          <a:ln w="28575">
+            <a:solidFill>
+              <a:schemeClr val="accent5">
+                <a:lumMod val="50000"/>
+              </a:schemeClr>
+            </a:solidFill>
+          </a:ln>
+        </p:spPr>
+        <p:txBody>
+          <a:bodyPr/>
+          <a:lstStyle/>
+          <a:p>
+            <a:pPr algn="r"/>
+            <a:r>
+              <a:rPr lang="en-US" b="1" dirty="0">
+                <a:solidFill>
+                  <a:schemeClr val="tx1"/>
+                </a:solidFill>
+              </a:rPr>
+              <a:t>CCDATRCL</a:t>
+            </a:r>
+            <a:endParaRPr lang="en-PH" dirty="0"/>
+          </a:p>
+        </p:txBody>
+      </p:sp>
+      <p:sp>
+        <p:nvSpPr>
+          <p:cNvPr id="5" name="TextBox 4">
+            <a:extLst>
+              <a:ext uri="{FF2B5EF4-FFF2-40B4-BE49-F238E27FC236}">
+                <a16:creationId xmlns:a16="http://schemas.microsoft.com/office/drawing/2014/main" id="{15184E04-C970-DC69-1A32-F6ABFA202CA8}"/>
+              </a:ext>
+            </a:extLst>
+          </p:cNvPr>
+          <p:cNvSpPr txBox="1"/>
+          <p:nvPr/>
+        </p:nvSpPr>
+        <p:spPr>
+          <a:xfrm>
+            <a:off x="584548" y="4297512"/>
+            <a:ext cx="11022903" cy="1569660"/>
+          </a:xfrm>
+          <a:prstGeom prst="rect">
+            <a:avLst/>
+          </a:prstGeom>
+          <a:noFill/>
+        </p:spPr>
+        <p:txBody>
+          <a:bodyPr wrap="square">
+            <a:spAutoFit/>
+          </a:bodyPr>
+          <a:lstStyle/>
+          <a:p>
+            <a:r>
+              <a:rPr lang="en-US" sz="2400" b="1" i="0" dirty="0">
+                <a:solidFill>
+                  <a:srgbClr val="273239"/>
+                </a:solidFill>
+                <a:effectLst/>
+                <a:latin typeface="Calibri Light (Headings)"/>
+              </a:rPr>
+              <a:t>Head: </a:t>
+            </a:r>
+            <a:r>
+              <a:rPr lang="en-US" sz="2400" b="0" i="0" dirty="0">
+                <a:solidFill>
+                  <a:srgbClr val="273239"/>
+                </a:solidFill>
+                <a:effectLst/>
+                <a:latin typeface="Calibri Light (Headings)"/>
+              </a:rPr>
+              <a:t>The linked list is accessed through the head node, which points to the first node in the list. </a:t>
+            </a:r>
+          </a:p>
+          <a:p>
+            <a:endParaRPr lang="en-US" sz="2400" b="0" i="0" dirty="0">
+              <a:solidFill>
+                <a:srgbClr val="273239"/>
+              </a:solidFill>
+              <a:effectLst/>
+              <a:latin typeface="Calibri Light (Headings)"/>
+            </a:endParaRPr>
+          </a:p>
+          <a:p>
+            <a:r>
+              <a:rPr lang="en-US" sz="2400" b="1" i="0" dirty="0">
+                <a:solidFill>
+                  <a:srgbClr val="273239"/>
+                </a:solidFill>
+                <a:effectLst/>
+                <a:latin typeface="Calibri Light (Headings)"/>
+              </a:rPr>
+              <a:t>Tail: </a:t>
+            </a:r>
+            <a:r>
+              <a:rPr lang="en-US" sz="2400" b="0" i="0" dirty="0">
+                <a:solidFill>
+                  <a:srgbClr val="273239"/>
+                </a:solidFill>
+                <a:effectLst/>
+                <a:latin typeface="Calibri Light (Headings)"/>
+              </a:rPr>
+              <a:t>The last node in the list points to NULL, indicating the end of the list. </a:t>
+            </a:r>
+            <a:endParaRPr lang="en-PH" sz="2400" dirty="0">
+              <a:latin typeface="Calibri Light (Headings)"/>
+            </a:endParaRPr>
+          </a:p>
+        </p:txBody>
+      </p:sp>
+      <p:graphicFrame>
+        <p:nvGraphicFramePr>
+          <p:cNvPr id="6" name="Table 5">
+            <a:extLst>
+              <a:ext uri="{FF2B5EF4-FFF2-40B4-BE49-F238E27FC236}">
+                <a16:creationId xmlns:a16="http://schemas.microsoft.com/office/drawing/2014/main" id="{97A43BC1-223D-14E6-3042-6448CE634015}"/>
+              </a:ext>
+            </a:extLst>
+          </p:cNvPr>
+          <p:cNvGraphicFramePr>
+            <a:graphicFrameLocks noGrp="1"/>
+          </p:cNvGraphicFramePr>
+          <p:nvPr>
+            <p:extLst>
+              <p:ext uri="{D42A27DB-BD31-4B8C-83A1-F6EECF244321}">
+                <p14:modId xmlns:p14="http://schemas.microsoft.com/office/powerpoint/2010/main" val="2757818214"/>
+              </p:ext>
+            </p:extLst>
+          </p:nvPr>
+        </p:nvGraphicFramePr>
+        <p:xfrm>
+          <a:off x="775570" y="2710542"/>
+          <a:ext cx="2481198" cy="1076076"/>
+        </p:xfrm>
+        <a:graphic>
+          <a:graphicData uri="http://schemas.openxmlformats.org/drawingml/2006/table">
+            <a:tbl>
+              <a:tblPr firstRow="1" bandRow="1">
+                <a:tableStyleId>{5C22544A-7EE6-4342-B048-85BDC9FD1C3A}</a:tableStyleId>
+              </a:tblPr>
+              <a:tblGrid>
+                <a:gridCol w="1240599">
+                  <a:extLst>
+                    <a:ext uri="{9D8B030D-6E8A-4147-A177-3AD203B41FA5}">
+                      <a16:colId xmlns:a16="http://schemas.microsoft.com/office/drawing/2014/main" val="307781959"/>
+                    </a:ext>
+                  </a:extLst>
+                </a:gridCol>
+                <a:gridCol w="1240599">
+                  <a:extLst>
+                    <a:ext uri="{9D8B030D-6E8A-4147-A177-3AD203B41FA5}">
+                      <a16:colId xmlns:a16="http://schemas.microsoft.com/office/drawing/2014/main" val="3951014466"/>
+                    </a:ext>
+                  </a:extLst>
+                </a:gridCol>
+              </a:tblGrid>
+              <a:tr h="527436">
+                <a:tc>
+                  <a:txBody>
+                    <a:bodyPr/>
+                    <a:lstStyle/>
+                    <a:p>
+                      <a:pPr algn="l"/>
+                      <a:endParaRPr lang="en-US" sz="1500" b="1" dirty="0"/>
+                    </a:p>
+                    <a:p>
+                      <a:pPr algn="l"/>
+                      <a:r>
+                        <a:rPr lang="en-US" sz="1500" b="1" dirty="0"/>
+                        <a:t>DATA</a:t>
+                      </a:r>
+                      <a:endParaRPr lang="en-PH" sz="1500" b="1" dirty="0"/>
+                    </a:p>
+                  </a:txBody>
+                  <a:tcPr/>
+                </a:tc>
+                <a:tc>
+                  <a:txBody>
+                    <a:bodyPr/>
+                    <a:lstStyle/>
+                    <a:p>
+                      <a:pPr algn="l"/>
+                      <a:endParaRPr lang="en-US" sz="1500" b="1" dirty="0"/>
+                    </a:p>
+                    <a:p>
+                      <a:pPr algn="l"/>
+                      <a:r>
+                        <a:rPr lang="en-US" sz="1500" b="1" dirty="0"/>
+                        <a:t>NEXT</a:t>
+                      </a:r>
+                      <a:endParaRPr lang="en-PH" sz="1500" b="1" dirty="0"/>
+                    </a:p>
+                  </a:txBody>
+                  <a:tcPr>
+                    <a:solidFill>
+                      <a:srgbClr val="00B050"/>
+                    </a:solidFill>
+                  </a:tcPr>
+                </a:tc>
+                <a:extLst>
+                  <a:ext uri="{0D108BD9-81ED-4DB2-BD59-A6C34878D82A}">
+                    <a16:rowId xmlns:a16="http://schemas.microsoft.com/office/drawing/2014/main" val="35935662"/>
+                  </a:ext>
+                </a:extLst>
+              </a:tr>
+              <a:tr h="527436">
+                <a:tc gridSpan="2">
+                  <a:txBody>
+                    <a:bodyPr/>
+                    <a:lstStyle/>
+                    <a:p>
+                      <a:pPr algn="ctr"/>
+                      <a:r>
+                        <a:rPr lang="en-US" sz="1500" b="1" dirty="0"/>
+                        <a:t>Head</a:t>
+                      </a:r>
+                      <a:endParaRPr lang="en-PH" sz="1500" b="1" dirty="0"/>
+                    </a:p>
+                  </a:txBody>
+                  <a:tcPr>
+                    <a:solidFill>
+                      <a:schemeClr val="bg1"/>
+                    </a:solidFill>
+                  </a:tcPr>
+                </a:tc>
+                <a:tc hMerge="1">
+                  <a:txBody>
+                    <a:bodyPr/>
+                    <a:lstStyle/>
+                    <a:p>
+                      <a:pPr algn="l"/>
+                      <a:endParaRPr lang="en-PH" sz="1500" dirty="0"/>
+                    </a:p>
+                  </a:txBody>
+                  <a:tcPr>
+                    <a:solidFill>
+                      <a:srgbClr val="00B050"/>
+                    </a:solidFill>
+                  </a:tcPr>
+                </a:tc>
+                <a:extLst>
+                  <a:ext uri="{0D108BD9-81ED-4DB2-BD59-A6C34878D82A}">
+                    <a16:rowId xmlns:a16="http://schemas.microsoft.com/office/drawing/2014/main" val="1504590453"/>
+                  </a:ext>
+                </a:extLst>
+              </a:tr>
+            </a:tbl>
+          </a:graphicData>
+        </a:graphic>
+      </p:graphicFrame>
+      <p:graphicFrame>
+        <p:nvGraphicFramePr>
+          <p:cNvPr id="7" name="Table 5">
+            <a:extLst>
+              <a:ext uri="{FF2B5EF4-FFF2-40B4-BE49-F238E27FC236}">
+                <a16:creationId xmlns:a16="http://schemas.microsoft.com/office/drawing/2014/main" id="{AD75EA81-4352-DE32-F13A-14AA1CF8F54F}"/>
+              </a:ext>
+            </a:extLst>
+          </p:cNvPr>
+          <p:cNvGraphicFramePr>
+            <a:graphicFrameLocks noGrp="1"/>
+          </p:cNvGraphicFramePr>
+          <p:nvPr>
+            <p:extLst>
+              <p:ext uri="{D42A27DB-BD31-4B8C-83A1-F6EECF244321}">
+                <p14:modId xmlns:p14="http://schemas.microsoft.com/office/powerpoint/2010/main" val="3043416643"/>
+              </p:ext>
+            </p:extLst>
+          </p:nvPr>
+        </p:nvGraphicFramePr>
+        <p:xfrm>
+          <a:off x="4855401" y="2721725"/>
+          <a:ext cx="2481198" cy="1076076"/>
+        </p:xfrm>
+        <a:graphic>
+          <a:graphicData uri="http://schemas.openxmlformats.org/drawingml/2006/table">
+            <a:tbl>
+              <a:tblPr firstRow="1" bandRow="1">
+                <a:tableStyleId>{5C22544A-7EE6-4342-B048-85BDC9FD1C3A}</a:tableStyleId>
+              </a:tblPr>
+              <a:tblGrid>
+                <a:gridCol w="1240599">
+                  <a:extLst>
+                    <a:ext uri="{9D8B030D-6E8A-4147-A177-3AD203B41FA5}">
+                      <a16:colId xmlns:a16="http://schemas.microsoft.com/office/drawing/2014/main" val="307781959"/>
+                    </a:ext>
+                  </a:extLst>
+                </a:gridCol>
+                <a:gridCol w="1240599">
+                  <a:extLst>
+                    <a:ext uri="{9D8B030D-6E8A-4147-A177-3AD203B41FA5}">
+                      <a16:colId xmlns:a16="http://schemas.microsoft.com/office/drawing/2014/main" val="3951014466"/>
+                    </a:ext>
+                  </a:extLst>
+                </a:gridCol>
+              </a:tblGrid>
+              <a:tr h="527436">
+                <a:tc>
+                  <a:txBody>
+                    <a:bodyPr/>
+                    <a:lstStyle/>
+                    <a:p>
+                      <a:pPr algn="l"/>
+                      <a:endParaRPr lang="en-US" sz="1500" dirty="0"/>
+                    </a:p>
+                    <a:p>
+                      <a:pPr algn="l"/>
+                      <a:r>
+                        <a:rPr lang="en-US" sz="1500" dirty="0"/>
+                        <a:t>DATA</a:t>
+                      </a:r>
+                      <a:endParaRPr lang="en-PH" sz="1500" dirty="0"/>
+                    </a:p>
+                  </a:txBody>
+                  <a:tcPr/>
+                </a:tc>
+                <a:tc>
+                  <a:txBody>
+                    <a:bodyPr/>
+                    <a:lstStyle/>
+                    <a:p>
+                      <a:pPr algn="l"/>
+                      <a:endParaRPr lang="en-US" sz="1500" dirty="0"/>
+                    </a:p>
+                    <a:p>
+                      <a:pPr algn="l"/>
+                      <a:r>
+                        <a:rPr lang="en-US" sz="1500" dirty="0"/>
+                        <a:t>NEXT</a:t>
+                      </a:r>
+                      <a:endParaRPr lang="en-PH" sz="1500" dirty="0"/>
+                    </a:p>
+                  </a:txBody>
+                  <a:tcPr>
+                    <a:solidFill>
+                      <a:srgbClr val="00B050"/>
+                    </a:solidFill>
+                  </a:tcPr>
+                </a:tc>
+                <a:extLst>
+                  <a:ext uri="{0D108BD9-81ED-4DB2-BD59-A6C34878D82A}">
+                    <a16:rowId xmlns:a16="http://schemas.microsoft.com/office/drawing/2014/main" val="35935662"/>
+                  </a:ext>
+                </a:extLst>
+              </a:tr>
+              <a:tr h="527436">
+                <a:tc gridSpan="2">
+                  <a:txBody>
+                    <a:bodyPr/>
+                    <a:lstStyle/>
+                    <a:p>
+                      <a:pPr algn="l"/>
+                      <a:endParaRPr lang="en-PH" sz="1500" dirty="0"/>
+                    </a:p>
+                  </a:txBody>
+                  <a:tcPr>
+                    <a:solidFill>
+                      <a:schemeClr val="bg1"/>
+                    </a:solidFill>
+                  </a:tcPr>
+                </a:tc>
+                <a:tc hMerge="1">
+                  <a:txBody>
+                    <a:bodyPr/>
+                    <a:lstStyle/>
+                    <a:p>
+                      <a:pPr algn="l"/>
+                      <a:endParaRPr lang="en-PH" sz="1500" dirty="0"/>
+                    </a:p>
+                  </a:txBody>
+                  <a:tcPr>
+                    <a:solidFill>
+                      <a:srgbClr val="00B050"/>
+                    </a:solidFill>
+                  </a:tcPr>
+                </a:tc>
+                <a:extLst>
+                  <a:ext uri="{0D108BD9-81ED-4DB2-BD59-A6C34878D82A}">
+                    <a16:rowId xmlns:a16="http://schemas.microsoft.com/office/drawing/2014/main" val="191432354"/>
+                  </a:ext>
+                </a:extLst>
+              </a:tr>
+            </a:tbl>
+          </a:graphicData>
+        </a:graphic>
+      </p:graphicFrame>
+      <p:graphicFrame>
+        <p:nvGraphicFramePr>
+          <p:cNvPr id="8" name="Table 7">
+            <a:extLst>
+              <a:ext uri="{FF2B5EF4-FFF2-40B4-BE49-F238E27FC236}">
+                <a16:creationId xmlns:a16="http://schemas.microsoft.com/office/drawing/2014/main" id="{5AE85E5F-0B30-2552-5027-D676A37AF931}"/>
+              </a:ext>
+            </a:extLst>
+          </p:cNvPr>
+          <p:cNvGraphicFramePr>
+            <a:graphicFrameLocks noGrp="1"/>
+          </p:cNvGraphicFramePr>
+          <p:nvPr>
+            <p:extLst>
+              <p:ext uri="{D42A27DB-BD31-4B8C-83A1-F6EECF244321}">
+                <p14:modId xmlns:p14="http://schemas.microsoft.com/office/powerpoint/2010/main" val="548609556"/>
+              </p:ext>
+            </p:extLst>
+          </p:nvPr>
+        </p:nvGraphicFramePr>
+        <p:xfrm>
+          <a:off x="8769263" y="2710542"/>
+          <a:ext cx="2481198" cy="1076076"/>
+        </p:xfrm>
+        <a:graphic>
+          <a:graphicData uri="http://schemas.openxmlformats.org/drawingml/2006/table">
+            <a:tbl>
+              <a:tblPr firstRow="1" bandRow="1">
+                <a:tableStyleId>{5C22544A-7EE6-4342-B048-85BDC9FD1C3A}</a:tableStyleId>
+              </a:tblPr>
+              <a:tblGrid>
+                <a:gridCol w="1240599">
+                  <a:extLst>
+                    <a:ext uri="{9D8B030D-6E8A-4147-A177-3AD203B41FA5}">
+                      <a16:colId xmlns:a16="http://schemas.microsoft.com/office/drawing/2014/main" val="307781959"/>
+                    </a:ext>
+                  </a:extLst>
+                </a:gridCol>
+                <a:gridCol w="1240599">
+                  <a:extLst>
+                    <a:ext uri="{9D8B030D-6E8A-4147-A177-3AD203B41FA5}">
+                      <a16:colId xmlns:a16="http://schemas.microsoft.com/office/drawing/2014/main" val="3951014466"/>
+                    </a:ext>
+                  </a:extLst>
+                </a:gridCol>
+              </a:tblGrid>
+              <a:tr h="527436">
+                <a:tc>
+                  <a:txBody>
+                    <a:bodyPr/>
+                    <a:lstStyle/>
+                    <a:p>
+                      <a:pPr algn="l"/>
+                      <a:endParaRPr lang="en-US" sz="1500" b="1" dirty="0"/>
+                    </a:p>
+                    <a:p>
+                      <a:pPr algn="l"/>
+                      <a:r>
+                        <a:rPr lang="en-US" sz="1500" b="1" dirty="0"/>
+                        <a:t>DATA</a:t>
+                      </a:r>
+                      <a:endParaRPr lang="en-PH" sz="1500" b="1" dirty="0"/>
+                    </a:p>
+                  </a:txBody>
+                  <a:tcPr/>
+                </a:tc>
+                <a:tc>
+                  <a:txBody>
+                    <a:bodyPr/>
+                    <a:lstStyle/>
+                    <a:p>
+                      <a:pPr algn="l"/>
+                      <a:endParaRPr lang="en-US" sz="1500" b="1" dirty="0"/>
+                    </a:p>
+                    <a:p>
+                      <a:pPr algn="l"/>
+                      <a:r>
+                        <a:rPr lang="en-US" sz="1500" b="1" dirty="0"/>
+                        <a:t>NEXT</a:t>
+                      </a:r>
+                      <a:endParaRPr lang="en-PH" sz="1500" b="1" dirty="0"/>
+                    </a:p>
+                  </a:txBody>
+                  <a:tcPr>
+                    <a:solidFill>
+                      <a:srgbClr val="00B050"/>
+                    </a:solidFill>
+                  </a:tcPr>
+                </a:tc>
+                <a:extLst>
+                  <a:ext uri="{0D108BD9-81ED-4DB2-BD59-A6C34878D82A}">
+                    <a16:rowId xmlns:a16="http://schemas.microsoft.com/office/drawing/2014/main" val="35935662"/>
+                  </a:ext>
+                </a:extLst>
+              </a:tr>
+              <a:tr h="527436">
+                <a:tc gridSpan="2">
+                  <a:txBody>
+                    <a:bodyPr/>
+                    <a:lstStyle/>
+                    <a:p>
+                      <a:pPr algn="ctr"/>
+                      <a:r>
+                        <a:rPr lang="en-US" sz="1500" b="1" dirty="0"/>
+                        <a:t>Tail</a:t>
+                      </a:r>
+                      <a:endParaRPr lang="en-PH" sz="1500" b="1" dirty="0"/>
+                    </a:p>
+                  </a:txBody>
+                  <a:tcPr>
+                    <a:solidFill>
+                      <a:schemeClr val="bg1"/>
+                    </a:solidFill>
+                  </a:tcPr>
+                </a:tc>
+                <a:tc hMerge="1">
+                  <a:txBody>
+                    <a:bodyPr/>
+                    <a:lstStyle/>
+                    <a:p>
+                      <a:pPr algn="l"/>
+                      <a:endParaRPr lang="en-PH" sz="1500" dirty="0"/>
+                    </a:p>
+                  </a:txBody>
+                  <a:tcPr>
+                    <a:solidFill>
+                      <a:srgbClr val="00B050"/>
+                    </a:solidFill>
+                  </a:tcPr>
+                </a:tc>
+                <a:extLst>
+                  <a:ext uri="{0D108BD9-81ED-4DB2-BD59-A6C34878D82A}">
+                    <a16:rowId xmlns:a16="http://schemas.microsoft.com/office/drawing/2014/main" val="2177093656"/>
+                  </a:ext>
+                </a:extLst>
+              </a:tr>
+            </a:tbl>
+          </a:graphicData>
+        </a:graphic>
+      </p:graphicFrame>
+      <p:sp>
+        <p:nvSpPr>
+          <p:cNvPr id="3" name="Arrow: Right 2">
+            <a:extLst>
+              <a:ext uri="{FF2B5EF4-FFF2-40B4-BE49-F238E27FC236}">
+                <a16:creationId xmlns:a16="http://schemas.microsoft.com/office/drawing/2014/main" id="{D1216DA4-8284-D0DF-3B87-46A97C38867C}"/>
+              </a:ext>
+            </a:extLst>
+          </p:cNvPr>
+          <p:cNvSpPr/>
+          <p:nvPr/>
+        </p:nvSpPr>
+        <p:spPr>
+          <a:xfrm>
+            <a:off x="7443200" y="2837761"/>
+            <a:ext cx="1219461" cy="410819"/>
+          </a:xfrm>
+          <a:prstGeom prst="rightArrow">
+            <a:avLst/>
+          </a:prstGeom>
+        </p:spPr>
+        <p:style>
+          <a:lnRef idx="3">
+            <a:schemeClr val="lt1"/>
+          </a:lnRef>
+          <a:fillRef idx="1">
+            <a:schemeClr val="accent6"/>
+          </a:fillRef>
+          <a:effectRef idx="1">
+            <a:schemeClr val="accent6"/>
+          </a:effectRef>
+          <a:fontRef idx="minor">
+            <a:schemeClr val="lt1"/>
+          </a:fontRef>
+        </p:style>
+        <p:txBody>
+          <a:bodyPr rtlCol="0" anchor="ctr"/>
+          <a:lstStyle/>
+          <a:p>
+            <a:pPr algn="ctr"/>
+            <a:endParaRPr lang="en-PH"/>
+          </a:p>
+        </p:txBody>
+      </p:sp>
+      <p:sp>
+        <p:nvSpPr>
+          <p:cNvPr id="13" name="Arrow: Right 12">
+            <a:extLst>
+              <a:ext uri="{FF2B5EF4-FFF2-40B4-BE49-F238E27FC236}">
+                <a16:creationId xmlns:a16="http://schemas.microsoft.com/office/drawing/2014/main" id="{3BE481F8-E53F-BAD6-EA3A-BDA1734DCF5E}"/>
+              </a:ext>
+            </a:extLst>
+          </p:cNvPr>
+          <p:cNvSpPr/>
+          <p:nvPr/>
+        </p:nvSpPr>
+        <p:spPr>
+          <a:xfrm>
+            <a:off x="3519713" y="2793099"/>
+            <a:ext cx="1219461" cy="410819"/>
+          </a:xfrm>
+          <a:prstGeom prst="rightArrow">
+            <a:avLst/>
+          </a:prstGeom>
+        </p:spPr>
+        <p:style>
+          <a:lnRef idx="3">
+            <a:schemeClr val="lt1"/>
+          </a:lnRef>
+          <a:fillRef idx="1">
+            <a:schemeClr val="accent6"/>
+          </a:fillRef>
+          <a:effectRef idx="1">
+            <a:schemeClr val="accent6"/>
+          </a:effectRef>
+          <a:fontRef idx="minor">
+            <a:schemeClr val="lt1"/>
+          </a:fontRef>
+        </p:style>
+        <p:txBody>
+          <a:bodyPr rtlCol="0" anchor="ctr"/>
+          <a:lstStyle/>
+          <a:p>
+            <a:pPr algn="ctr"/>
+            <a:endParaRPr lang="en-PH"/>
+          </a:p>
+        </p:txBody>
+      </p:sp>
+    </p:spTree>
+    <p:extLst>
+      <p:ext uri="{BB962C8B-B14F-4D97-AF65-F5344CB8AC3E}">
+        <p14:creationId xmlns:p14="http://schemas.microsoft.com/office/powerpoint/2010/main" val="4252616872"/>
+      </p:ext>
+    </p:extLst>
+  </p:cSld>
+  <p:clrMapOvr>
+    <a:masterClrMapping/>
+  </p:clrMapOvr>
+  <p:timing>
+    <p:tnLst>
+      <p:par>
+        <p:cTn id="1" dur="indefinite" restart="never" nodeType="tmRoot">
+          <p:childTnLst>
+            <p:seq concurrent="1" nextAc="seek">
+              <p:cTn id="2" dur="indefinite" nodeType="mainSeq">
+                <p:childTnLst>
+                  <p:par>
+                    <p:cTn id="3" fill="hold">
+                      <p:stCondLst>
+                        <p:cond delay="indefinite"/>
+                      </p:stCondLst>
+                      <p:childTnLst>
+                        <p:par>
+                          <p:cTn id="4" fill="hold">
+                            <p:stCondLst>
+                              <p:cond delay="0"/>
+                            </p:stCondLst>
+                            <p:childTnLst>
+                              <p:par>
+                                <p:cTn id="5" presetID="2" presetClass="entr" presetSubtype="4" fill="hold" grpId="0" nodeType="clickEffect">
+                                  <p:stCondLst>
+                                    <p:cond delay="0"/>
+                                  </p:stCondLst>
+                                  <p:childTnLst>
+                                    <p:set>
+                                      <p:cBhvr>
+                                        <p:cTn id="6" dur="1" fill="hold">
+                                          <p:stCondLst>
+                                            <p:cond delay="0"/>
+                                          </p:stCondLst>
+                                        </p:cTn>
+                                        <p:tgtEl>
+                                          <p:spTgt spid="5"/>
+                                        </p:tgtEl>
+                                        <p:attrNameLst>
+                                          <p:attrName>style.visibility</p:attrName>
+                                        </p:attrNameLst>
+                                      </p:cBhvr>
+                                      <p:to>
+                                        <p:strVal val="visible"/>
+                                      </p:to>
+                                    </p:set>
+                                    <p:anim calcmode="lin" valueType="num">
+                                      <p:cBhvr additive="base">
+                                        <p:cTn id="7" dur="500" fill="hold"/>
+                                        <p:tgtEl>
+                                          <p:spTgt spid="5"/>
+                                        </p:tgtEl>
+                                        <p:attrNameLst>
+                                          <p:attrName>ppt_x</p:attrName>
+                                        </p:attrNameLst>
+                                      </p:cBhvr>
+                                      <p:tavLst>
+                                        <p:tav tm="0">
+                                          <p:val>
+                                            <p:strVal val="#ppt_x"/>
+                                          </p:val>
+                                        </p:tav>
+                                        <p:tav tm="100000">
+                                          <p:val>
+                                            <p:strVal val="#ppt_x"/>
+                                          </p:val>
+                                        </p:tav>
+                                      </p:tavLst>
+                                    </p:anim>
+                                    <p:anim calcmode="lin" valueType="num">
+                                      <p:cBhvr additive="base">
+                                        <p:cTn id="8" dur="500" fill="hold"/>
+                                        <p:tgtEl>
+                                          <p:spTgt spid="5"/>
+                                        </p:tgtEl>
+                                        <p:attrNameLst>
+                                          <p:attrName>ppt_y</p:attrName>
+                                        </p:attrNameLst>
+                                      </p:cBhvr>
+                                      <p:tavLst>
+                                        <p:tav tm="0">
+                                          <p:val>
+                                            <p:strVal val="1+#ppt_h/2"/>
+                                          </p:val>
+                                        </p:tav>
+                                        <p:tav tm="100000">
+                                          <p:val>
+                                            <p:strVal val="#ppt_y"/>
+                                          </p:val>
+                                        </p:tav>
+                                      </p:tavLst>
+                                    </p:anim>
+                                  </p:childTnLst>
+                                </p:cTn>
+                              </p:par>
+                            </p:childTnLst>
+                          </p:cTn>
+                        </p:par>
+                      </p:childTnLst>
+                    </p:cTn>
+                  </p:par>
+                </p:childTnLst>
+              </p:cTn>
+              <p:prevCondLst>
+                <p:cond evt="onPrev" delay="0">
+                  <p:tgtEl>
+                    <p:sldTgt/>
+                  </p:tgtEl>
+                </p:cond>
+              </p:prevCondLst>
+              <p:nextCondLst>
+                <p:cond evt="onNext" delay="0">
+                  <p:tgtEl>
+                    <p:sldTgt/>
+                  </p:tgtEl>
+                </p:cond>
+              </p:nextCondLst>
+            </p:seq>
+          </p:childTnLst>
+        </p:cTn>
+      </p:par>
+    </p:tnLst>
+    <p:bldLst>
+      <p:bldP spid="5" grpId="0"/>
+    </p:bldLst>
+  </p:timing>
+</p:sld>
+</file>
+
+<file path=ppt/slides/slide12.xml><?xml version="1.0" encoding="utf-8"?>
+<p:sld xmlns:a="http://schemas.openxmlformats.org/drawingml/2006/main" xmlns:r="http://schemas.openxmlformats.org/officeDocument/2006/relationships" xmlns:p="http://schemas.openxmlformats.org/presentationml/2006/main">
+  <p:cSld>
+    <p:bg>
+      <p:bgPr>
+        <a:blipFill dpi="0" rotWithShape="1">
+          <a:blip r:embed="rId2">
+            <a:alphaModFix amt="99000"/>
+            <a:lum/>
+          </a:blip>
+          <a:srcRect/>
+          <a:stretch>
+            <a:fillRect t="89000" r="85000" b="-1000"/>
+          </a:stretch>
+        </a:blipFill>
+        <a:effectLst/>
+      </p:bgPr>
+    </p:bg>
+    <p:spTree>
+      <p:nvGrpSpPr>
+        <p:cNvPr id="1" name=""/>
+        <p:cNvGrpSpPr/>
+        <p:nvPr/>
+      </p:nvGrpSpPr>
+      <p:grpSpPr>
+        <a:xfrm>
+          <a:off x="0" y="0"/>
+          <a:ext cx="0" cy="0"/>
+          <a:chOff x="0" y="0"/>
+          <a:chExt cx="0" cy="0"/>
+        </a:xfrm>
+      </p:grpSpPr>
+      <p:sp>
+        <p:nvSpPr>
+          <p:cNvPr id="2" name="Title 1">
+            <a:extLst>
+              <a:ext uri="{FF2B5EF4-FFF2-40B4-BE49-F238E27FC236}">
+                <a16:creationId xmlns:a16="http://schemas.microsoft.com/office/drawing/2014/main" id="{6A3DCE86-C2BA-4713-9E7A-73589E8D6CCF}"/>
+              </a:ext>
+            </a:extLst>
+          </p:cNvPr>
+          <p:cNvSpPr>
+            <a:spLocks noGrp="1"/>
+          </p:cNvSpPr>
+          <p:nvPr>
+            <p:ph type="ctrTitle"/>
+          </p:nvPr>
+        </p:nvSpPr>
+        <p:spPr>
+          <a:xfrm>
+            <a:off x="1524000" y="497150"/>
+            <a:ext cx="9144000" cy="718459"/>
+          </a:xfrm>
+        </p:spPr>
+        <p:txBody>
+          <a:bodyPr>
+            <a:normAutofit fontScale="90000"/>
+          </a:bodyPr>
+          <a:lstStyle/>
+          <a:p>
+            <a:r>
+              <a:rPr lang="en-PH" b="1" dirty="0"/>
+              <a:t>Doubly Linked list</a:t>
+            </a:r>
+            <a:endParaRPr lang="en-US" sz="6000" dirty="0"/>
+          </a:p>
+        </p:txBody>
+      </p:sp>
+      <p:sp>
+        <p:nvSpPr>
+          <p:cNvPr id="4" name="Footer Placeholder 3">
+            <a:extLst>
+              <a:ext uri="{FF2B5EF4-FFF2-40B4-BE49-F238E27FC236}">
+                <a16:creationId xmlns:a16="http://schemas.microsoft.com/office/drawing/2014/main" id="{638E7DE1-45EE-476A-A474-0F3C264AEDA3}"/>
+              </a:ext>
+            </a:extLst>
+          </p:cNvPr>
+          <p:cNvSpPr>
+            <a:spLocks noGrp="1"/>
+          </p:cNvSpPr>
+          <p:nvPr>
+            <p:ph type="ftr" sz="quarter" idx="11"/>
+          </p:nvPr>
+        </p:nvSpPr>
+        <p:spPr>
+          <a:xfrm>
+            <a:off x="0" y="6139541"/>
+            <a:ext cx="12192000" cy="718459"/>
+          </a:xfrm>
+          <a:ln w="28575">
+            <a:solidFill>
+              <a:schemeClr val="accent5">
+                <a:lumMod val="50000"/>
+              </a:schemeClr>
+            </a:solidFill>
+          </a:ln>
+        </p:spPr>
+        <p:txBody>
+          <a:bodyPr/>
+          <a:lstStyle/>
+          <a:p>
+            <a:pPr algn="r"/>
+            <a:r>
+              <a:rPr lang="en-US" b="1" dirty="0">
+                <a:solidFill>
+                  <a:schemeClr val="tx1"/>
+                </a:solidFill>
+              </a:rPr>
+              <a:t>CCDATRCL</a:t>
+            </a:r>
+            <a:endParaRPr lang="en-PH" dirty="0"/>
+          </a:p>
+        </p:txBody>
+      </p:sp>
+      <p:sp>
+        <p:nvSpPr>
+          <p:cNvPr id="7" name="TextBox 6">
+            <a:extLst>
+              <a:ext uri="{FF2B5EF4-FFF2-40B4-BE49-F238E27FC236}">
+                <a16:creationId xmlns:a16="http://schemas.microsoft.com/office/drawing/2014/main" id="{D54E105D-906A-4103-5A00-F1EB81D8A341}"/>
+              </a:ext>
+            </a:extLst>
+          </p:cNvPr>
+          <p:cNvSpPr txBox="1"/>
+          <p:nvPr/>
+        </p:nvSpPr>
+        <p:spPr>
+          <a:xfrm>
+            <a:off x="977029" y="1787470"/>
+            <a:ext cx="10778647" cy="1015663"/>
+          </a:xfrm>
+          <a:prstGeom prst="rect">
+            <a:avLst/>
+          </a:prstGeom>
+          <a:noFill/>
+        </p:spPr>
+        <p:txBody>
+          <a:bodyPr wrap="square">
+            <a:spAutoFit/>
+          </a:bodyPr>
+          <a:lstStyle/>
+          <a:p>
+            <a:r>
+              <a:rPr lang="en-US" sz="3000" dirty="0">
+                <a:latin typeface="+mj-lt"/>
+              </a:rPr>
+              <a:t>A doubly linked list </a:t>
+            </a:r>
+            <a:r>
+              <a:rPr lang="en-US" sz="3000" b="1" dirty="0">
+                <a:latin typeface="+mj-lt"/>
+              </a:rPr>
+              <a:t>stores the</a:t>
+            </a:r>
+            <a:r>
+              <a:rPr lang="en-US" sz="3000" b="1" i="0" dirty="0">
+                <a:effectLst/>
+                <a:latin typeface="+mj-lt"/>
+              </a:rPr>
+              <a:t> previous node and the next node</a:t>
+            </a:r>
+            <a:r>
+              <a:rPr lang="en-US" sz="3000" b="0" i="0" dirty="0">
+                <a:effectLst/>
+                <a:latin typeface="+mj-lt"/>
+              </a:rPr>
+              <a:t>. Thus, we can go in either direction: forward or backward.</a:t>
+            </a:r>
+            <a:endParaRPr lang="en-PH" sz="3000" dirty="0">
+              <a:latin typeface="+mj-lt"/>
+            </a:endParaRPr>
+          </a:p>
+        </p:txBody>
+      </p:sp>
+      <p:graphicFrame>
+        <p:nvGraphicFramePr>
+          <p:cNvPr id="3" name="Table 2">
+            <a:extLst>
+              <a:ext uri="{FF2B5EF4-FFF2-40B4-BE49-F238E27FC236}">
+                <a16:creationId xmlns:a16="http://schemas.microsoft.com/office/drawing/2014/main" id="{C5B0B7DF-52CB-062A-EF0F-3F3A7AEBBE45}"/>
+              </a:ext>
+            </a:extLst>
+          </p:cNvPr>
+          <p:cNvGraphicFramePr>
+            <a:graphicFrameLocks noGrp="1"/>
+          </p:cNvGraphicFramePr>
+          <p:nvPr>
+            <p:extLst>
+              <p:ext uri="{D42A27DB-BD31-4B8C-83A1-F6EECF244321}">
+                <p14:modId xmlns:p14="http://schemas.microsoft.com/office/powerpoint/2010/main" val="1769671144"/>
+              </p:ext>
+            </p:extLst>
+          </p:nvPr>
+        </p:nvGraphicFramePr>
+        <p:xfrm>
+          <a:off x="4443434" y="3648377"/>
+          <a:ext cx="2481198" cy="548640"/>
+        </p:xfrm>
+        <a:graphic>
+          <a:graphicData uri="http://schemas.openxmlformats.org/drawingml/2006/table">
+            <a:tbl>
+              <a:tblPr firstRow="1" bandRow="1">
+                <a:tableStyleId>{5C22544A-7EE6-4342-B048-85BDC9FD1C3A}</a:tableStyleId>
+              </a:tblPr>
+              <a:tblGrid>
+                <a:gridCol w="827066">
+                  <a:extLst>
+                    <a:ext uri="{9D8B030D-6E8A-4147-A177-3AD203B41FA5}">
+                      <a16:colId xmlns:a16="http://schemas.microsoft.com/office/drawing/2014/main" val="2151270615"/>
+                    </a:ext>
+                  </a:extLst>
+                </a:gridCol>
+                <a:gridCol w="827066">
+                  <a:extLst>
+                    <a:ext uri="{9D8B030D-6E8A-4147-A177-3AD203B41FA5}">
+                      <a16:colId xmlns:a16="http://schemas.microsoft.com/office/drawing/2014/main" val="307781959"/>
+                    </a:ext>
+                  </a:extLst>
+                </a:gridCol>
+                <a:gridCol w="827066">
+                  <a:extLst>
+                    <a:ext uri="{9D8B030D-6E8A-4147-A177-3AD203B41FA5}">
+                      <a16:colId xmlns:a16="http://schemas.microsoft.com/office/drawing/2014/main" val="3951014466"/>
+                    </a:ext>
+                  </a:extLst>
+                </a:gridCol>
+              </a:tblGrid>
+              <a:tr h="527436">
+                <a:tc>
+                  <a:txBody>
+                    <a:bodyPr/>
+                    <a:lstStyle/>
+                    <a:p>
+                      <a:pPr algn="l"/>
+                      <a:endParaRPr lang="en-US" sz="1500" dirty="0"/>
+                    </a:p>
+                    <a:p>
+                      <a:pPr algn="l"/>
+                      <a:r>
+                        <a:rPr lang="en-US" sz="1500" dirty="0"/>
+                        <a:t>PREV</a:t>
+                      </a:r>
+                      <a:endParaRPr lang="en-PH" sz="1500" dirty="0"/>
+                    </a:p>
+                  </a:txBody>
+                  <a:tcPr>
+                    <a:solidFill>
+                      <a:srgbClr val="7030A0"/>
+                    </a:solidFill>
+                  </a:tcPr>
+                </a:tc>
+                <a:tc>
+                  <a:txBody>
+                    <a:bodyPr/>
+                    <a:lstStyle/>
+                    <a:p>
+                      <a:pPr algn="l"/>
+                      <a:endParaRPr lang="en-US" sz="1500" dirty="0"/>
+                    </a:p>
+                    <a:p>
+                      <a:pPr algn="l"/>
+                      <a:r>
+                        <a:rPr lang="en-US" sz="1500" dirty="0"/>
+                        <a:t>DATA</a:t>
+                      </a:r>
+                      <a:endParaRPr lang="en-PH" sz="1500" dirty="0"/>
+                    </a:p>
+                  </a:txBody>
+                  <a:tcPr/>
+                </a:tc>
+                <a:tc>
+                  <a:txBody>
+                    <a:bodyPr/>
+                    <a:lstStyle/>
+                    <a:p>
+                      <a:pPr algn="l"/>
+                      <a:endParaRPr lang="en-US" sz="1500" dirty="0"/>
+                    </a:p>
+                    <a:p>
+                      <a:pPr algn="l"/>
+                      <a:r>
+                        <a:rPr lang="en-US" sz="1500" dirty="0"/>
+                        <a:t>NEXT</a:t>
+                      </a:r>
+                      <a:endParaRPr lang="en-PH" sz="1500" dirty="0"/>
+                    </a:p>
+                  </a:txBody>
+                  <a:tcPr>
+                    <a:solidFill>
+                      <a:srgbClr val="00B050"/>
+                    </a:solidFill>
+                  </a:tcPr>
+                </a:tc>
+                <a:extLst>
+                  <a:ext uri="{0D108BD9-81ED-4DB2-BD59-A6C34878D82A}">
+                    <a16:rowId xmlns:a16="http://schemas.microsoft.com/office/drawing/2014/main" val="35935662"/>
+                  </a:ext>
+                </a:extLst>
+              </a:tr>
+            </a:tbl>
+          </a:graphicData>
+        </a:graphic>
+      </p:graphicFrame>
+      <p:cxnSp>
+        <p:nvCxnSpPr>
+          <p:cNvPr id="6" name="Straight Arrow Connector 5">
+            <a:extLst>
+              <a:ext uri="{FF2B5EF4-FFF2-40B4-BE49-F238E27FC236}">
+                <a16:creationId xmlns:a16="http://schemas.microsoft.com/office/drawing/2014/main" id="{032D8E0B-3D51-F57D-971C-7102E311C5FE}"/>
+              </a:ext>
+            </a:extLst>
+          </p:cNvPr>
+          <p:cNvCxnSpPr>
+            <a:cxnSpLocks/>
+          </p:cNvCxnSpPr>
+          <p:nvPr/>
+        </p:nvCxnSpPr>
+        <p:spPr>
+          <a:xfrm>
+            <a:off x="3721100" y="4036823"/>
+            <a:ext cx="722334" cy="0"/>
+          </a:xfrm>
+          <a:prstGeom prst="straightConnector1">
+            <a:avLst/>
+          </a:prstGeom>
+          <a:ln>
+            <a:tailEnd type="triangle"/>
+          </a:ln>
+        </p:spPr>
+        <p:style>
+          <a:lnRef idx="3">
+            <a:schemeClr val="accent6"/>
+          </a:lnRef>
+          <a:fillRef idx="0">
+            <a:schemeClr val="accent6"/>
+          </a:fillRef>
+          <a:effectRef idx="2">
+            <a:schemeClr val="accent6"/>
+          </a:effectRef>
+          <a:fontRef idx="minor">
+            <a:schemeClr val="tx1"/>
+          </a:fontRef>
+        </p:style>
+      </p:cxnSp>
+      <p:cxnSp>
+        <p:nvCxnSpPr>
+          <p:cNvPr id="9" name="Straight Arrow Connector 8">
+            <a:extLst>
+              <a:ext uri="{FF2B5EF4-FFF2-40B4-BE49-F238E27FC236}">
+                <a16:creationId xmlns:a16="http://schemas.microsoft.com/office/drawing/2014/main" id="{16A38BB4-49B0-96EF-B066-166205536C2E}"/>
+              </a:ext>
+            </a:extLst>
+          </p:cNvPr>
+          <p:cNvCxnSpPr>
+            <a:cxnSpLocks/>
+          </p:cNvCxnSpPr>
+          <p:nvPr/>
+        </p:nvCxnSpPr>
+        <p:spPr>
+          <a:xfrm>
+            <a:off x="6924632" y="4036823"/>
+            <a:ext cx="722334" cy="0"/>
+          </a:xfrm>
+          <a:prstGeom prst="straightConnector1">
+            <a:avLst/>
+          </a:prstGeom>
+          <a:ln>
+            <a:tailEnd type="triangle"/>
+          </a:ln>
+        </p:spPr>
+        <p:style>
+          <a:lnRef idx="3">
+            <a:schemeClr val="accent6"/>
+          </a:lnRef>
+          <a:fillRef idx="0">
+            <a:schemeClr val="accent6"/>
+          </a:fillRef>
+          <a:effectRef idx="2">
+            <a:schemeClr val="accent6"/>
+          </a:effectRef>
+          <a:fontRef idx="minor">
+            <a:schemeClr val="tx1"/>
+          </a:fontRef>
+        </p:style>
+      </p:cxnSp>
+      <p:cxnSp>
+        <p:nvCxnSpPr>
+          <p:cNvPr id="10" name="Straight Arrow Connector 9">
+            <a:extLst>
+              <a:ext uri="{FF2B5EF4-FFF2-40B4-BE49-F238E27FC236}">
+                <a16:creationId xmlns:a16="http://schemas.microsoft.com/office/drawing/2014/main" id="{7F8076F6-5E93-CFFC-0DA4-773517B38B8E}"/>
+              </a:ext>
+            </a:extLst>
+          </p:cNvPr>
+          <p:cNvCxnSpPr>
+            <a:cxnSpLocks/>
+          </p:cNvCxnSpPr>
+          <p:nvPr/>
+        </p:nvCxnSpPr>
+        <p:spPr>
+          <a:xfrm flipH="1">
+            <a:off x="3721100" y="3827273"/>
+            <a:ext cx="722334" cy="0"/>
+          </a:xfrm>
+          <a:prstGeom prst="straightConnector1">
+            <a:avLst/>
+          </a:prstGeom>
+          <a:ln>
+            <a:tailEnd type="triangle"/>
+          </a:ln>
+        </p:spPr>
+        <p:style>
+          <a:lnRef idx="3">
+            <a:schemeClr val="accent6"/>
+          </a:lnRef>
+          <a:fillRef idx="0">
+            <a:schemeClr val="accent6"/>
+          </a:fillRef>
+          <a:effectRef idx="2">
+            <a:schemeClr val="accent6"/>
+          </a:effectRef>
+          <a:fontRef idx="minor">
+            <a:schemeClr val="tx1"/>
+          </a:fontRef>
+        </p:style>
+      </p:cxnSp>
+      <p:cxnSp>
+        <p:nvCxnSpPr>
+          <p:cNvPr id="13" name="Straight Arrow Connector 12">
+            <a:extLst>
+              <a:ext uri="{FF2B5EF4-FFF2-40B4-BE49-F238E27FC236}">
+                <a16:creationId xmlns:a16="http://schemas.microsoft.com/office/drawing/2014/main" id="{683955C8-EEB1-15E9-6714-F93519FBF730}"/>
+              </a:ext>
+            </a:extLst>
+          </p:cNvPr>
+          <p:cNvCxnSpPr>
+            <a:cxnSpLocks/>
+          </p:cNvCxnSpPr>
+          <p:nvPr/>
+        </p:nvCxnSpPr>
+        <p:spPr>
+          <a:xfrm flipH="1">
+            <a:off x="6924632" y="3827273"/>
+            <a:ext cx="722334" cy="0"/>
+          </a:xfrm>
+          <a:prstGeom prst="straightConnector1">
+            <a:avLst/>
+          </a:prstGeom>
+          <a:ln>
+            <a:tailEnd type="triangle"/>
+          </a:ln>
+        </p:spPr>
+        <p:style>
+          <a:lnRef idx="3">
+            <a:schemeClr val="accent6"/>
+          </a:lnRef>
+          <a:fillRef idx="0">
+            <a:schemeClr val="accent6"/>
+          </a:fillRef>
+          <a:effectRef idx="2">
+            <a:schemeClr val="accent6"/>
+          </a:effectRef>
+          <a:fontRef idx="minor">
+            <a:schemeClr val="tx1"/>
+          </a:fontRef>
+        </p:style>
+      </p:cxnSp>
+    </p:spTree>
+    <p:extLst>
+      <p:ext uri="{BB962C8B-B14F-4D97-AF65-F5344CB8AC3E}">
+        <p14:creationId xmlns:p14="http://schemas.microsoft.com/office/powerpoint/2010/main" val="3292478843"/>
+      </p:ext>
+    </p:extLst>
+  </p:cSld>
+  <p:clrMapOvr>
+    <a:masterClrMapping/>
+  </p:clrMapOvr>
+</p:sld>
+</file>
+
+<file path=ppt/slides/slide13.xml><?xml version="1.0" encoding="utf-8"?>
+<p:sld xmlns:a="http://schemas.openxmlformats.org/drawingml/2006/main" xmlns:r="http://schemas.openxmlformats.org/officeDocument/2006/relationships" xmlns:p="http://schemas.openxmlformats.org/presentationml/2006/main">
+  <p:cSld>
+    <p:bg>
+      <p:bgPr>
+        <a:blipFill dpi="0" rotWithShape="1">
           <a:blip r:embed="rId2">
             <a:alphaModFix amt="99000"/>
             <a:lum/>
@@ -5729,7 +7634,7 @@
 </p:sld>
 </file>
 
-<file path=ppt/slides/slide11.xml><?xml version="1.0" encoding="utf-8"?>
+<file path=ppt/slides/slide14.xml><?xml version="1.0" encoding="utf-8"?>
 <p:sld xmlns:a="http://schemas.openxmlformats.org/drawingml/2006/main" xmlns:r="http://schemas.openxmlformats.org/officeDocument/2006/relationships" xmlns:p="http://schemas.openxmlformats.org/presentationml/2006/main">
   <p:cSld>
     <p:bg>
@@ -5911,7 +7816,7 @@
 </p:sld>
 </file>
 
-<file path=ppt/slides/slide12.xml><?xml version="1.0" encoding="utf-8"?>
+<file path=ppt/slides/slide15.xml><?xml version="1.0" encoding="utf-8"?>
 <p:sld xmlns:a="http://schemas.openxmlformats.org/drawingml/2006/main" xmlns:r="http://schemas.openxmlformats.org/officeDocument/2006/relationships" xmlns:p="http://schemas.openxmlformats.org/presentationml/2006/main">
   <p:cSld>
     <p:bg>
@@ -6750,41 +8655,6 @@
       </p:grpSpPr>
       <p:sp>
         <p:nvSpPr>
-          <p:cNvPr id="2" name="Title 1">
-            <a:extLst>
-              <a:ext uri="{FF2B5EF4-FFF2-40B4-BE49-F238E27FC236}">
-                <a16:creationId xmlns:a16="http://schemas.microsoft.com/office/drawing/2014/main" id="{6A3DCE86-C2BA-4713-9E7A-73589E8D6CCF}"/>
-              </a:ext>
-            </a:extLst>
-          </p:cNvPr>
-          <p:cNvSpPr>
-            <a:spLocks noGrp="1"/>
-          </p:cNvSpPr>
-          <p:nvPr>
-            <p:ph type="ctrTitle"/>
-          </p:nvPr>
-        </p:nvSpPr>
-        <p:spPr>
-          <a:xfrm>
-            <a:off x="1524000" y="497150"/>
-            <a:ext cx="9144000" cy="718459"/>
-          </a:xfrm>
-        </p:spPr>
-        <p:txBody>
-          <a:bodyPr>
-            <a:normAutofit fontScale="90000"/>
-          </a:bodyPr>
-          <a:lstStyle/>
-          <a:p>
-            <a:r>
-              <a:rPr lang="en-PH" b="1" dirty="0"/>
-              <a:t>What is a Node?</a:t>
-            </a:r>
-          </a:p>
-        </p:txBody>
-      </p:sp>
-      <p:sp>
-        <p:nvSpPr>
           <p:cNvPr id="4" name="Footer Placeholder 3">
             <a:extLst>
               <a:ext uri="{FF2B5EF4-FFF2-40B4-BE49-F238E27FC236}">
@@ -6831,10 +8701,10 @@
       </p:sp>
       <p:sp>
         <p:nvSpPr>
-          <p:cNvPr id="5" name="Title 1">
-            <a:extLst>
-              <a:ext uri="{FF2B5EF4-FFF2-40B4-BE49-F238E27FC236}">
-                <a16:creationId xmlns:a16="http://schemas.microsoft.com/office/drawing/2014/main" id="{3444037F-B658-D82C-5DCA-53E8AA1493D7}"/>
+          <p:cNvPr id="9" name="Title 1">
+            <a:extLst>
+              <a:ext uri="{FF2B5EF4-FFF2-40B4-BE49-F238E27FC236}">
+                <a16:creationId xmlns:a16="http://schemas.microsoft.com/office/drawing/2014/main" id="{CD60D138-D5EC-182E-6196-404CAFA4A456}"/>
               </a:ext>
             </a:extLst>
           </p:cNvPr>
@@ -6845,8 +8715,8 @@
         </p:nvSpPr>
         <p:spPr>
           <a:xfrm>
-            <a:off x="1524000" y="1516449"/>
-            <a:ext cx="9144000" cy="4290585"/>
+            <a:off x="459203" y="1283707"/>
+            <a:ext cx="11273589" cy="4290585"/>
           </a:xfrm>
           <a:prstGeom prst="rect">
             <a:avLst/>
@@ -6877,63 +8747,75 @@
           </a:lstStyle>
           <a:p>
             <a:pPr algn="l"/>
-            <a:r>
-              <a:rPr lang="en-US" sz="2900" b="0" i="0" dirty="0">
-                <a:solidFill>
-                  <a:srgbClr val="252C33"/>
-                </a:solidFill>
-                <a:effectLst/>
-                <a:latin typeface="Calibri Light (Headings)"/>
-              </a:rPr>
-              <a:t>A node is basic unit of a data structure that consists of two parts, </a:t>
-            </a:r>
-            <a:r>
-              <a:rPr lang="en-US" sz="2900" b="1" i="0" dirty="0">
-                <a:solidFill>
-                  <a:srgbClr val="0070C0"/>
-                </a:solidFill>
-                <a:effectLst/>
-                <a:latin typeface="Calibri Light (Headings)"/>
-              </a:rPr>
-              <a:t>Data</a:t>
-            </a:r>
-            <a:r>
-              <a:rPr lang="en-US" sz="2900" b="0" i="0" dirty="0">
-                <a:solidFill>
-                  <a:srgbClr val="252C33"/>
-                </a:solidFill>
-                <a:effectLst/>
-                <a:latin typeface="Calibri Light (Headings)"/>
-              </a:rPr>
-              <a:t> and </a:t>
-            </a:r>
-            <a:r>
-              <a:rPr lang="en-US" sz="2900" b="1" i="0" dirty="0">
-                <a:solidFill>
-                  <a:srgbClr val="00B050"/>
-                </a:solidFill>
-                <a:effectLst/>
-                <a:latin typeface="Calibri Light (Headings)"/>
-              </a:rPr>
-              <a:t>Next Pointer</a:t>
-            </a:r>
-            <a:r>
-              <a:rPr lang="en-US" sz="2900" b="1" i="0" dirty="0">
-                <a:solidFill>
-                  <a:srgbClr val="252C33"/>
-                </a:solidFill>
-                <a:effectLst/>
-                <a:latin typeface="Calibri Light (Headings)"/>
-              </a:rPr>
-              <a:t>.</a:t>
-            </a:r>
-          </a:p>
-          <a:p>
-            <a:pPr algn="l"/>
-            <a:endParaRPr lang="en-US" sz="2900" b="1" dirty="0">
+            <a:endParaRPr lang="en-US" sz="2900" b="1" i="0" dirty="0">
               <a:solidFill>
                 <a:srgbClr val="252C33"/>
               </a:solidFill>
+              <a:effectLst/>
+              <a:latin typeface="Calibri Light (Headings)"/>
+            </a:endParaRPr>
+          </a:p>
+          <a:p>
+            <a:pPr marL="457200" indent="-457200" algn="l">
+              <a:buFont typeface="Wingdings" pitchFamily="2" charset="2"/>
+              <a:buChar char="Ø"/>
+            </a:pPr>
+            <a:endParaRPr lang="en-US" sz="2900" b="1" dirty="0">
+              <a:latin typeface="Calibri Light (Headings)"/>
+            </a:endParaRPr>
+          </a:p>
+          <a:p>
+            <a:pPr marL="457200" indent="-457200" algn="l">
+              <a:buFont typeface="Wingdings" pitchFamily="2" charset="2"/>
+              <a:buChar char="Ø"/>
+            </a:pPr>
+            <a:r>
+              <a:rPr lang="en-US" sz="2900" b="1" dirty="0">
+                <a:latin typeface="Calibri Light (Headings)"/>
+              </a:rPr>
+              <a:t>What is a Node?</a:t>
+            </a:r>
+          </a:p>
+          <a:p>
+            <a:pPr marL="457200" indent="-457200" algn="l">
+              <a:buFont typeface="Wingdings" pitchFamily="2" charset="2"/>
+              <a:buChar char="Ø"/>
+            </a:pPr>
+            <a:endParaRPr lang="en-US" sz="2900" b="1" dirty="0">
+              <a:solidFill>
+                <a:schemeClr val="tx1">
+                  <a:lumMod val="50000"/>
+                  <a:lumOff val="50000"/>
+                </a:schemeClr>
+              </a:solidFill>
+              <a:latin typeface="Calibri Light (Headings)"/>
+            </a:endParaRPr>
+          </a:p>
+          <a:p>
+            <a:pPr marL="457200" indent="-457200" algn="l">
+              <a:buFont typeface="Wingdings" pitchFamily="2" charset="2"/>
+              <a:buChar char="Ø"/>
+            </a:pPr>
+            <a:r>
+              <a:rPr lang="en-US" sz="2900" b="1" dirty="0">
+                <a:solidFill>
+                  <a:schemeClr val="tx1">
+                    <a:lumMod val="50000"/>
+                    <a:lumOff val="50000"/>
+                  </a:schemeClr>
+                </a:solidFill>
+                <a:latin typeface="Calibri Light (Headings)"/>
+              </a:rPr>
+              <a:t>Stack Operations</a:t>
+            </a:r>
+            <a:endParaRPr lang="en-US" sz="2900" b="1" i="0" dirty="0">
+              <a:solidFill>
+                <a:schemeClr val="tx1">
+                  <a:lumMod val="50000"/>
+                  <a:lumOff val="50000"/>
+                </a:schemeClr>
+              </a:solidFill>
+              <a:effectLst/>
               <a:latin typeface="Calibri Light (Headings)"/>
             </a:endParaRPr>
           </a:p>
@@ -6948,55 +8830,136 @@
             </a:endParaRPr>
           </a:p>
           <a:p>
-            <a:pPr algn="l"/>
+            <a:pPr marL="457200" indent="-457200" algn="l">
+              <a:buFont typeface="Wingdings" pitchFamily="2" charset="2"/>
+              <a:buChar char="Ø"/>
+            </a:pPr>
+            <a:r>
+              <a:rPr lang="en-US" sz="2900" b="1" dirty="0">
+                <a:solidFill>
+                  <a:schemeClr val="tx1">
+                    <a:lumMod val="50000"/>
+                    <a:lumOff val="50000"/>
+                  </a:schemeClr>
+                </a:solidFill>
+                <a:latin typeface="Calibri Light (Headings)"/>
+              </a:rPr>
+              <a:t>Implementations of a Stack</a:t>
+            </a:r>
+          </a:p>
+          <a:p>
+            <a:pPr marL="457200" indent="-457200" algn="l">
+              <a:buFont typeface="Wingdings" pitchFamily="2" charset="2"/>
+              <a:buChar char="Ø"/>
+            </a:pPr>
             <a:endParaRPr lang="en-US" sz="2900" b="1" dirty="0">
               <a:solidFill>
-                <a:srgbClr val="252C33"/>
+                <a:schemeClr val="tx1">
+                  <a:lumMod val="50000"/>
+                  <a:lumOff val="50000"/>
+                </a:schemeClr>
               </a:solidFill>
               <a:latin typeface="Calibri Light (Headings)"/>
             </a:endParaRPr>
           </a:p>
           <a:p>
-            <a:pPr algn="l"/>
-            <a:endParaRPr lang="en-US" sz="2900" b="1" i="0" dirty="0">
+            <a:pPr marL="457200" indent="-457200" algn="l">
+              <a:buFont typeface="Wingdings" pitchFamily="2" charset="2"/>
+              <a:buChar char="Ø"/>
+            </a:pPr>
+            <a:r>
+              <a:rPr lang="en-US" sz="2900" b="1" dirty="0">
+                <a:solidFill>
+                  <a:schemeClr val="tx1">
+                    <a:lumMod val="50000"/>
+                    <a:lumOff val="50000"/>
+                  </a:schemeClr>
+                </a:solidFill>
+                <a:latin typeface="Calibri Light (Headings)"/>
+              </a:rPr>
+              <a:t>Applications of a Stack</a:t>
+            </a:r>
+          </a:p>
+          <a:p>
+            <a:pPr marL="457200" indent="-457200" algn="l">
+              <a:buFont typeface="Wingdings" pitchFamily="2" charset="2"/>
+              <a:buChar char="Ø"/>
+            </a:pPr>
+            <a:endParaRPr lang="en-US" sz="2900" b="1" dirty="0">
               <a:solidFill>
-                <a:srgbClr val="252C33"/>
+                <a:schemeClr val="tx1">
+                  <a:lumMod val="50000"/>
+                  <a:lumOff val="50000"/>
+                </a:schemeClr>
               </a:solidFill>
-              <a:effectLst/>
               <a:latin typeface="Calibri Light (Headings)"/>
             </a:endParaRPr>
           </a:p>
           <a:p>
-            <a:pPr algn="l"/>
-            <a:endParaRPr lang="en-US" sz="2900" b="1" i="0" dirty="0">
+            <a:pPr marL="457200" indent="-457200" algn="l">
+              <a:buFont typeface="Wingdings" pitchFamily="2" charset="2"/>
+              <a:buChar char="Ø"/>
+            </a:pPr>
+            <a:endParaRPr lang="en-US" sz="2900" b="1" dirty="0">
               <a:solidFill>
-                <a:srgbClr val="252C33"/>
+                <a:schemeClr val="tx1">
+                  <a:lumMod val="50000"/>
+                  <a:lumOff val="50000"/>
+                </a:schemeClr>
               </a:solidFill>
-              <a:effectLst/>
               <a:latin typeface="Calibri Light (Headings)"/>
             </a:endParaRPr>
           </a:p>
           <a:p>
-            <a:pPr algn="l"/>
-            <a:endParaRPr lang="en-US" sz="2900" b="0" i="0" dirty="0">
+            <a:pPr marL="457200" indent="-457200" algn="l">
+              <a:buFont typeface="Wingdings" pitchFamily="2" charset="2"/>
+              <a:buChar char="Ø"/>
+            </a:pPr>
+            <a:endParaRPr lang="en-US" sz="2900" b="1" dirty="0">
               <a:solidFill>
-                <a:srgbClr val="252C33"/>
+                <a:schemeClr val="tx1">
+                  <a:lumMod val="50000"/>
+                  <a:lumOff val="50000"/>
+                </a:schemeClr>
               </a:solidFill>
-              <a:effectLst/>
               <a:latin typeface="Calibri Light (Headings)"/>
             </a:endParaRPr>
           </a:p>
+        </p:txBody>
+      </p:sp>
+      <p:sp>
+        <p:nvSpPr>
+          <p:cNvPr id="10" name="Title 1">
+            <a:extLst>
+              <a:ext uri="{FF2B5EF4-FFF2-40B4-BE49-F238E27FC236}">
+                <a16:creationId xmlns:a16="http://schemas.microsoft.com/office/drawing/2014/main" id="{8620B336-A398-FC1D-E614-9362C676AD6B}"/>
+              </a:ext>
+            </a:extLst>
+          </p:cNvPr>
+          <p:cNvSpPr>
+            <a:spLocks noGrp="1"/>
+          </p:cNvSpPr>
+          <p:nvPr>
+            <p:ph type="ctrTitle"/>
+          </p:nvPr>
+        </p:nvSpPr>
+        <p:spPr>
+          <a:xfrm>
+            <a:off x="459204" y="316674"/>
+            <a:ext cx="11273589" cy="718459"/>
+          </a:xfrm>
+        </p:spPr>
+        <p:txBody>
+          <a:bodyPr>
+            <a:noAutofit/>
+          </a:bodyPr>
+          <a:lstStyle/>
           <a:p>
             <a:pPr algn="l"/>
-            <a:endParaRPr lang="en-US" sz="2900" dirty="0">
-              <a:latin typeface="Calibri Light (Headings)"/>
-            </a:endParaRPr>
-          </a:p>
-          <a:p>
-            <a:pPr algn="l"/>
-            <a:endParaRPr lang="en-US" sz="2900" dirty="0">
-              <a:latin typeface="Calibri Light (Headings)"/>
-            </a:endParaRPr>
+            <a:r>
+              <a:rPr lang="en-PH" sz="5000" b="1" dirty="0"/>
+              <a:t>Outline</a:t>
+            </a:r>
           </a:p>
         </p:txBody>
       </p:sp>
@@ -7014,6 +8977,303 @@
 </file>
 
 <file path=ppt/slides/slide3.xml><?xml version="1.0" encoding="utf-8"?>
+<p:sld xmlns:a="http://schemas.openxmlformats.org/drawingml/2006/main" xmlns:r="http://schemas.openxmlformats.org/officeDocument/2006/relationships" xmlns:p="http://schemas.openxmlformats.org/presentationml/2006/main">
+  <p:cSld>
+    <p:bg>
+      <p:bgPr>
+        <a:blipFill dpi="0" rotWithShape="1">
+          <a:blip r:embed="rId3">
+            <a:alphaModFix amt="99000"/>
+            <a:lum/>
+          </a:blip>
+          <a:srcRect/>
+          <a:stretch>
+            <a:fillRect t="89000" r="85000" b="-1000"/>
+          </a:stretch>
+        </a:blipFill>
+        <a:effectLst/>
+      </p:bgPr>
+    </p:bg>
+    <p:spTree>
+      <p:nvGrpSpPr>
+        <p:cNvPr id="1" name=""/>
+        <p:cNvGrpSpPr/>
+        <p:nvPr/>
+      </p:nvGrpSpPr>
+      <p:grpSpPr>
+        <a:xfrm>
+          <a:off x="0" y="0"/>
+          <a:ext cx="0" cy="0"/>
+          <a:chOff x="0" y="0"/>
+          <a:chExt cx="0" cy="0"/>
+        </a:xfrm>
+      </p:grpSpPr>
+      <p:sp>
+        <p:nvSpPr>
+          <p:cNvPr id="2" name="Title 1">
+            <a:extLst>
+              <a:ext uri="{FF2B5EF4-FFF2-40B4-BE49-F238E27FC236}">
+                <a16:creationId xmlns:a16="http://schemas.microsoft.com/office/drawing/2014/main" id="{6A3DCE86-C2BA-4713-9E7A-73589E8D6CCF}"/>
+              </a:ext>
+            </a:extLst>
+          </p:cNvPr>
+          <p:cNvSpPr>
+            <a:spLocks noGrp="1"/>
+          </p:cNvSpPr>
+          <p:nvPr>
+            <p:ph type="ctrTitle"/>
+          </p:nvPr>
+        </p:nvSpPr>
+        <p:spPr>
+          <a:xfrm>
+            <a:off x="1524000" y="497150"/>
+            <a:ext cx="9144000" cy="718459"/>
+          </a:xfrm>
+        </p:spPr>
+        <p:txBody>
+          <a:bodyPr>
+            <a:normAutofit fontScale="90000"/>
+          </a:bodyPr>
+          <a:lstStyle/>
+          <a:p>
+            <a:r>
+              <a:rPr lang="en-PH" b="1" dirty="0"/>
+              <a:t>What is a Node?</a:t>
+            </a:r>
+          </a:p>
+        </p:txBody>
+      </p:sp>
+      <p:sp>
+        <p:nvSpPr>
+          <p:cNvPr id="4" name="Footer Placeholder 3">
+            <a:extLst>
+              <a:ext uri="{FF2B5EF4-FFF2-40B4-BE49-F238E27FC236}">
+                <a16:creationId xmlns:a16="http://schemas.microsoft.com/office/drawing/2014/main" id="{638E7DE1-45EE-476A-A474-0F3C264AEDA3}"/>
+              </a:ext>
+            </a:extLst>
+          </p:cNvPr>
+          <p:cNvSpPr>
+            <a:spLocks noGrp="1"/>
+          </p:cNvSpPr>
+          <p:nvPr>
+            <p:ph type="ftr" sz="quarter" idx="11"/>
+          </p:nvPr>
+        </p:nvSpPr>
+        <p:spPr>
+          <a:xfrm>
+            <a:off x="0" y="6139541"/>
+            <a:ext cx="12192000" cy="718459"/>
+          </a:xfrm>
+          <a:ln w="28575">
+            <a:solidFill>
+              <a:schemeClr val="accent5">
+                <a:lumMod val="50000"/>
+              </a:schemeClr>
+            </a:solidFill>
+          </a:ln>
+        </p:spPr>
+        <p:txBody>
+          <a:bodyPr/>
+          <a:lstStyle/>
+          <a:p>
+            <a:pPr algn="r"/>
+            <a:r>
+              <a:rPr lang="en-US" b="1" dirty="0">
+                <a:solidFill>
+                  <a:schemeClr val="tx1"/>
+                </a:solidFill>
+              </a:rPr>
+              <a:t>CCDATRCL</a:t>
+            </a:r>
+            <a:endParaRPr lang="en-PH" dirty="0"/>
+          </a:p>
+        </p:txBody>
+      </p:sp>
+      <p:sp>
+        <p:nvSpPr>
+          <p:cNvPr id="5" name="Title 1">
+            <a:extLst>
+              <a:ext uri="{FF2B5EF4-FFF2-40B4-BE49-F238E27FC236}">
+                <a16:creationId xmlns:a16="http://schemas.microsoft.com/office/drawing/2014/main" id="{3444037F-B658-D82C-5DCA-53E8AA1493D7}"/>
+              </a:ext>
+            </a:extLst>
+          </p:cNvPr>
+          <p:cNvSpPr txBox="1">
+            <a:spLocks/>
+          </p:cNvSpPr>
+          <p:nvPr/>
+        </p:nvSpPr>
+        <p:spPr>
+          <a:xfrm>
+            <a:off x="1524000" y="1516449"/>
+            <a:ext cx="9144000" cy="4290585"/>
+          </a:xfrm>
+          <a:prstGeom prst="rect">
+            <a:avLst/>
+          </a:prstGeom>
+        </p:spPr>
+        <p:txBody>
+          <a:bodyPr vert="horz" lIns="91440" tIns="45720" rIns="91440" bIns="45720" rtlCol="0" anchor="b">
+            <a:normAutofit fontScale="97500"/>
+          </a:bodyPr>
+          <a:lstStyle>
+            <a:lvl1pPr algn="ctr" defTabSz="914400" rtl="0" eaLnBrk="1" latinLnBrk="0" hangingPunct="1">
+              <a:lnSpc>
+                <a:spcPct val="90000"/>
+              </a:lnSpc>
+              <a:spcBef>
+                <a:spcPct val="0"/>
+              </a:spcBef>
+              <a:buNone/>
+              <a:defRPr sz="6000" kern="1200">
+                <a:solidFill>
+                  <a:schemeClr val="tx1"/>
+                </a:solidFill>
+                <a:latin typeface="+mj-lt"/>
+                <a:ea typeface="+mj-ea"/>
+                <a:cs typeface="+mj-cs"/>
+              </a:defRPr>
+            </a:lvl1pPr>
+          </a:lstStyle>
+          <a:p>
+            <a:pPr algn="l"/>
+            <a:r>
+              <a:rPr lang="en-US" sz="2900" b="0" i="0" dirty="0">
+                <a:solidFill>
+                  <a:srgbClr val="252C33"/>
+                </a:solidFill>
+                <a:effectLst/>
+                <a:latin typeface="Calibri Light (Headings)"/>
+              </a:rPr>
+              <a:t>A node is basic unit of a data structure that consists of two parts, </a:t>
+            </a:r>
+            <a:r>
+              <a:rPr lang="en-US" sz="2900" b="1" i="0" dirty="0">
+                <a:solidFill>
+                  <a:srgbClr val="0070C0"/>
+                </a:solidFill>
+                <a:effectLst/>
+                <a:latin typeface="Calibri Light (Headings)"/>
+              </a:rPr>
+              <a:t>Data</a:t>
+            </a:r>
+            <a:r>
+              <a:rPr lang="en-US" sz="2900" b="0" i="0" dirty="0">
+                <a:solidFill>
+                  <a:srgbClr val="252C33"/>
+                </a:solidFill>
+                <a:effectLst/>
+                <a:latin typeface="Calibri Light (Headings)"/>
+              </a:rPr>
+              <a:t> and </a:t>
+            </a:r>
+            <a:r>
+              <a:rPr lang="en-US" sz="2900" b="1" i="0" dirty="0">
+                <a:solidFill>
+                  <a:srgbClr val="00B050"/>
+                </a:solidFill>
+                <a:effectLst/>
+                <a:latin typeface="Calibri Light (Headings)"/>
+              </a:rPr>
+              <a:t>Next Pointer</a:t>
+            </a:r>
+            <a:r>
+              <a:rPr lang="en-US" sz="2900" b="1" i="0" dirty="0">
+                <a:solidFill>
+                  <a:srgbClr val="252C33"/>
+                </a:solidFill>
+                <a:effectLst/>
+                <a:latin typeface="Calibri Light (Headings)"/>
+              </a:rPr>
+              <a:t>.</a:t>
+            </a:r>
+          </a:p>
+          <a:p>
+            <a:pPr algn="l"/>
+            <a:endParaRPr lang="en-US" sz="2900" b="1" dirty="0">
+              <a:solidFill>
+                <a:srgbClr val="252C33"/>
+              </a:solidFill>
+              <a:latin typeface="Calibri Light (Headings)"/>
+            </a:endParaRPr>
+          </a:p>
+          <a:p>
+            <a:pPr algn="l"/>
+            <a:endParaRPr lang="en-US" sz="2900" b="1" i="0" dirty="0">
+              <a:solidFill>
+                <a:srgbClr val="252C33"/>
+              </a:solidFill>
+              <a:effectLst/>
+              <a:latin typeface="Calibri Light (Headings)"/>
+            </a:endParaRPr>
+          </a:p>
+          <a:p>
+            <a:pPr algn="l"/>
+            <a:endParaRPr lang="en-US" sz="2900" b="1" dirty="0">
+              <a:solidFill>
+                <a:srgbClr val="252C33"/>
+              </a:solidFill>
+              <a:latin typeface="Calibri Light (Headings)"/>
+            </a:endParaRPr>
+          </a:p>
+          <a:p>
+            <a:pPr algn="l"/>
+            <a:endParaRPr lang="en-US" sz="2900" b="1" i="0" dirty="0">
+              <a:solidFill>
+                <a:srgbClr val="252C33"/>
+              </a:solidFill>
+              <a:effectLst/>
+              <a:latin typeface="Calibri Light (Headings)"/>
+            </a:endParaRPr>
+          </a:p>
+          <a:p>
+            <a:pPr algn="l"/>
+            <a:endParaRPr lang="en-US" sz="2900" b="1" i="0" dirty="0">
+              <a:solidFill>
+                <a:srgbClr val="252C33"/>
+              </a:solidFill>
+              <a:effectLst/>
+              <a:latin typeface="Calibri Light (Headings)"/>
+            </a:endParaRPr>
+          </a:p>
+          <a:p>
+            <a:pPr algn="l"/>
+            <a:endParaRPr lang="en-US" sz="2900" b="0" i="0" dirty="0">
+              <a:solidFill>
+                <a:srgbClr val="252C33"/>
+              </a:solidFill>
+              <a:effectLst/>
+              <a:latin typeface="Calibri Light (Headings)"/>
+            </a:endParaRPr>
+          </a:p>
+          <a:p>
+            <a:pPr algn="l"/>
+            <a:endParaRPr lang="en-US" sz="2900" dirty="0">
+              <a:latin typeface="Calibri Light (Headings)"/>
+            </a:endParaRPr>
+          </a:p>
+          <a:p>
+            <a:pPr algn="l"/>
+            <a:endParaRPr lang="en-US" sz="2900" dirty="0">
+              <a:latin typeface="Calibri Light (Headings)"/>
+            </a:endParaRPr>
+          </a:p>
+        </p:txBody>
+      </p:sp>
+    </p:spTree>
+    <p:extLst>
+      <p:ext uri="{BB962C8B-B14F-4D97-AF65-F5344CB8AC3E}">
+        <p14:creationId xmlns:p14="http://schemas.microsoft.com/office/powerpoint/2010/main" val="2820668950"/>
+      </p:ext>
+    </p:extLst>
+  </p:cSld>
+  <p:clrMapOvr>
+    <a:masterClrMapping/>
+  </p:clrMapOvr>
+</p:sld>
+</file>
+
+<file path=ppt/slides/slide4.xml><?xml version="1.0" encoding="utf-8"?>
 <p:sld xmlns:a="http://schemas.openxmlformats.org/drawingml/2006/main" xmlns:r="http://schemas.openxmlformats.org/officeDocument/2006/relationships" xmlns:p="http://schemas.openxmlformats.org/presentationml/2006/main">
   <p:cSld>
     <p:bg>
@@ -7569,7 +9829,7 @@
 </p:sld>
 </file>
 
-<file path=ppt/slides/slide4.xml><?xml version="1.0" encoding="utf-8"?>
+<file path=ppt/slides/slide5.xml><?xml version="1.0" encoding="utf-8"?>
 <p:sld xmlns:a="http://schemas.openxmlformats.org/drawingml/2006/main" xmlns:r="http://schemas.openxmlformats.org/officeDocument/2006/relationships" xmlns:p="http://schemas.openxmlformats.org/presentationml/2006/main">
   <p:cSld>
     <p:bg>
@@ -7603,41 +9863,6 @@
       </p:grpSpPr>
       <p:sp>
         <p:nvSpPr>
-          <p:cNvPr id="2" name="Title 1">
-            <a:extLst>
-              <a:ext uri="{FF2B5EF4-FFF2-40B4-BE49-F238E27FC236}">
-                <a16:creationId xmlns:a16="http://schemas.microsoft.com/office/drawing/2014/main" id="{6A3DCE86-C2BA-4713-9E7A-73589E8D6CCF}"/>
-              </a:ext>
-            </a:extLst>
-          </p:cNvPr>
-          <p:cNvSpPr>
-            <a:spLocks noGrp="1"/>
-          </p:cNvSpPr>
-          <p:nvPr>
-            <p:ph type="ctrTitle"/>
-          </p:nvPr>
-        </p:nvSpPr>
-        <p:spPr>
-          <a:xfrm>
-            <a:off x="1524000" y="497150"/>
-            <a:ext cx="9144000" cy="718459"/>
-          </a:xfrm>
-        </p:spPr>
-        <p:txBody>
-          <a:bodyPr>
-            <a:normAutofit fontScale="90000"/>
-          </a:bodyPr>
-          <a:lstStyle/>
-          <a:p>
-            <a:r>
-              <a:rPr lang="en-PH" b="1" dirty="0"/>
-              <a:t>What is a Linked list?</a:t>
-            </a:r>
-          </a:p>
-        </p:txBody>
-      </p:sp>
-      <p:sp>
-        <p:nvSpPr>
           <p:cNvPr id="4" name="Footer Placeholder 3">
             <a:extLst>
               <a:ext uri="{FF2B5EF4-FFF2-40B4-BE49-F238E27FC236}">
@@ -7684,10 +9909,10 @@
       </p:sp>
       <p:sp>
         <p:nvSpPr>
-          <p:cNvPr id="5" name="Title 1">
-            <a:extLst>
-              <a:ext uri="{FF2B5EF4-FFF2-40B4-BE49-F238E27FC236}">
-                <a16:creationId xmlns:a16="http://schemas.microsoft.com/office/drawing/2014/main" id="{3444037F-B658-D82C-5DCA-53E8AA1493D7}"/>
+          <p:cNvPr id="9" name="Title 1">
+            <a:extLst>
+              <a:ext uri="{FF2B5EF4-FFF2-40B4-BE49-F238E27FC236}">
+                <a16:creationId xmlns:a16="http://schemas.microsoft.com/office/drawing/2014/main" id="{CD60D138-D5EC-182E-6196-404CAFA4A456}"/>
               </a:ext>
             </a:extLst>
           </p:cNvPr>
@@ -7698,8 +9923,8 @@
         </p:nvSpPr>
         <p:spPr>
           <a:xfrm>
-            <a:off x="1524000" y="1516449"/>
-            <a:ext cx="9144000" cy="4290585"/>
+            <a:off x="459203" y="1283707"/>
+            <a:ext cx="11273589" cy="4290585"/>
           </a:xfrm>
           <a:prstGeom prst="rect">
             <a:avLst/>
@@ -7730,6 +9955,393 @@
           </a:lstStyle>
           <a:p>
             <a:pPr algn="l"/>
+            <a:endParaRPr lang="en-US" sz="2900" b="1" i="0" dirty="0">
+              <a:solidFill>
+                <a:srgbClr val="252C33"/>
+              </a:solidFill>
+              <a:effectLst/>
+              <a:latin typeface="Calibri Light (Headings)"/>
+            </a:endParaRPr>
+          </a:p>
+          <a:p>
+            <a:pPr marL="457200" indent="-457200" algn="l">
+              <a:buFont typeface="Wingdings" pitchFamily="2" charset="2"/>
+              <a:buChar char="Ø"/>
+            </a:pPr>
+            <a:endParaRPr lang="en-US" sz="2900" b="1" dirty="0">
+              <a:latin typeface="Calibri Light (Headings)"/>
+            </a:endParaRPr>
+          </a:p>
+          <a:p>
+            <a:pPr marL="457200" indent="-457200" algn="l">
+              <a:buFont typeface="Wingdings" pitchFamily="2" charset="2"/>
+              <a:buChar char="Ø"/>
+            </a:pPr>
+            <a:r>
+              <a:rPr lang="en-US" sz="2900" b="1" dirty="0">
+                <a:solidFill>
+                  <a:schemeClr val="tx1">
+                    <a:lumMod val="50000"/>
+                    <a:lumOff val="50000"/>
+                  </a:schemeClr>
+                </a:solidFill>
+                <a:latin typeface="Calibri Light (Headings)"/>
+              </a:rPr>
+              <a:t>What is a Node?</a:t>
+            </a:r>
+          </a:p>
+          <a:p>
+            <a:pPr marL="457200" indent="-457200" algn="l">
+              <a:buFont typeface="Wingdings" pitchFamily="2" charset="2"/>
+              <a:buChar char="Ø"/>
+            </a:pPr>
+            <a:endParaRPr lang="en-US" sz="2900" b="1" dirty="0">
+              <a:solidFill>
+                <a:schemeClr val="tx1">
+                  <a:lumMod val="50000"/>
+                  <a:lumOff val="50000"/>
+                </a:schemeClr>
+              </a:solidFill>
+              <a:latin typeface="Calibri Light (Headings)"/>
+            </a:endParaRPr>
+          </a:p>
+          <a:p>
+            <a:pPr marL="457200" indent="-457200" algn="l">
+              <a:buFont typeface="Wingdings" pitchFamily="2" charset="2"/>
+              <a:buChar char="Ø"/>
+            </a:pPr>
+            <a:r>
+              <a:rPr lang="en-US" sz="2900" b="1" dirty="0">
+                <a:latin typeface="Calibri Light (Headings)"/>
+              </a:rPr>
+              <a:t>What is a Linked List?</a:t>
+            </a:r>
+            <a:endParaRPr lang="en-US" sz="2900" b="1" i="0" dirty="0">
+              <a:effectLst/>
+              <a:latin typeface="Calibri Light (Headings)"/>
+            </a:endParaRPr>
+          </a:p>
+          <a:p>
+            <a:pPr algn="l"/>
+            <a:endParaRPr lang="en-US" sz="2900" b="1" i="0" dirty="0">
+              <a:solidFill>
+                <a:srgbClr val="252C33"/>
+              </a:solidFill>
+              <a:effectLst/>
+              <a:latin typeface="Calibri Light (Headings)"/>
+            </a:endParaRPr>
+          </a:p>
+          <a:p>
+            <a:pPr marL="457200" indent="-457200" algn="l">
+              <a:buFont typeface="Wingdings" pitchFamily="2" charset="2"/>
+              <a:buChar char="Ø"/>
+            </a:pPr>
+            <a:r>
+              <a:rPr lang="en-US" sz="2900" b="1" dirty="0">
+                <a:solidFill>
+                  <a:schemeClr val="tx1">
+                    <a:lumMod val="50000"/>
+                    <a:lumOff val="50000"/>
+                  </a:schemeClr>
+                </a:solidFill>
+                <a:latin typeface="Calibri Light (Headings)"/>
+              </a:rPr>
+              <a:t>Implementations of a Stack</a:t>
+            </a:r>
+          </a:p>
+          <a:p>
+            <a:pPr marL="457200" indent="-457200" algn="l">
+              <a:buFont typeface="Wingdings" pitchFamily="2" charset="2"/>
+              <a:buChar char="Ø"/>
+            </a:pPr>
+            <a:endParaRPr lang="en-US" sz="2900" b="1" dirty="0">
+              <a:solidFill>
+                <a:schemeClr val="tx1">
+                  <a:lumMod val="50000"/>
+                  <a:lumOff val="50000"/>
+                </a:schemeClr>
+              </a:solidFill>
+              <a:latin typeface="Calibri Light (Headings)"/>
+            </a:endParaRPr>
+          </a:p>
+          <a:p>
+            <a:pPr marL="457200" indent="-457200" algn="l">
+              <a:buFont typeface="Wingdings" pitchFamily="2" charset="2"/>
+              <a:buChar char="Ø"/>
+            </a:pPr>
+            <a:r>
+              <a:rPr lang="en-US" sz="2900" b="1" dirty="0">
+                <a:solidFill>
+                  <a:schemeClr val="tx1">
+                    <a:lumMod val="50000"/>
+                    <a:lumOff val="50000"/>
+                  </a:schemeClr>
+                </a:solidFill>
+                <a:latin typeface="Calibri Light (Headings)"/>
+              </a:rPr>
+              <a:t>Applications of a Stack</a:t>
+            </a:r>
+          </a:p>
+          <a:p>
+            <a:pPr marL="457200" indent="-457200" algn="l">
+              <a:buFont typeface="Wingdings" pitchFamily="2" charset="2"/>
+              <a:buChar char="Ø"/>
+            </a:pPr>
+            <a:endParaRPr lang="en-US" sz="2900" b="1" dirty="0">
+              <a:solidFill>
+                <a:schemeClr val="tx1">
+                  <a:lumMod val="50000"/>
+                  <a:lumOff val="50000"/>
+                </a:schemeClr>
+              </a:solidFill>
+              <a:latin typeface="Calibri Light (Headings)"/>
+            </a:endParaRPr>
+          </a:p>
+          <a:p>
+            <a:pPr marL="457200" indent="-457200" algn="l">
+              <a:buFont typeface="Wingdings" pitchFamily="2" charset="2"/>
+              <a:buChar char="Ø"/>
+            </a:pPr>
+            <a:endParaRPr lang="en-US" sz="2900" b="1" dirty="0">
+              <a:solidFill>
+                <a:schemeClr val="tx1">
+                  <a:lumMod val="50000"/>
+                  <a:lumOff val="50000"/>
+                </a:schemeClr>
+              </a:solidFill>
+              <a:latin typeface="Calibri Light (Headings)"/>
+            </a:endParaRPr>
+          </a:p>
+          <a:p>
+            <a:pPr marL="457200" indent="-457200" algn="l">
+              <a:buFont typeface="Wingdings" pitchFamily="2" charset="2"/>
+              <a:buChar char="Ø"/>
+            </a:pPr>
+            <a:endParaRPr lang="en-US" sz="2900" b="1" dirty="0">
+              <a:solidFill>
+                <a:schemeClr val="tx1">
+                  <a:lumMod val="50000"/>
+                  <a:lumOff val="50000"/>
+                </a:schemeClr>
+              </a:solidFill>
+              <a:latin typeface="Calibri Light (Headings)"/>
+            </a:endParaRPr>
+          </a:p>
+        </p:txBody>
+      </p:sp>
+      <p:pic>
+        <p:nvPicPr>
+          <p:cNvPr id="2" name="Graphic 1" descr="Checkmark with solid fill">
+            <a:extLst>
+              <a:ext uri="{FF2B5EF4-FFF2-40B4-BE49-F238E27FC236}">
+                <a16:creationId xmlns:a16="http://schemas.microsoft.com/office/drawing/2014/main" id="{E20B23CF-7127-DED6-E194-D91E09DC745E}"/>
+              </a:ext>
+            </a:extLst>
+          </p:cNvPr>
+          <p:cNvPicPr>
+            <a:picLocks noChangeAspect="1"/>
+          </p:cNvPicPr>
+          <p:nvPr/>
+        </p:nvPicPr>
+        <p:blipFill>
+          <a:blip r:embed="rId4">
+            <a:extLst>
+              <a:ext uri="{28A0092B-C50C-407E-A947-70E740481C1C}">
+                <a14:useLocalDpi xmlns:a14="http://schemas.microsoft.com/office/drawing/2010/main" val="0"/>
+              </a:ext>
+              <a:ext uri="{96DAC541-7B7A-43D3-8B79-37D633B846F1}">
+                <asvg:svgBlip xmlns:asvg="http://schemas.microsoft.com/office/drawing/2016/SVG/main" r:embed="rId5"/>
+              </a:ext>
+            </a:extLst>
+          </a:blip>
+          <a:stretch>
+            <a:fillRect/>
+          </a:stretch>
+        </p:blipFill>
+        <p:spPr>
+          <a:xfrm>
+            <a:off x="3548913" y="1474939"/>
+            <a:ext cx="597907" cy="597907"/>
+          </a:xfrm>
+          <a:prstGeom prst="rect">
+            <a:avLst/>
+          </a:prstGeom>
+        </p:spPr>
+      </p:pic>
+    </p:spTree>
+    <p:extLst>
+      <p:ext uri="{BB962C8B-B14F-4D97-AF65-F5344CB8AC3E}">
+        <p14:creationId xmlns:p14="http://schemas.microsoft.com/office/powerpoint/2010/main" val="4205070464"/>
+      </p:ext>
+    </p:extLst>
+  </p:cSld>
+  <p:clrMapOvr>
+    <a:masterClrMapping/>
+  </p:clrMapOvr>
+</p:sld>
+</file>
+
+<file path=ppt/slides/slide6.xml><?xml version="1.0" encoding="utf-8"?>
+<p:sld xmlns:a="http://schemas.openxmlformats.org/drawingml/2006/main" xmlns:r="http://schemas.openxmlformats.org/officeDocument/2006/relationships" xmlns:p="http://schemas.openxmlformats.org/presentationml/2006/main">
+  <p:cSld>
+    <p:bg>
+      <p:bgPr>
+        <a:blipFill dpi="0" rotWithShape="1">
+          <a:blip r:embed="rId3">
+            <a:alphaModFix amt="99000"/>
+            <a:lum/>
+          </a:blip>
+          <a:srcRect/>
+          <a:stretch>
+            <a:fillRect t="89000" r="85000" b="-1000"/>
+          </a:stretch>
+        </a:blipFill>
+        <a:effectLst/>
+      </p:bgPr>
+    </p:bg>
+    <p:spTree>
+      <p:nvGrpSpPr>
+        <p:cNvPr id="1" name=""/>
+        <p:cNvGrpSpPr/>
+        <p:nvPr/>
+      </p:nvGrpSpPr>
+      <p:grpSpPr>
+        <a:xfrm>
+          <a:off x="0" y="0"/>
+          <a:ext cx="0" cy="0"/>
+          <a:chOff x="0" y="0"/>
+          <a:chExt cx="0" cy="0"/>
+        </a:xfrm>
+      </p:grpSpPr>
+      <p:sp>
+        <p:nvSpPr>
+          <p:cNvPr id="2" name="Title 1">
+            <a:extLst>
+              <a:ext uri="{FF2B5EF4-FFF2-40B4-BE49-F238E27FC236}">
+                <a16:creationId xmlns:a16="http://schemas.microsoft.com/office/drawing/2014/main" id="{6A3DCE86-C2BA-4713-9E7A-73589E8D6CCF}"/>
+              </a:ext>
+            </a:extLst>
+          </p:cNvPr>
+          <p:cNvSpPr>
+            <a:spLocks noGrp="1"/>
+          </p:cNvSpPr>
+          <p:nvPr>
+            <p:ph type="ctrTitle"/>
+          </p:nvPr>
+        </p:nvSpPr>
+        <p:spPr>
+          <a:xfrm>
+            <a:off x="1524000" y="497150"/>
+            <a:ext cx="9144000" cy="718459"/>
+          </a:xfrm>
+        </p:spPr>
+        <p:txBody>
+          <a:bodyPr>
+            <a:normAutofit fontScale="90000"/>
+          </a:bodyPr>
+          <a:lstStyle/>
+          <a:p>
+            <a:r>
+              <a:rPr lang="en-PH" b="1" dirty="0"/>
+              <a:t>What is a Linked list?</a:t>
+            </a:r>
+          </a:p>
+        </p:txBody>
+      </p:sp>
+      <p:sp>
+        <p:nvSpPr>
+          <p:cNvPr id="4" name="Footer Placeholder 3">
+            <a:extLst>
+              <a:ext uri="{FF2B5EF4-FFF2-40B4-BE49-F238E27FC236}">
+                <a16:creationId xmlns:a16="http://schemas.microsoft.com/office/drawing/2014/main" id="{638E7DE1-45EE-476A-A474-0F3C264AEDA3}"/>
+              </a:ext>
+            </a:extLst>
+          </p:cNvPr>
+          <p:cNvSpPr>
+            <a:spLocks noGrp="1"/>
+          </p:cNvSpPr>
+          <p:nvPr>
+            <p:ph type="ftr" sz="quarter" idx="11"/>
+          </p:nvPr>
+        </p:nvSpPr>
+        <p:spPr>
+          <a:xfrm>
+            <a:off x="0" y="6139541"/>
+            <a:ext cx="12192000" cy="718459"/>
+          </a:xfrm>
+          <a:ln w="28575">
+            <a:solidFill>
+              <a:schemeClr val="accent5">
+                <a:lumMod val="50000"/>
+              </a:schemeClr>
+            </a:solidFill>
+          </a:ln>
+        </p:spPr>
+        <p:txBody>
+          <a:bodyPr/>
+          <a:lstStyle/>
+          <a:p>
+            <a:pPr algn="r"/>
+            <a:r>
+              <a:rPr lang="en-US" b="1" dirty="0">
+                <a:solidFill>
+                  <a:schemeClr val="tx1"/>
+                </a:solidFill>
+              </a:rPr>
+              <a:t>CCDATRCL</a:t>
+            </a:r>
+            <a:endParaRPr lang="en-PH" dirty="0"/>
+          </a:p>
+        </p:txBody>
+      </p:sp>
+      <p:sp>
+        <p:nvSpPr>
+          <p:cNvPr id="5" name="Title 1">
+            <a:extLst>
+              <a:ext uri="{FF2B5EF4-FFF2-40B4-BE49-F238E27FC236}">
+                <a16:creationId xmlns:a16="http://schemas.microsoft.com/office/drawing/2014/main" id="{3444037F-B658-D82C-5DCA-53E8AA1493D7}"/>
+              </a:ext>
+            </a:extLst>
+          </p:cNvPr>
+          <p:cNvSpPr txBox="1">
+            <a:spLocks/>
+          </p:cNvSpPr>
+          <p:nvPr/>
+        </p:nvSpPr>
+        <p:spPr>
+          <a:xfrm>
+            <a:off x="1524000" y="1516449"/>
+            <a:ext cx="9144000" cy="4290585"/>
+          </a:xfrm>
+          <a:prstGeom prst="rect">
+            <a:avLst/>
+          </a:prstGeom>
+        </p:spPr>
+        <p:txBody>
+          <a:bodyPr vert="horz" lIns="91440" tIns="45720" rIns="91440" bIns="45720" rtlCol="0" anchor="b">
+            <a:normAutofit fontScale="97500"/>
+          </a:bodyPr>
+          <a:lstStyle>
+            <a:lvl1pPr algn="ctr" defTabSz="914400" rtl="0" eaLnBrk="1" latinLnBrk="0" hangingPunct="1">
+              <a:lnSpc>
+                <a:spcPct val="90000"/>
+              </a:lnSpc>
+              <a:spcBef>
+                <a:spcPct val="0"/>
+              </a:spcBef>
+              <a:buNone/>
+              <a:defRPr sz="6000" kern="1200">
+                <a:solidFill>
+                  <a:schemeClr val="tx1"/>
+                </a:solidFill>
+                <a:latin typeface="+mj-lt"/>
+                <a:ea typeface="+mj-ea"/>
+                <a:cs typeface="+mj-cs"/>
+              </a:defRPr>
+            </a:lvl1pPr>
+          </a:lstStyle>
+          <a:p>
+            <a:pPr algn="l"/>
             <a:r>
               <a:rPr lang="en-US" sz="3000" dirty="0"/>
               <a:t>Is a linear data structure that includes </a:t>
@@ -7786,7 +10398,7 @@
 </p:sld>
 </file>
 
-<file path=ppt/slides/slide5.xml><?xml version="1.0" encoding="utf-8"?>
+<file path=ppt/slides/slide7.xml><?xml version="1.0" encoding="utf-8"?>
 <p:sld xmlns:a="http://schemas.openxmlformats.org/drawingml/2006/main" xmlns:r="http://schemas.openxmlformats.org/officeDocument/2006/relationships" xmlns:p="http://schemas.openxmlformats.org/presentationml/2006/main">
   <p:cSld>
     <p:bg>
@@ -8416,433 +11028,6 @@
 </p:sld>
 </file>
 
-<file path=ppt/slides/slide6.xml><?xml version="1.0" encoding="utf-8"?>
-<p:sld xmlns:a="http://schemas.openxmlformats.org/drawingml/2006/main" xmlns:r="http://schemas.openxmlformats.org/officeDocument/2006/relationships" xmlns:p="http://schemas.openxmlformats.org/presentationml/2006/main">
-  <p:cSld>
-    <p:bg>
-      <p:bgPr>
-        <a:blipFill dpi="0" rotWithShape="1">
-          <a:blip r:embed="rId3">
-            <a:alphaModFix amt="99000"/>
-            <a:lum/>
-          </a:blip>
-          <a:srcRect/>
-          <a:stretch>
-            <a:fillRect t="89000" r="85000" b="-1000"/>
-          </a:stretch>
-        </a:blipFill>
-        <a:effectLst/>
-      </p:bgPr>
-    </p:bg>
-    <p:spTree>
-      <p:nvGrpSpPr>
-        <p:cNvPr id="1" name=""/>
-        <p:cNvGrpSpPr/>
-        <p:nvPr/>
-      </p:nvGrpSpPr>
-      <p:grpSpPr>
-        <a:xfrm>
-          <a:off x="0" y="0"/>
-          <a:ext cx="0" cy="0"/>
-          <a:chOff x="0" y="0"/>
-          <a:chExt cx="0" cy="0"/>
-        </a:xfrm>
-      </p:grpSpPr>
-      <p:sp>
-        <p:nvSpPr>
-          <p:cNvPr id="2" name="Title 1">
-            <a:extLst>
-              <a:ext uri="{FF2B5EF4-FFF2-40B4-BE49-F238E27FC236}">
-                <a16:creationId xmlns:a16="http://schemas.microsoft.com/office/drawing/2014/main" id="{6A3DCE86-C2BA-4713-9E7A-73589E8D6CCF}"/>
-              </a:ext>
-            </a:extLst>
-          </p:cNvPr>
-          <p:cNvSpPr>
-            <a:spLocks noGrp="1"/>
-          </p:cNvSpPr>
-          <p:nvPr>
-            <p:ph type="ctrTitle"/>
-          </p:nvPr>
-        </p:nvSpPr>
-        <p:spPr>
-          <a:xfrm>
-            <a:off x="1524000" y="497150"/>
-            <a:ext cx="9144000" cy="718459"/>
-          </a:xfrm>
-        </p:spPr>
-        <p:txBody>
-          <a:bodyPr>
-            <a:normAutofit fontScale="90000"/>
-          </a:bodyPr>
-          <a:lstStyle/>
-          <a:p>
-            <a:r>
-              <a:rPr lang="en-PH" b="1" dirty="0"/>
-              <a:t>Types of Linked list</a:t>
-            </a:r>
-          </a:p>
-        </p:txBody>
-      </p:sp>
-      <p:sp>
-        <p:nvSpPr>
-          <p:cNvPr id="4" name="Footer Placeholder 3">
-            <a:extLst>
-              <a:ext uri="{FF2B5EF4-FFF2-40B4-BE49-F238E27FC236}">
-                <a16:creationId xmlns:a16="http://schemas.microsoft.com/office/drawing/2014/main" id="{638E7DE1-45EE-476A-A474-0F3C264AEDA3}"/>
-              </a:ext>
-            </a:extLst>
-          </p:cNvPr>
-          <p:cNvSpPr>
-            <a:spLocks noGrp="1"/>
-          </p:cNvSpPr>
-          <p:nvPr>
-            <p:ph type="ftr" sz="quarter" idx="11"/>
-          </p:nvPr>
-        </p:nvSpPr>
-        <p:spPr>
-          <a:xfrm>
-            <a:off x="0" y="6139541"/>
-            <a:ext cx="12192000" cy="718459"/>
-          </a:xfrm>
-          <a:ln w="28575">
-            <a:solidFill>
-              <a:schemeClr val="accent5">
-                <a:lumMod val="50000"/>
-              </a:schemeClr>
-            </a:solidFill>
-          </a:ln>
-        </p:spPr>
-        <p:txBody>
-          <a:bodyPr/>
-          <a:lstStyle/>
-          <a:p>
-            <a:pPr algn="r"/>
-            <a:r>
-              <a:rPr lang="en-US" b="1" dirty="0">
-                <a:solidFill>
-                  <a:schemeClr val="tx1"/>
-                </a:solidFill>
-              </a:rPr>
-              <a:t>CCDATRCL</a:t>
-            </a:r>
-            <a:endParaRPr lang="en-PH" dirty="0"/>
-          </a:p>
-        </p:txBody>
-      </p:sp>
-      <p:sp>
-        <p:nvSpPr>
-          <p:cNvPr id="5" name="Title 1">
-            <a:extLst>
-              <a:ext uri="{FF2B5EF4-FFF2-40B4-BE49-F238E27FC236}">
-                <a16:creationId xmlns:a16="http://schemas.microsoft.com/office/drawing/2014/main" id="{3444037F-B658-D82C-5DCA-53E8AA1493D7}"/>
-              </a:ext>
-            </a:extLst>
-          </p:cNvPr>
-          <p:cNvSpPr txBox="1">
-            <a:spLocks/>
-          </p:cNvSpPr>
-          <p:nvPr/>
-        </p:nvSpPr>
-        <p:spPr>
-          <a:xfrm>
-            <a:off x="1524000" y="1516449"/>
-            <a:ext cx="9144000" cy="4290585"/>
-          </a:xfrm>
-          <a:prstGeom prst="rect">
-            <a:avLst/>
-          </a:prstGeom>
-        </p:spPr>
-        <p:txBody>
-          <a:bodyPr vert="horz" lIns="91440" tIns="45720" rIns="91440" bIns="45720" rtlCol="0" anchor="b">
-            <a:normAutofit fontScale="97500"/>
-          </a:bodyPr>
-          <a:lstStyle>
-            <a:lvl1pPr algn="ctr" defTabSz="914400" rtl="0" eaLnBrk="1" latinLnBrk="0" hangingPunct="1">
-              <a:lnSpc>
-                <a:spcPct val="90000"/>
-              </a:lnSpc>
-              <a:spcBef>
-                <a:spcPct val="0"/>
-              </a:spcBef>
-              <a:buNone/>
-              <a:defRPr sz="6000" kern="1200">
-                <a:solidFill>
-                  <a:schemeClr val="tx1"/>
-                </a:solidFill>
-                <a:latin typeface="+mj-lt"/>
-                <a:ea typeface="+mj-ea"/>
-                <a:cs typeface="+mj-cs"/>
-              </a:defRPr>
-            </a:lvl1pPr>
-          </a:lstStyle>
-          <a:p>
-            <a:pPr marL="457200" indent="-457200" algn="l">
-              <a:buFont typeface="Wingdings" panose="05000000000000000000" pitchFamily="2" charset="2"/>
-              <a:buChar char="§"/>
-            </a:pPr>
-            <a:r>
-              <a:rPr lang="en-PH" sz="3000" dirty="0"/>
-              <a:t>Singly Linked list</a:t>
-            </a:r>
-          </a:p>
-          <a:p>
-            <a:pPr marL="457200" indent="-457200" algn="l">
-              <a:buFont typeface="Wingdings" panose="05000000000000000000" pitchFamily="2" charset="2"/>
-              <a:buChar char="§"/>
-            </a:pPr>
-            <a:endParaRPr lang="en-PH" sz="3000" dirty="0"/>
-          </a:p>
-          <a:p>
-            <a:pPr marL="457200" indent="-457200" algn="l">
-              <a:buFont typeface="Wingdings" panose="05000000000000000000" pitchFamily="2" charset="2"/>
-              <a:buChar char="§"/>
-            </a:pPr>
-            <a:r>
-              <a:rPr lang="en-PH" sz="3000" dirty="0"/>
-              <a:t>Doubly Linked list</a:t>
-            </a:r>
-          </a:p>
-          <a:p>
-            <a:pPr marL="457200" indent="-457200" algn="l">
-              <a:buFont typeface="Wingdings" panose="05000000000000000000" pitchFamily="2" charset="2"/>
-              <a:buChar char="§"/>
-            </a:pPr>
-            <a:endParaRPr lang="en-PH" sz="3000" dirty="0"/>
-          </a:p>
-          <a:p>
-            <a:pPr marL="457200" indent="-457200" algn="l">
-              <a:buFont typeface="Wingdings" panose="05000000000000000000" pitchFamily="2" charset="2"/>
-              <a:buChar char="§"/>
-            </a:pPr>
-            <a:r>
-              <a:rPr lang="en-PH" sz="3000" dirty="0"/>
-              <a:t>Circular Linked list</a:t>
-            </a:r>
-          </a:p>
-          <a:p>
-            <a:pPr marL="457200" indent="-457200" algn="l">
-              <a:buFont typeface="Wingdings" panose="05000000000000000000" pitchFamily="2" charset="2"/>
-              <a:buChar char="§"/>
-            </a:pPr>
-            <a:endParaRPr lang="en-PH" sz="3000" dirty="0"/>
-          </a:p>
-          <a:p>
-            <a:pPr marL="457200" indent="-457200" algn="l">
-              <a:buFont typeface="Wingdings" panose="05000000000000000000" pitchFamily="2" charset="2"/>
-              <a:buChar char="§"/>
-            </a:pPr>
-            <a:endParaRPr lang="en-PH" sz="3000" dirty="0"/>
-          </a:p>
-          <a:p>
-            <a:pPr marL="457200" indent="-457200" algn="l">
-              <a:buFont typeface="Wingdings" panose="05000000000000000000" pitchFamily="2" charset="2"/>
-              <a:buChar char="§"/>
-            </a:pPr>
-            <a:endParaRPr lang="en-PH" sz="3000" dirty="0"/>
-          </a:p>
-          <a:p>
-            <a:pPr marL="457200" indent="-457200" algn="l">
-              <a:buFont typeface="Wingdings" panose="05000000000000000000" pitchFamily="2" charset="2"/>
-              <a:buChar char="§"/>
-            </a:pPr>
-            <a:endParaRPr lang="en-PH" sz="3000" dirty="0"/>
-          </a:p>
-          <a:p>
-            <a:pPr marL="457200" indent="-457200" algn="l">
-              <a:buFont typeface="Wingdings" panose="05000000000000000000" pitchFamily="2" charset="2"/>
-              <a:buChar char="§"/>
-            </a:pPr>
-            <a:endParaRPr lang="en-PH" sz="3000" dirty="0"/>
-          </a:p>
-        </p:txBody>
-      </p:sp>
-    </p:spTree>
-    <p:extLst>
-      <p:ext uri="{BB962C8B-B14F-4D97-AF65-F5344CB8AC3E}">
-        <p14:creationId xmlns:p14="http://schemas.microsoft.com/office/powerpoint/2010/main" val="2055979108"/>
-      </p:ext>
-    </p:extLst>
-  </p:cSld>
-  <p:clrMapOvr>
-    <a:masterClrMapping/>
-  </p:clrMapOvr>
-</p:sld>
-</file>
-
-<file path=ppt/slides/slide7.xml><?xml version="1.0" encoding="utf-8"?>
-<p:sld xmlns:a="http://schemas.openxmlformats.org/drawingml/2006/main" xmlns:r="http://schemas.openxmlformats.org/officeDocument/2006/relationships" xmlns:p="http://schemas.openxmlformats.org/presentationml/2006/main">
-  <p:cSld>
-    <p:bg>
-      <p:bgPr>
-        <a:blipFill dpi="0" rotWithShape="1">
-          <a:blip r:embed="rId3">
-            <a:alphaModFix amt="99000"/>
-            <a:lum/>
-          </a:blip>
-          <a:srcRect/>
-          <a:stretch>
-            <a:fillRect t="89000" r="85000" b="-1000"/>
-          </a:stretch>
-        </a:blipFill>
-        <a:effectLst/>
-      </p:bgPr>
-    </p:bg>
-    <p:spTree>
-      <p:nvGrpSpPr>
-        <p:cNvPr id="1" name=""/>
-        <p:cNvGrpSpPr/>
-        <p:nvPr/>
-      </p:nvGrpSpPr>
-      <p:grpSpPr>
-        <a:xfrm>
-          <a:off x="0" y="0"/>
-          <a:ext cx="0" cy="0"/>
-          <a:chOff x="0" y="0"/>
-          <a:chExt cx="0" cy="0"/>
-        </a:xfrm>
-      </p:grpSpPr>
-      <p:sp>
-        <p:nvSpPr>
-          <p:cNvPr id="2" name="Title 1">
-            <a:extLst>
-              <a:ext uri="{FF2B5EF4-FFF2-40B4-BE49-F238E27FC236}">
-                <a16:creationId xmlns:a16="http://schemas.microsoft.com/office/drawing/2014/main" id="{6A3DCE86-C2BA-4713-9E7A-73589E8D6CCF}"/>
-              </a:ext>
-            </a:extLst>
-          </p:cNvPr>
-          <p:cNvSpPr>
-            <a:spLocks noGrp="1"/>
-          </p:cNvSpPr>
-          <p:nvPr>
-            <p:ph type="ctrTitle"/>
-          </p:nvPr>
-        </p:nvSpPr>
-        <p:spPr>
-          <a:xfrm>
-            <a:off x="1524000" y="497150"/>
-            <a:ext cx="9144000" cy="718459"/>
-          </a:xfrm>
-        </p:spPr>
-        <p:txBody>
-          <a:bodyPr>
-            <a:normAutofit fontScale="90000"/>
-          </a:bodyPr>
-          <a:lstStyle/>
-          <a:p>
-            <a:r>
-              <a:rPr lang="en-PH" b="1" dirty="0"/>
-              <a:t>Singly Linked list</a:t>
-            </a:r>
-          </a:p>
-        </p:txBody>
-      </p:sp>
-      <p:sp>
-        <p:nvSpPr>
-          <p:cNvPr id="4" name="Footer Placeholder 3">
-            <a:extLst>
-              <a:ext uri="{FF2B5EF4-FFF2-40B4-BE49-F238E27FC236}">
-                <a16:creationId xmlns:a16="http://schemas.microsoft.com/office/drawing/2014/main" id="{638E7DE1-45EE-476A-A474-0F3C264AEDA3}"/>
-              </a:ext>
-            </a:extLst>
-          </p:cNvPr>
-          <p:cNvSpPr>
-            <a:spLocks noGrp="1"/>
-          </p:cNvSpPr>
-          <p:nvPr>
-            <p:ph type="ftr" sz="quarter" idx="11"/>
-          </p:nvPr>
-        </p:nvSpPr>
-        <p:spPr>
-          <a:xfrm>
-            <a:off x="0" y="6139541"/>
-            <a:ext cx="12192000" cy="718459"/>
-          </a:xfrm>
-          <a:ln w="28575">
-            <a:solidFill>
-              <a:schemeClr val="accent5">
-                <a:lumMod val="50000"/>
-              </a:schemeClr>
-            </a:solidFill>
-          </a:ln>
-        </p:spPr>
-        <p:txBody>
-          <a:bodyPr/>
-          <a:lstStyle/>
-          <a:p>
-            <a:pPr algn="r"/>
-            <a:r>
-              <a:rPr lang="en-US" b="1" dirty="0">
-                <a:solidFill>
-                  <a:schemeClr val="tx1"/>
-                </a:solidFill>
-              </a:rPr>
-              <a:t>CCDATRCL</a:t>
-            </a:r>
-            <a:endParaRPr lang="en-PH" dirty="0"/>
-          </a:p>
-        </p:txBody>
-      </p:sp>
-      <p:sp>
-        <p:nvSpPr>
-          <p:cNvPr id="8" name="TextBox 7">
-            <a:extLst>
-              <a:ext uri="{FF2B5EF4-FFF2-40B4-BE49-F238E27FC236}">
-                <a16:creationId xmlns:a16="http://schemas.microsoft.com/office/drawing/2014/main" id="{378AED58-7021-7CAD-2BE7-9006D0733B3A}"/>
-              </a:ext>
-            </a:extLst>
-          </p:cNvPr>
-          <p:cNvSpPr txBox="1"/>
-          <p:nvPr/>
-        </p:nvSpPr>
-        <p:spPr>
-          <a:xfrm>
-            <a:off x="933189" y="2050516"/>
-            <a:ext cx="10540652" cy="1015663"/>
-          </a:xfrm>
-          <a:prstGeom prst="rect">
-            <a:avLst/>
-          </a:prstGeom>
-          <a:noFill/>
-        </p:spPr>
-        <p:txBody>
-          <a:bodyPr wrap="square">
-            <a:spAutoFit/>
-          </a:bodyPr>
-          <a:lstStyle/>
-          <a:p>
-            <a:r>
-              <a:rPr lang="en-US" sz="3000" b="0" i="0" dirty="0">
-                <a:effectLst/>
-                <a:latin typeface="+mj-lt"/>
-              </a:rPr>
-              <a:t>It is the most common. </a:t>
-            </a:r>
-            <a:r>
-              <a:rPr lang="en-US" sz="3000" b="1" i="0" dirty="0">
-                <a:effectLst/>
-                <a:latin typeface="+mj-lt"/>
-              </a:rPr>
-              <a:t>Each node has data and a pointer to the next node.</a:t>
-            </a:r>
-            <a:endParaRPr lang="en-PH" sz="3000" b="1" dirty="0">
-              <a:latin typeface="+mj-lt"/>
-            </a:endParaRPr>
-          </a:p>
-        </p:txBody>
-      </p:sp>
-    </p:spTree>
-    <p:extLst>
-      <p:ext uri="{BB962C8B-B14F-4D97-AF65-F5344CB8AC3E}">
-        <p14:creationId xmlns:p14="http://schemas.microsoft.com/office/powerpoint/2010/main" val="3155613431"/>
-      </p:ext>
-    </p:extLst>
-  </p:cSld>
-  <p:clrMapOvr>
-    <a:masterClrMapping/>
-  </p:clrMapOvr>
-</p:sld>
-</file>
-
 <file path=ppt/slides/slide8.xml><?xml version="1.0" encoding="utf-8"?>
 <p:sld xmlns:a="http://schemas.openxmlformats.org/drawingml/2006/main" xmlns:r="http://schemas.openxmlformats.org/officeDocument/2006/relationships" xmlns:p="http://schemas.openxmlformats.org/presentationml/2006/main">
   <p:cSld>
@@ -8877,42 +11062,6 @@
       </p:grpSpPr>
       <p:sp>
         <p:nvSpPr>
-          <p:cNvPr id="2" name="Title 1">
-            <a:extLst>
-              <a:ext uri="{FF2B5EF4-FFF2-40B4-BE49-F238E27FC236}">
-                <a16:creationId xmlns:a16="http://schemas.microsoft.com/office/drawing/2014/main" id="{6A3DCE86-C2BA-4713-9E7A-73589E8D6CCF}"/>
-              </a:ext>
-            </a:extLst>
-          </p:cNvPr>
-          <p:cNvSpPr>
-            <a:spLocks noGrp="1"/>
-          </p:cNvSpPr>
-          <p:nvPr>
-            <p:ph type="ctrTitle"/>
-          </p:nvPr>
-        </p:nvSpPr>
-        <p:spPr>
-          <a:xfrm>
-            <a:off x="1524000" y="497150"/>
-            <a:ext cx="9144000" cy="718459"/>
-          </a:xfrm>
-        </p:spPr>
-        <p:txBody>
-          <a:bodyPr>
-            <a:normAutofit fontScale="90000"/>
-          </a:bodyPr>
-          <a:lstStyle/>
-          <a:p>
-            <a:r>
-              <a:rPr lang="en-PH" b="1" dirty="0"/>
-              <a:t>Singly Linked list</a:t>
-            </a:r>
-            <a:endParaRPr lang="en-PH" dirty="0"/>
-          </a:p>
-        </p:txBody>
-      </p:sp>
-      <p:sp>
-        <p:nvSpPr>
           <p:cNvPr id="4" name="Footer Placeholder 3">
             <a:extLst>
               <a:ext uri="{FF2B5EF4-FFF2-40B4-BE49-F238E27FC236}">
@@ -8959,727 +11108,302 @@
       </p:sp>
       <p:sp>
         <p:nvSpPr>
-          <p:cNvPr id="5" name="TextBox 4">
-            <a:extLst>
-              <a:ext uri="{FF2B5EF4-FFF2-40B4-BE49-F238E27FC236}">
-                <a16:creationId xmlns:a16="http://schemas.microsoft.com/office/drawing/2014/main" id="{15184E04-C970-DC69-1A32-F6ABFA202CA8}"/>
-              </a:ext>
-            </a:extLst>
-          </p:cNvPr>
-          <p:cNvSpPr txBox="1"/>
+          <p:cNvPr id="9" name="Title 1">
+            <a:extLst>
+              <a:ext uri="{FF2B5EF4-FFF2-40B4-BE49-F238E27FC236}">
+                <a16:creationId xmlns:a16="http://schemas.microsoft.com/office/drawing/2014/main" id="{CD60D138-D5EC-182E-6196-404CAFA4A456}"/>
+              </a:ext>
+            </a:extLst>
+          </p:cNvPr>
+          <p:cNvSpPr txBox="1">
+            <a:spLocks/>
+          </p:cNvSpPr>
           <p:nvPr/>
         </p:nvSpPr>
         <p:spPr>
           <a:xfrm>
-            <a:off x="584548" y="4297512"/>
-            <a:ext cx="11022903" cy="1569660"/>
+            <a:off x="459203" y="1283707"/>
+            <a:ext cx="11273589" cy="4290585"/>
           </a:xfrm>
           <a:prstGeom prst="rect">
             <a:avLst/>
           </a:prstGeom>
-          <a:noFill/>
         </p:spPr>
         <p:txBody>
-          <a:bodyPr wrap="square">
-            <a:spAutoFit/>
+          <a:bodyPr vert="horz" lIns="91440" tIns="45720" rIns="91440" bIns="45720" rtlCol="0" anchor="b">
+            <a:normAutofit fontScale="97500"/>
           </a:bodyPr>
-          <a:lstStyle/>
-          <a:p>
-            <a:r>
-              <a:rPr lang="en-US" sz="2400" b="1" i="0" dirty="0">
+          <a:lstStyle>
+            <a:lvl1pPr algn="ctr" defTabSz="914400" rtl="0" eaLnBrk="1" latinLnBrk="0" hangingPunct="1">
+              <a:lnSpc>
+                <a:spcPct val="90000"/>
+              </a:lnSpc>
+              <a:spcBef>
+                <a:spcPct val="0"/>
+              </a:spcBef>
+              <a:buNone/>
+              <a:defRPr sz="6000" kern="1200">
                 <a:solidFill>
-                  <a:srgbClr val="273239"/>
+                  <a:schemeClr val="tx1"/>
                 </a:solidFill>
-                <a:effectLst/>
-                <a:latin typeface="Calibri Light (Headings)"/>
-              </a:rPr>
-              <a:t>Head: </a:t>
-            </a:r>
-            <a:r>
-              <a:rPr lang="en-US" sz="2400" b="0" i="0" dirty="0">
-                <a:solidFill>
-                  <a:srgbClr val="273239"/>
-                </a:solidFill>
-                <a:effectLst/>
-                <a:latin typeface="Calibri Light (Headings)"/>
-              </a:rPr>
-              <a:t>The linked list is accessed through the head node, which points to the first node in the list. </a:t>
-            </a:r>
-          </a:p>
-          <a:p>
-            <a:endParaRPr lang="en-US" sz="2400" b="0" i="0" dirty="0">
+                <a:latin typeface="+mj-lt"/>
+                <a:ea typeface="+mj-ea"/>
+                <a:cs typeface="+mj-cs"/>
+              </a:defRPr>
+            </a:lvl1pPr>
+          </a:lstStyle>
+          <a:p>
+            <a:pPr algn="l"/>
+            <a:endParaRPr lang="en-US" sz="2900" b="1" i="0" dirty="0">
               <a:solidFill>
-                <a:srgbClr val="273239"/>
+                <a:srgbClr val="252C33"/>
               </a:solidFill>
               <a:effectLst/>
               <a:latin typeface="Calibri Light (Headings)"/>
             </a:endParaRPr>
           </a:p>
           <a:p>
-            <a:r>
-              <a:rPr lang="en-US" sz="2400" b="1" i="0" dirty="0">
+            <a:pPr marL="457200" indent="-457200" algn="l">
+              <a:buFont typeface="Wingdings" pitchFamily="2" charset="2"/>
+              <a:buChar char="Ø"/>
+            </a:pPr>
+            <a:endParaRPr lang="en-US" sz="2900" b="1" dirty="0">
+              <a:latin typeface="Calibri Light (Headings)"/>
+            </a:endParaRPr>
+          </a:p>
+          <a:p>
+            <a:pPr marL="457200" indent="-457200" algn="l">
+              <a:buFont typeface="Wingdings" pitchFamily="2" charset="2"/>
+              <a:buChar char="Ø"/>
+            </a:pPr>
+            <a:r>
+              <a:rPr lang="en-US" sz="2900" b="1" dirty="0">
                 <a:solidFill>
-                  <a:srgbClr val="273239"/>
+                  <a:schemeClr val="tx1">
+                    <a:lumMod val="50000"/>
+                    <a:lumOff val="50000"/>
+                  </a:schemeClr>
                 </a:solidFill>
-                <a:effectLst/>
                 <a:latin typeface="Calibri Light (Headings)"/>
               </a:rPr>
-              <a:t>Tail: </a:t>
-            </a:r>
-            <a:r>
-              <a:rPr lang="en-US" sz="2400" b="0" i="0" dirty="0">
+              <a:t>What is a Node?</a:t>
+            </a:r>
+          </a:p>
+          <a:p>
+            <a:pPr marL="457200" indent="-457200" algn="l">
+              <a:buFont typeface="Wingdings" pitchFamily="2" charset="2"/>
+              <a:buChar char="Ø"/>
+            </a:pPr>
+            <a:endParaRPr lang="en-US" sz="2900" b="1" dirty="0">
+              <a:solidFill>
+                <a:schemeClr val="tx1">
+                  <a:lumMod val="50000"/>
+                  <a:lumOff val="50000"/>
+                </a:schemeClr>
+              </a:solidFill>
+              <a:latin typeface="Calibri Light (Headings)"/>
+            </a:endParaRPr>
+          </a:p>
+          <a:p>
+            <a:pPr marL="457200" indent="-457200" algn="l">
+              <a:buFont typeface="Wingdings" pitchFamily="2" charset="2"/>
+              <a:buChar char="Ø"/>
+            </a:pPr>
+            <a:r>
+              <a:rPr lang="en-US" sz="2900" b="1" dirty="0">
                 <a:solidFill>
-                  <a:srgbClr val="273239"/>
+                  <a:schemeClr val="tx1">
+                    <a:lumMod val="50000"/>
+                    <a:lumOff val="50000"/>
+                  </a:schemeClr>
                 </a:solidFill>
-                <a:effectLst/>
                 <a:latin typeface="Calibri Light (Headings)"/>
               </a:rPr>
-              <a:t>The last node in the list points to NULL, indicating the end of the list. </a:t>
-            </a:r>
-            <a:endParaRPr lang="en-PH" sz="2400" dirty="0">
+              <a:t>What is a Linked List?</a:t>
+            </a:r>
+            <a:endParaRPr lang="en-US" sz="2900" b="1" i="0" dirty="0">
+              <a:solidFill>
+                <a:schemeClr val="tx1">
+                  <a:lumMod val="50000"/>
+                  <a:lumOff val="50000"/>
+                </a:schemeClr>
+              </a:solidFill>
+              <a:effectLst/>
               <a:latin typeface="Calibri Light (Headings)"/>
             </a:endParaRPr>
           </a:p>
-        </p:txBody>
-      </p:sp>
-      <p:graphicFrame>
-        <p:nvGraphicFramePr>
-          <p:cNvPr id="6" name="Table 5">
-            <a:extLst>
-              <a:ext uri="{FF2B5EF4-FFF2-40B4-BE49-F238E27FC236}">
-                <a16:creationId xmlns:a16="http://schemas.microsoft.com/office/drawing/2014/main" id="{97A43BC1-223D-14E6-3042-6448CE634015}"/>
-              </a:ext>
-            </a:extLst>
-          </p:cNvPr>
-          <p:cNvGraphicFramePr>
-            <a:graphicFrameLocks noGrp="1"/>
-          </p:cNvGraphicFramePr>
-          <p:nvPr>
-            <p:extLst>
-              <p:ext uri="{D42A27DB-BD31-4B8C-83A1-F6EECF244321}">
-                <p14:modId xmlns:p14="http://schemas.microsoft.com/office/powerpoint/2010/main" val="2757818214"/>
-              </p:ext>
-            </p:extLst>
-          </p:nvPr>
-        </p:nvGraphicFramePr>
-        <p:xfrm>
-          <a:off x="775570" y="2710542"/>
-          <a:ext cx="2481198" cy="1076076"/>
-        </p:xfrm>
-        <a:graphic>
-          <a:graphicData uri="http://schemas.openxmlformats.org/drawingml/2006/table">
-            <a:tbl>
-              <a:tblPr firstRow="1" bandRow="1">
-                <a:tableStyleId>{5C22544A-7EE6-4342-B048-85BDC9FD1C3A}</a:tableStyleId>
-              </a:tblPr>
-              <a:tblGrid>
-                <a:gridCol w="1240599">
-                  <a:extLst>
-                    <a:ext uri="{9D8B030D-6E8A-4147-A177-3AD203B41FA5}">
-                      <a16:colId xmlns:a16="http://schemas.microsoft.com/office/drawing/2014/main" val="307781959"/>
-                    </a:ext>
-                  </a:extLst>
-                </a:gridCol>
-                <a:gridCol w="1240599">
-                  <a:extLst>
-                    <a:ext uri="{9D8B030D-6E8A-4147-A177-3AD203B41FA5}">
-                      <a16:colId xmlns:a16="http://schemas.microsoft.com/office/drawing/2014/main" val="3951014466"/>
-                    </a:ext>
-                  </a:extLst>
-                </a:gridCol>
-              </a:tblGrid>
-              <a:tr h="527436">
-                <a:tc>
-                  <a:txBody>
-                    <a:bodyPr/>
-                    <a:lstStyle/>
-                    <a:p>
-                      <a:pPr algn="l"/>
-                      <a:endParaRPr lang="en-US" sz="1500" b="1" dirty="0"/>
-                    </a:p>
-                    <a:p>
-                      <a:pPr algn="l"/>
-                      <a:r>
-                        <a:rPr lang="en-US" sz="1500" b="1" dirty="0"/>
-                        <a:t>DATA</a:t>
-                      </a:r>
-                      <a:endParaRPr lang="en-PH" sz="1500" b="1" dirty="0"/>
-                    </a:p>
-                  </a:txBody>
-                  <a:tcPr/>
-                </a:tc>
-                <a:tc>
-                  <a:txBody>
-                    <a:bodyPr/>
-                    <a:lstStyle/>
-                    <a:p>
-                      <a:pPr algn="l"/>
-                      <a:endParaRPr lang="en-US" sz="1500" b="1" dirty="0"/>
-                    </a:p>
-                    <a:p>
-                      <a:pPr algn="l"/>
-                      <a:r>
-                        <a:rPr lang="en-US" sz="1500" b="1" dirty="0"/>
-                        <a:t>NEXT</a:t>
-                      </a:r>
-                      <a:endParaRPr lang="en-PH" sz="1500" b="1" dirty="0"/>
-                    </a:p>
-                  </a:txBody>
-                  <a:tcPr>
-                    <a:solidFill>
-                      <a:srgbClr val="00B050"/>
-                    </a:solidFill>
-                  </a:tcPr>
-                </a:tc>
-                <a:extLst>
-                  <a:ext uri="{0D108BD9-81ED-4DB2-BD59-A6C34878D82A}">
-                    <a16:rowId xmlns:a16="http://schemas.microsoft.com/office/drawing/2014/main" val="35935662"/>
-                  </a:ext>
-                </a:extLst>
-              </a:tr>
-              <a:tr h="527436">
-                <a:tc gridSpan="2">
-                  <a:txBody>
-                    <a:bodyPr/>
-                    <a:lstStyle/>
-                    <a:p>
-                      <a:pPr algn="ctr"/>
-                      <a:r>
-                        <a:rPr lang="en-US" sz="1500" b="1" dirty="0"/>
-                        <a:t>Head</a:t>
-                      </a:r>
-                      <a:endParaRPr lang="en-PH" sz="1500" b="1" dirty="0"/>
-                    </a:p>
-                  </a:txBody>
-                  <a:tcPr>
-                    <a:solidFill>
-                      <a:schemeClr val="bg1"/>
-                    </a:solidFill>
-                  </a:tcPr>
-                </a:tc>
-                <a:tc hMerge="1">
-                  <a:txBody>
-                    <a:bodyPr/>
-                    <a:lstStyle/>
-                    <a:p>
-                      <a:pPr algn="l"/>
-                      <a:endParaRPr lang="en-PH" sz="1500" dirty="0"/>
-                    </a:p>
-                  </a:txBody>
-                  <a:tcPr>
-                    <a:solidFill>
-                      <a:srgbClr val="00B050"/>
-                    </a:solidFill>
-                  </a:tcPr>
-                </a:tc>
-                <a:extLst>
-                  <a:ext uri="{0D108BD9-81ED-4DB2-BD59-A6C34878D82A}">
-                    <a16:rowId xmlns:a16="http://schemas.microsoft.com/office/drawing/2014/main" val="1504590453"/>
-                  </a:ext>
-                </a:extLst>
-              </a:tr>
-            </a:tbl>
-          </a:graphicData>
-        </a:graphic>
-      </p:graphicFrame>
-      <p:graphicFrame>
-        <p:nvGraphicFramePr>
-          <p:cNvPr id="7" name="Table 5">
-            <a:extLst>
-              <a:ext uri="{FF2B5EF4-FFF2-40B4-BE49-F238E27FC236}">
-                <a16:creationId xmlns:a16="http://schemas.microsoft.com/office/drawing/2014/main" id="{AD75EA81-4352-DE32-F13A-14AA1CF8F54F}"/>
-              </a:ext>
-            </a:extLst>
-          </p:cNvPr>
-          <p:cNvGraphicFramePr>
-            <a:graphicFrameLocks noGrp="1"/>
-          </p:cNvGraphicFramePr>
-          <p:nvPr>
-            <p:extLst>
-              <p:ext uri="{D42A27DB-BD31-4B8C-83A1-F6EECF244321}">
-                <p14:modId xmlns:p14="http://schemas.microsoft.com/office/powerpoint/2010/main" val="3043416643"/>
-              </p:ext>
-            </p:extLst>
-          </p:nvPr>
-        </p:nvGraphicFramePr>
-        <p:xfrm>
-          <a:off x="4855401" y="2721725"/>
-          <a:ext cx="2481198" cy="1076076"/>
-        </p:xfrm>
-        <a:graphic>
-          <a:graphicData uri="http://schemas.openxmlformats.org/drawingml/2006/table">
-            <a:tbl>
-              <a:tblPr firstRow="1" bandRow="1">
-                <a:tableStyleId>{5C22544A-7EE6-4342-B048-85BDC9FD1C3A}</a:tableStyleId>
-              </a:tblPr>
-              <a:tblGrid>
-                <a:gridCol w="1240599">
-                  <a:extLst>
-                    <a:ext uri="{9D8B030D-6E8A-4147-A177-3AD203B41FA5}">
-                      <a16:colId xmlns:a16="http://schemas.microsoft.com/office/drawing/2014/main" val="307781959"/>
-                    </a:ext>
-                  </a:extLst>
-                </a:gridCol>
-                <a:gridCol w="1240599">
-                  <a:extLst>
-                    <a:ext uri="{9D8B030D-6E8A-4147-A177-3AD203B41FA5}">
-                      <a16:colId xmlns:a16="http://schemas.microsoft.com/office/drawing/2014/main" val="3951014466"/>
-                    </a:ext>
-                  </a:extLst>
-                </a:gridCol>
-              </a:tblGrid>
-              <a:tr h="527436">
-                <a:tc>
-                  <a:txBody>
-                    <a:bodyPr/>
-                    <a:lstStyle/>
-                    <a:p>
-                      <a:pPr algn="l"/>
-                      <a:endParaRPr lang="en-US" sz="1500" dirty="0"/>
-                    </a:p>
-                    <a:p>
-                      <a:pPr algn="l"/>
-                      <a:r>
-                        <a:rPr lang="en-US" sz="1500" dirty="0"/>
-                        <a:t>DATA</a:t>
-                      </a:r>
-                      <a:endParaRPr lang="en-PH" sz="1500" dirty="0"/>
-                    </a:p>
-                  </a:txBody>
-                  <a:tcPr/>
-                </a:tc>
-                <a:tc>
-                  <a:txBody>
-                    <a:bodyPr/>
-                    <a:lstStyle/>
-                    <a:p>
-                      <a:pPr algn="l"/>
-                      <a:endParaRPr lang="en-US" sz="1500" dirty="0"/>
-                    </a:p>
-                    <a:p>
-                      <a:pPr algn="l"/>
-                      <a:r>
-                        <a:rPr lang="en-US" sz="1500" dirty="0"/>
-                        <a:t>NEXT</a:t>
-                      </a:r>
-                      <a:endParaRPr lang="en-PH" sz="1500" dirty="0"/>
-                    </a:p>
-                  </a:txBody>
-                  <a:tcPr>
-                    <a:solidFill>
-                      <a:srgbClr val="00B050"/>
-                    </a:solidFill>
-                  </a:tcPr>
-                </a:tc>
-                <a:extLst>
-                  <a:ext uri="{0D108BD9-81ED-4DB2-BD59-A6C34878D82A}">
-                    <a16:rowId xmlns:a16="http://schemas.microsoft.com/office/drawing/2014/main" val="35935662"/>
-                  </a:ext>
-                </a:extLst>
-              </a:tr>
-              <a:tr h="527436">
-                <a:tc gridSpan="2">
-                  <a:txBody>
-                    <a:bodyPr/>
-                    <a:lstStyle/>
-                    <a:p>
-                      <a:pPr algn="l"/>
-                      <a:endParaRPr lang="en-PH" sz="1500" dirty="0"/>
-                    </a:p>
-                  </a:txBody>
-                  <a:tcPr>
-                    <a:solidFill>
-                      <a:schemeClr val="bg1"/>
-                    </a:solidFill>
-                  </a:tcPr>
-                </a:tc>
-                <a:tc hMerge="1">
-                  <a:txBody>
-                    <a:bodyPr/>
-                    <a:lstStyle/>
-                    <a:p>
-                      <a:pPr algn="l"/>
-                      <a:endParaRPr lang="en-PH" sz="1500" dirty="0"/>
-                    </a:p>
-                  </a:txBody>
-                  <a:tcPr>
-                    <a:solidFill>
-                      <a:srgbClr val="00B050"/>
-                    </a:solidFill>
-                  </a:tcPr>
-                </a:tc>
-                <a:extLst>
-                  <a:ext uri="{0D108BD9-81ED-4DB2-BD59-A6C34878D82A}">
-                    <a16:rowId xmlns:a16="http://schemas.microsoft.com/office/drawing/2014/main" val="191432354"/>
-                  </a:ext>
-                </a:extLst>
-              </a:tr>
-            </a:tbl>
-          </a:graphicData>
-        </a:graphic>
-      </p:graphicFrame>
-      <p:graphicFrame>
-        <p:nvGraphicFramePr>
-          <p:cNvPr id="8" name="Table 7">
-            <a:extLst>
-              <a:ext uri="{FF2B5EF4-FFF2-40B4-BE49-F238E27FC236}">
-                <a16:creationId xmlns:a16="http://schemas.microsoft.com/office/drawing/2014/main" id="{5AE85E5F-0B30-2552-5027-D676A37AF931}"/>
-              </a:ext>
-            </a:extLst>
-          </p:cNvPr>
-          <p:cNvGraphicFramePr>
-            <a:graphicFrameLocks noGrp="1"/>
-          </p:cNvGraphicFramePr>
-          <p:nvPr>
-            <p:extLst>
-              <p:ext uri="{D42A27DB-BD31-4B8C-83A1-F6EECF244321}">
-                <p14:modId xmlns:p14="http://schemas.microsoft.com/office/powerpoint/2010/main" val="548609556"/>
-              </p:ext>
-            </p:extLst>
-          </p:nvPr>
-        </p:nvGraphicFramePr>
-        <p:xfrm>
-          <a:off x="8769263" y="2710542"/>
-          <a:ext cx="2481198" cy="1076076"/>
-        </p:xfrm>
-        <a:graphic>
-          <a:graphicData uri="http://schemas.openxmlformats.org/drawingml/2006/table">
-            <a:tbl>
-              <a:tblPr firstRow="1" bandRow="1">
-                <a:tableStyleId>{5C22544A-7EE6-4342-B048-85BDC9FD1C3A}</a:tableStyleId>
-              </a:tblPr>
-              <a:tblGrid>
-                <a:gridCol w="1240599">
-                  <a:extLst>
-                    <a:ext uri="{9D8B030D-6E8A-4147-A177-3AD203B41FA5}">
-                      <a16:colId xmlns:a16="http://schemas.microsoft.com/office/drawing/2014/main" val="307781959"/>
-                    </a:ext>
-                  </a:extLst>
-                </a:gridCol>
-                <a:gridCol w="1240599">
-                  <a:extLst>
-                    <a:ext uri="{9D8B030D-6E8A-4147-A177-3AD203B41FA5}">
-                      <a16:colId xmlns:a16="http://schemas.microsoft.com/office/drawing/2014/main" val="3951014466"/>
-                    </a:ext>
-                  </a:extLst>
-                </a:gridCol>
-              </a:tblGrid>
-              <a:tr h="527436">
-                <a:tc>
-                  <a:txBody>
-                    <a:bodyPr/>
-                    <a:lstStyle/>
-                    <a:p>
-                      <a:pPr algn="l"/>
-                      <a:endParaRPr lang="en-US" sz="1500" b="1" dirty="0"/>
-                    </a:p>
-                    <a:p>
-                      <a:pPr algn="l"/>
-                      <a:r>
-                        <a:rPr lang="en-US" sz="1500" b="1" dirty="0"/>
-                        <a:t>DATA</a:t>
-                      </a:r>
-                      <a:endParaRPr lang="en-PH" sz="1500" b="1" dirty="0"/>
-                    </a:p>
-                  </a:txBody>
-                  <a:tcPr/>
-                </a:tc>
-                <a:tc>
-                  <a:txBody>
-                    <a:bodyPr/>
-                    <a:lstStyle/>
-                    <a:p>
-                      <a:pPr algn="l"/>
-                      <a:endParaRPr lang="en-US" sz="1500" b="1" dirty="0"/>
-                    </a:p>
-                    <a:p>
-                      <a:pPr algn="l"/>
-                      <a:r>
-                        <a:rPr lang="en-US" sz="1500" b="1" dirty="0"/>
-                        <a:t>NEXT</a:t>
-                      </a:r>
-                      <a:endParaRPr lang="en-PH" sz="1500" b="1" dirty="0"/>
-                    </a:p>
-                  </a:txBody>
-                  <a:tcPr>
-                    <a:solidFill>
-                      <a:srgbClr val="00B050"/>
-                    </a:solidFill>
-                  </a:tcPr>
-                </a:tc>
-                <a:extLst>
-                  <a:ext uri="{0D108BD9-81ED-4DB2-BD59-A6C34878D82A}">
-                    <a16:rowId xmlns:a16="http://schemas.microsoft.com/office/drawing/2014/main" val="35935662"/>
-                  </a:ext>
-                </a:extLst>
-              </a:tr>
-              <a:tr h="527436">
-                <a:tc gridSpan="2">
-                  <a:txBody>
-                    <a:bodyPr/>
-                    <a:lstStyle/>
-                    <a:p>
-                      <a:pPr algn="ctr"/>
-                      <a:r>
-                        <a:rPr lang="en-US" sz="1500" b="1" dirty="0"/>
-                        <a:t>Tail</a:t>
-                      </a:r>
-                      <a:endParaRPr lang="en-PH" sz="1500" b="1" dirty="0"/>
-                    </a:p>
-                  </a:txBody>
-                  <a:tcPr>
-                    <a:solidFill>
-                      <a:schemeClr val="bg1"/>
-                    </a:solidFill>
-                  </a:tcPr>
-                </a:tc>
-                <a:tc hMerge="1">
-                  <a:txBody>
-                    <a:bodyPr/>
-                    <a:lstStyle/>
-                    <a:p>
-                      <a:pPr algn="l"/>
-                      <a:endParaRPr lang="en-PH" sz="1500" dirty="0"/>
-                    </a:p>
-                  </a:txBody>
-                  <a:tcPr>
-                    <a:solidFill>
-                      <a:srgbClr val="00B050"/>
-                    </a:solidFill>
-                  </a:tcPr>
-                </a:tc>
-                <a:extLst>
-                  <a:ext uri="{0D108BD9-81ED-4DB2-BD59-A6C34878D82A}">
-                    <a16:rowId xmlns:a16="http://schemas.microsoft.com/office/drawing/2014/main" val="2177093656"/>
-                  </a:ext>
-                </a:extLst>
-              </a:tr>
-            </a:tbl>
-          </a:graphicData>
-        </a:graphic>
-      </p:graphicFrame>
-      <p:sp>
-        <p:nvSpPr>
-          <p:cNvPr id="3" name="Arrow: Right 2">
-            <a:extLst>
-              <a:ext uri="{FF2B5EF4-FFF2-40B4-BE49-F238E27FC236}">
-                <a16:creationId xmlns:a16="http://schemas.microsoft.com/office/drawing/2014/main" id="{D1216DA4-8284-D0DF-3B87-46A97C38867C}"/>
-              </a:ext>
-            </a:extLst>
-          </p:cNvPr>
-          <p:cNvSpPr/>
+          <a:p>
+            <a:pPr algn="l"/>
+            <a:endParaRPr lang="en-US" sz="2900" b="1" i="0" dirty="0">
+              <a:solidFill>
+                <a:srgbClr val="252C33"/>
+              </a:solidFill>
+              <a:effectLst/>
+              <a:latin typeface="Calibri Light (Headings)"/>
+            </a:endParaRPr>
+          </a:p>
+          <a:p>
+            <a:pPr marL="457200" indent="-457200" algn="l">
+              <a:buFont typeface="Wingdings" pitchFamily="2" charset="2"/>
+              <a:buChar char="Ø"/>
+            </a:pPr>
+            <a:r>
+              <a:rPr lang="en-US" sz="2900" b="1" dirty="0">
+                <a:latin typeface="Calibri Light (Headings)"/>
+              </a:rPr>
+              <a:t>Types of Linked List</a:t>
+            </a:r>
+          </a:p>
+          <a:p>
+            <a:pPr marL="457200" indent="-457200" algn="l">
+              <a:buFont typeface="Wingdings" pitchFamily="2" charset="2"/>
+              <a:buChar char="Ø"/>
+            </a:pPr>
+            <a:endParaRPr lang="en-US" sz="2900" b="1" dirty="0">
+              <a:solidFill>
+                <a:schemeClr val="tx1">
+                  <a:lumMod val="50000"/>
+                  <a:lumOff val="50000"/>
+                </a:schemeClr>
+              </a:solidFill>
+              <a:latin typeface="Calibri Light (Headings)"/>
+            </a:endParaRPr>
+          </a:p>
+          <a:p>
+            <a:pPr marL="457200" indent="-457200" algn="l">
+              <a:buFont typeface="Wingdings" pitchFamily="2" charset="2"/>
+              <a:buChar char="Ø"/>
+            </a:pPr>
+            <a:endParaRPr lang="en-US" sz="2900" b="1" dirty="0">
+              <a:solidFill>
+                <a:schemeClr val="tx1">
+                  <a:lumMod val="50000"/>
+                  <a:lumOff val="50000"/>
+                </a:schemeClr>
+              </a:solidFill>
+              <a:latin typeface="Calibri Light (Headings)"/>
+            </a:endParaRPr>
+          </a:p>
+          <a:p>
+            <a:pPr marL="457200" indent="-457200" algn="l">
+              <a:buFont typeface="Wingdings" pitchFamily="2" charset="2"/>
+              <a:buChar char="Ø"/>
+            </a:pPr>
+            <a:endParaRPr lang="en-US" sz="2900" b="1" dirty="0">
+              <a:solidFill>
+                <a:schemeClr val="tx1">
+                  <a:lumMod val="50000"/>
+                  <a:lumOff val="50000"/>
+                </a:schemeClr>
+              </a:solidFill>
+              <a:latin typeface="Calibri Light (Headings)"/>
+            </a:endParaRPr>
+          </a:p>
+          <a:p>
+            <a:pPr marL="457200" indent="-457200" algn="l">
+              <a:buFont typeface="Wingdings" pitchFamily="2" charset="2"/>
+              <a:buChar char="Ø"/>
+            </a:pPr>
+            <a:endParaRPr lang="en-US" sz="2900" b="1" dirty="0">
+              <a:solidFill>
+                <a:schemeClr val="tx1">
+                  <a:lumMod val="50000"/>
+                  <a:lumOff val="50000"/>
+                </a:schemeClr>
+              </a:solidFill>
+              <a:latin typeface="Calibri Light (Headings)"/>
+            </a:endParaRPr>
+          </a:p>
+        </p:txBody>
+      </p:sp>
+      <p:pic>
+        <p:nvPicPr>
+          <p:cNvPr id="2" name="Graphic 1" descr="Checkmark with solid fill">
+            <a:extLst>
+              <a:ext uri="{FF2B5EF4-FFF2-40B4-BE49-F238E27FC236}">
+                <a16:creationId xmlns:a16="http://schemas.microsoft.com/office/drawing/2014/main" id="{E20B23CF-7127-DED6-E194-D91E09DC745E}"/>
+              </a:ext>
+            </a:extLst>
+          </p:cNvPr>
+          <p:cNvPicPr>
+            <a:picLocks noChangeAspect="1"/>
+          </p:cNvPicPr>
           <p:nvPr/>
-        </p:nvSpPr>
+        </p:nvPicPr>
+        <p:blipFill>
+          <a:blip r:embed="rId4">
+            <a:extLst>
+              <a:ext uri="{28A0092B-C50C-407E-A947-70E740481C1C}">
+                <a14:useLocalDpi xmlns:a14="http://schemas.microsoft.com/office/drawing/2010/main" val="0"/>
+              </a:ext>
+              <a:ext uri="{96DAC541-7B7A-43D3-8B79-37D633B846F1}">
+                <asvg:svgBlip xmlns:asvg="http://schemas.microsoft.com/office/drawing/2016/SVG/main" r:embed="rId5"/>
+              </a:ext>
+            </a:extLst>
+          </a:blip>
+          <a:stretch>
+            <a:fillRect/>
+          </a:stretch>
+        </p:blipFill>
         <p:spPr>
           <a:xfrm>
-            <a:off x="7443200" y="2837761"/>
-            <a:ext cx="1219461" cy="410819"/>
+            <a:off x="3592754" y="1869509"/>
+            <a:ext cx="597907" cy="597907"/>
           </a:xfrm>
-          <a:prstGeom prst="rightArrow">
+          <a:prstGeom prst="rect">
             <a:avLst/>
           </a:prstGeom>
         </p:spPr>
-        <p:style>
-          <a:lnRef idx="3">
-            <a:schemeClr val="lt1"/>
-          </a:lnRef>
-          <a:fillRef idx="1">
-            <a:schemeClr val="accent6"/>
-          </a:fillRef>
-          <a:effectRef idx="1">
-            <a:schemeClr val="accent6"/>
-          </a:effectRef>
-          <a:fontRef idx="minor">
-            <a:schemeClr val="lt1"/>
-          </a:fontRef>
-        </p:style>
-        <p:txBody>
-          <a:bodyPr rtlCol="0" anchor="ctr"/>
-          <a:lstStyle/>
-          <a:p>
-            <a:pPr algn="ctr"/>
-            <a:endParaRPr lang="en-PH"/>
-          </a:p>
-        </p:txBody>
-      </p:sp>
-      <p:sp>
-        <p:nvSpPr>
-          <p:cNvPr id="13" name="Arrow: Right 12">
-            <a:extLst>
-              <a:ext uri="{FF2B5EF4-FFF2-40B4-BE49-F238E27FC236}">
-                <a16:creationId xmlns:a16="http://schemas.microsoft.com/office/drawing/2014/main" id="{3BE481F8-E53F-BAD6-EA3A-BDA1734DCF5E}"/>
-              </a:ext>
-            </a:extLst>
-          </p:cNvPr>
-          <p:cNvSpPr/>
+      </p:pic>
+      <p:pic>
+        <p:nvPicPr>
+          <p:cNvPr id="5" name="Graphic 4" descr="Checkmark with solid fill">
+            <a:extLst>
+              <a:ext uri="{FF2B5EF4-FFF2-40B4-BE49-F238E27FC236}">
+                <a16:creationId xmlns:a16="http://schemas.microsoft.com/office/drawing/2014/main" id="{8BC21D9A-E38F-8112-B94D-ED60D666BE5E}"/>
+              </a:ext>
+            </a:extLst>
+          </p:cNvPr>
+          <p:cNvPicPr>
+            <a:picLocks noChangeAspect="1"/>
+          </p:cNvPicPr>
           <p:nvPr/>
-        </p:nvSpPr>
+        </p:nvPicPr>
+        <p:blipFill>
+          <a:blip r:embed="rId4">
+            <a:extLst>
+              <a:ext uri="{28A0092B-C50C-407E-A947-70E740481C1C}">
+                <a14:useLocalDpi xmlns:a14="http://schemas.microsoft.com/office/drawing/2010/main" val="0"/>
+              </a:ext>
+              <a:ext uri="{96DAC541-7B7A-43D3-8B79-37D633B846F1}">
+                <asvg:svgBlip xmlns:asvg="http://schemas.microsoft.com/office/drawing/2016/SVG/main" r:embed="rId5"/>
+              </a:ext>
+            </a:extLst>
+          </a:blip>
+          <a:stretch>
+            <a:fillRect/>
+          </a:stretch>
+        </p:blipFill>
         <p:spPr>
           <a:xfrm>
-            <a:off x="3519713" y="2793099"/>
-            <a:ext cx="1219461" cy="410819"/>
+            <a:off x="4354754" y="2633179"/>
+            <a:ext cx="597907" cy="597907"/>
           </a:xfrm>
-          <a:prstGeom prst="rightArrow">
+          <a:prstGeom prst="rect">
             <a:avLst/>
           </a:prstGeom>
         </p:spPr>
-        <p:style>
-          <a:lnRef idx="3">
-            <a:schemeClr val="lt1"/>
-          </a:lnRef>
-          <a:fillRef idx="1">
-            <a:schemeClr val="accent6"/>
-          </a:fillRef>
-          <a:effectRef idx="1">
-            <a:schemeClr val="accent6"/>
-          </a:effectRef>
-          <a:fontRef idx="minor">
-            <a:schemeClr val="lt1"/>
-          </a:fontRef>
-        </p:style>
-        <p:txBody>
-          <a:bodyPr rtlCol="0" anchor="ctr"/>
-          <a:lstStyle/>
-          <a:p>
-            <a:pPr algn="ctr"/>
-            <a:endParaRPr lang="en-PH"/>
-          </a:p>
-        </p:txBody>
-      </p:sp>
+      </p:pic>
     </p:spTree>
     <p:extLst>
       <p:ext uri="{BB962C8B-B14F-4D97-AF65-F5344CB8AC3E}">
-        <p14:creationId xmlns:p14="http://schemas.microsoft.com/office/powerpoint/2010/main" val="4252616872"/>
+        <p14:creationId xmlns:p14="http://schemas.microsoft.com/office/powerpoint/2010/main" val="4018193111"/>
       </p:ext>
     </p:extLst>
   </p:cSld>
   <p:clrMapOvr>
     <a:masterClrMapping/>
   </p:clrMapOvr>
-  <p:timing>
-    <p:tnLst>
-      <p:par>
-        <p:cTn id="1" dur="indefinite" restart="never" nodeType="tmRoot">
-          <p:childTnLst>
-            <p:seq concurrent="1" nextAc="seek">
-              <p:cTn id="2" dur="indefinite" nodeType="mainSeq">
-                <p:childTnLst>
-                  <p:par>
-                    <p:cTn id="3" fill="hold">
-                      <p:stCondLst>
-                        <p:cond delay="indefinite"/>
-                      </p:stCondLst>
-                      <p:childTnLst>
-                        <p:par>
-                          <p:cTn id="4" fill="hold">
-                            <p:stCondLst>
-                              <p:cond delay="0"/>
-                            </p:stCondLst>
-                            <p:childTnLst>
-                              <p:par>
-                                <p:cTn id="5" presetID="2" presetClass="entr" presetSubtype="4" fill="hold" grpId="0" nodeType="clickEffect">
-                                  <p:stCondLst>
-                                    <p:cond delay="0"/>
-                                  </p:stCondLst>
-                                  <p:childTnLst>
-                                    <p:set>
-                                      <p:cBhvr>
-                                        <p:cTn id="6" dur="1" fill="hold">
-                                          <p:stCondLst>
-                                            <p:cond delay="0"/>
-                                          </p:stCondLst>
-                                        </p:cTn>
-                                        <p:tgtEl>
-                                          <p:spTgt spid="5"/>
-                                        </p:tgtEl>
-                                        <p:attrNameLst>
-                                          <p:attrName>style.visibility</p:attrName>
-                                        </p:attrNameLst>
-                                      </p:cBhvr>
-                                      <p:to>
-                                        <p:strVal val="visible"/>
-                                      </p:to>
-                                    </p:set>
-                                    <p:anim calcmode="lin" valueType="num">
-                                      <p:cBhvr additive="base">
-                                        <p:cTn id="7" dur="500" fill="hold"/>
-                                        <p:tgtEl>
-                                          <p:spTgt spid="5"/>
-                                        </p:tgtEl>
-                                        <p:attrNameLst>
-                                          <p:attrName>ppt_x</p:attrName>
-                                        </p:attrNameLst>
-                                      </p:cBhvr>
-                                      <p:tavLst>
-                                        <p:tav tm="0">
-                                          <p:val>
-                                            <p:strVal val="#ppt_x"/>
-                                          </p:val>
-                                        </p:tav>
-                                        <p:tav tm="100000">
-                                          <p:val>
-                                            <p:strVal val="#ppt_x"/>
-                                          </p:val>
-                                        </p:tav>
-                                      </p:tavLst>
-                                    </p:anim>
-                                    <p:anim calcmode="lin" valueType="num">
-                                      <p:cBhvr additive="base">
-                                        <p:cTn id="8" dur="500" fill="hold"/>
-                                        <p:tgtEl>
-                                          <p:spTgt spid="5"/>
-                                        </p:tgtEl>
-                                        <p:attrNameLst>
-                                          <p:attrName>ppt_y</p:attrName>
-                                        </p:attrNameLst>
-                                      </p:cBhvr>
-                                      <p:tavLst>
-                                        <p:tav tm="0">
-                                          <p:val>
-                                            <p:strVal val="1+#ppt_h/2"/>
-                                          </p:val>
-                                        </p:tav>
-                                        <p:tav tm="100000">
-                                          <p:val>
-                                            <p:strVal val="#ppt_y"/>
-                                          </p:val>
-                                        </p:tav>
-                                      </p:tavLst>
-                                    </p:anim>
-                                  </p:childTnLst>
-                                </p:cTn>
-                              </p:par>
-                            </p:childTnLst>
-                          </p:cTn>
-                        </p:par>
-                      </p:childTnLst>
-                    </p:cTn>
-                  </p:par>
-                </p:childTnLst>
-              </p:cTn>
-              <p:prevCondLst>
-                <p:cond evt="onPrev" delay="0">
-                  <p:tgtEl>
-                    <p:sldTgt/>
-                  </p:tgtEl>
-                </p:cond>
-              </p:prevCondLst>
-              <p:nextCondLst>
-                <p:cond evt="onNext" delay="0">
-                  <p:tgtEl>
-                    <p:sldTgt/>
-                  </p:tgtEl>
-                </p:cond>
-              </p:nextCondLst>
-            </p:seq>
-          </p:childTnLst>
-        </p:cTn>
-      </p:par>
-    </p:tnLst>
-    <p:bldLst>
-      <p:bldP spid="5" grpId="0"/>
-    </p:bldLst>
-  </p:timing>
 </p:sld>
 </file>
 
@@ -9689,7 +11413,7 @@
     <p:bg>
       <p:bgPr>
         <a:blipFill dpi="0" rotWithShape="1">
-          <a:blip r:embed="rId2">
+          <a:blip r:embed="rId3">
             <a:alphaModFix amt="99000"/>
             <a:lum/>
           </a:blip>
@@ -9745,9 +11469,8 @@
           <a:p>
             <a:r>
               <a:rPr lang="en-PH" b="1" dirty="0"/>
-              <a:t>Doubly Linked list</a:t>
-            </a:r>
-            <a:endParaRPr lang="en-US" sz="6000" dirty="0"/>
+              <a:t>Types of Linked list</a:t>
+            </a:r>
           </a:p>
         </p:txBody>
       </p:sp>
@@ -9799,361 +11522,135 @@
       </p:sp>
       <p:sp>
         <p:nvSpPr>
-          <p:cNvPr id="7" name="TextBox 6">
-            <a:extLst>
-              <a:ext uri="{FF2B5EF4-FFF2-40B4-BE49-F238E27FC236}">
-                <a16:creationId xmlns:a16="http://schemas.microsoft.com/office/drawing/2014/main" id="{D54E105D-906A-4103-5A00-F1EB81D8A341}"/>
-              </a:ext>
-            </a:extLst>
-          </p:cNvPr>
-          <p:cNvSpPr txBox="1"/>
+          <p:cNvPr id="5" name="Title 1">
+            <a:extLst>
+              <a:ext uri="{FF2B5EF4-FFF2-40B4-BE49-F238E27FC236}">
+                <a16:creationId xmlns:a16="http://schemas.microsoft.com/office/drawing/2014/main" id="{3444037F-B658-D82C-5DCA-53E8AA1493D7}"/>
+              </a:ext>
+            </a:extLst>
+          </p:cNvPr>
+          <p:cNvSpPr txBox="1">
+            <a:spLocks/>
+          </p:cNvSpPr>
           <p:nvPr/>
         </p:nvSpPr>
         <p:spPr>
           <a:xfrm>
-            <a:off x="977029" y="1787470"/>
-            <a:ext cx="10778647" cy="1015663"/>
+            <a:off x="1524000" y="1516449"/>
+            <a:ext cx="9144000" cy="4290585"/>
           </a:xfrm>
           <a:prstGeom prst="rect">
             <a:avLst/>
           </a:prstGeom>
-          <a:noFill/>
         </p:spPr>
         <p:txBody>
-          <a:bodyPr wrap="square">
-            <a:spAutoFit/>
+          <a:bodyPr vert="horz" lIns="91440" tIns="45720" rIns="91440" bIns="45720" rtlCol="0" anchor="b">
+            <a:normAutofit fontScale="97500"/>
           </a:bodyPr>
-          <a:lstStyle/>
-          <a:p>
-            <a:r>
-              <a:rPr lang="en-US" sz="3000" dirty="0">
+          <a:lstStyle>
+            <a:lvl1pPr algn="ctr" defTabSz="914400" rtl="0" eaLnBrk="1" latinLnBrk="0" hangingPunct="1">
+              <a:lnSpc>
+                <a:spcPct val="90000"/>
+              </a:lnSpc>
+              <a:spcBef>
+                <a:spcPct val="0"/>
+              </a:spcBef>
+              <a:buNone/>
+              <a:defRPr sz="6000" kern="1200">
+                <a:solidFill>
+                  <a:schemeClr val="tx1"/>
+                </a:solidFill>
                 <a:latin typeface="+mj-lt"/>
-              </a:rPr>
-              <a:t>A doubly linked list </a:t>
-            </a:r>
-            <a:r>
-              <a:rPr lang="en-US" sz="3000" b="1" dirty="0">
-                <a:latin typeface="+mj-lt"/>
-              </a:rPr>
-              <a:t>stores the</a:t>
-            </a:r>
-            <a:r>
-              <a:rPr lang="en-US" sz="3000" b="1" i="0" dirty="0">
-                <a:effectLst/>
-                <a:latin typeface="+mj-lt"/>
-              </a:rPr>
-              <a:t> previous node and the next node</a:t>
-            </a:r>
-            <a:r>
-              <a:rPr lang="en-US" sz="3000" b="0" i="0" dirty="0">
-                <a:effectLst/>
-                <a:latin typeface="+mj-lt"/>
-              </a:rPr>
-              <a:t>. Thus, we can go in either direction: forward or backward.</a:t>
-            </a:r>
-            <a:endParaRPr lang="en-PH" sz="3000" dirty="0">
-              <a:latin typeface="+mj-lt"/>
-            </a:endParaRPr>
-          </a:p>
-        </p:txBody>
-      </p:sp>
-      <p:graphicFrame>
-        <p:nvGraphicFramePr>
-          <p:cNvPr id="3" name="Table 2">
-            <a:extLst>
-              <a:ext uri="{FF2B5EF4-FFF2-40B4-BE49-F238E27FC236}">
-                <a16:creationId xmlns:a16="http://schemas.microsoft.com/office/drawing/2014/main" id="{C5B0B7DF-52CB-062A-EF0F-3F3A7AEBBE45}"/>
-              </a:ext>
-            </a:extLst>
-          </p:cNvPr>
-          <p:cNvGraphicFramePr>
-            <a:graphicFrameLocks noGrp="1"/>
-          </p:cNvGraphicFramePr>
-          <p:nvPr>
-            <p:extLst>
-              <p:ext uri="{D42A27DB-BD31-4B8C-83A1-F6EECF244321}">
-                <p14:modId xmlns:p14="http://schemas.microsoft.com/office/powerpoint/2010/main" val="1769671144"/>
-              </p:ext>
-            </p:extLst>
-          </p:nvPr>
-        </p:nvGraphicFramePr>
-        <p:xfrm>
-          <a:off x="4443434" y="3648377"/>
-          <a:ext cx="2481198" cy="548640"/>
-        </p:xfrm>
-        <a:graphic>
-          <a:graphicData uri="http://schemas.openxmlformats.org/drawingml/2006/table">
-            <a:tbl>
-              <a:tblPr firstRow="1" bandRow="1">
-                <a:tableStyleId>{5C22544A-7EE6-4342-B048-85BDC9FD1C3A}</a:tableStyleId>
-              </a:tblPr>
-              <a:tblGrid>
-                <a:gridCol w="827066">
-                  <a:extLst>
-                    <a:ext uri="{9D8B030D-6E8A-4147-A177-3AD203B41FA5}">
-                      <a16:colId xmlns:a16="http://schemas.microsoft.com/office/drawing/2014/main" val="2151270615"/>
-                    </a:ext>
-                  </a:extLst>
-                </a:gridCol>
-                <a:gridCol w="827066">
-                  <a:extLst>
-                    <a:ext uri="{9D8B030D-6E8A-4147-A177-3AD203B41FA5}">
-                      <a16:colId xmlns:a16="http://schemas.microsoft.com/office/drawing/2014/main" val="307781959"/>
-                    </a:ext>
-                  </a:extLst>
-                </a:gridCol>
-                <a:gridCol w="827066">
-                  <a:extLst>
-                    <a:ext uri="{9D8B030D-6E8A-4147-A177-3AD203B41FA5}">
-                      <a16:colId xmlns:a16="http://schemas.microsoft.com/office/drawing/2014/main" val="3951014466"/>
-                    </a:ext>
-                  </a:extLst>
-                </a:gridCol>
-              </a:tblGrid>
-              <a:tr h="527436">
-                <a:tc>
-                  <a:txBody>
-                    <a:bodyPr/>
-                    <a:lstStyle/>
-                    <a:p>
-                      <a:pPr algn="l"/>
-                      <a:endParaRPr lang="en-US" sz="1500" dirty="0"/>
-                    </a:p>
-                    <a:p>
-                      <a:pPr algn="l"/>
-                      <a:r>
-                        <a:rPr lang="en-US" sz="1500" dirty="0"/>
-                        <a:t>PREV</a:t>
-                      </a:r>
-                      <a:endParaRPr lang="en-PH" sz="1500" dirty="0"/>
-                    </a:p>
-                  </a:txBody>
-                  <a:tcPr>
-                    <a:solidFill>
-                      <a:srgbClr val="7030A0"/>
-                    </a:solidFill>
-                  </a:tcPr>
-                </a:tc>
-                <a:tc>
-                  <a:txBody>
-                    <a:bodyPr/>
-                    <a:lstStyle/>
-                    <a:p>
-                      <a:pPr algn="l"/>
-                      <a:endParaRPr lang="en-US" sz="1500" dirty="0"/>
-                    </a:p>
-                    <a:p>
-                      <a:pPr algn="l"/>
-                      <a:r>
-                        <a:rPr lang="en-US" sz="1500" dirty="0"/>
-                        <a:t>DATA</a:t>
-                      </a:r>
-                      <a:endParaRPr lang="en-PH" sz="1500" dirty="0"/>
-                    </a:p>
-                  </a:txBody>
-                  <a:tcPr/>
-                </a:tc>
-                <a:tc>
-                  <a:txBody>
-                    <a:bodyPr/>
-                    <a:lstStyle/>
-                    <a:p>
-                      <a:pPr algn="l"/>
-                      <a:endParaRPr lang="en-US" sz="1500" dirty="0"/>
-                    </a:p>
-                    <a:p>
-                      <a:pPr algn="l"/>
-                      <a:r>
-                        <a:rPr lang="en-US" sz="1500" dirty="0"/>
-                        <a:t>NEXT</a:t>
-                      </a:r>
-                      <a:endParaRPr lang="en-PH" sz="1500" dirty="0"/>
-                    </a:p>
-                  </a:txBody>
-                  <a:tcPr>
-                    <a:solidFill>
-                      <a:srgbClr val="00B050"/>
-                    </a:solidFill>
-                  </a:tcPr>
-                </a:tc>
-                <a:extLst>
-                  <a:ext uri="{0D108BD9-81ED-4DB2-BD59-A6C34878D82A}">
-                    <a16:rowId xmlns:a16="http://schemas.microsoft.com/office/drawing/2014/main" val="35935662"/>
-                  </a:ext>
-                </a:extLst>
-              </a:tr>
-            </a:tbl>
-          </a:graphicData>
-        </a:graphic>
-      </p:graphicFrame>
-      <p:cxnSp>
-        <p:nvCxnSpPr>
-          <p:cNvPr id="6" name="Straight Arrow Connector 5">
-            <a:extLst>
-              <a:ext uri="{FF2B5EF4-FFF2-40B4-BE49-F238E27FC236}">
-                <a16:creationId xmlns:a16="http://schemas.microsoft.com/office/drawing/2014/main" id="{032D8E0B-3D51-F57D-971C-7102E311C5FE}"/>
-              </a:ext>
-            </a:extLst>
-          </p:cNvPr>
-          <p:cNvCxnSpPr>
-            <a:cxnSpLocks/>
-          </p:cNvCxnSpPr>
-          <p:nvPr/>
-        </p:nvCxnSpPr>
-        <p:spPr>
-          <a:xfrm>
-            <a:off x="3721100" y="4036823"/>
-            <a:ext cx="722334" cy="0"/>
-          </a:xfrm>
-          <a:prstGeom prst="straightConnector1">
-            <a:avLst/>
-          </a:prstGeom>
-          <a:ln>
-            <a:tailEnd type="triangle"/>
-          </a:ln>
-        </p:spPr>
-        <p:style>
-          <a:lnRef idx="3">
-            <a:schemeClr val="accent6"/>
-          </a:lnRef>
-          <a:fillRef idx="0">
-            <a:schemeClr val="accent6"/>
-          </a:fillRef>
-          <a:effectRef idx="2">
-            <a:schemeClr val="accent6"/>
-          </a:effectRef>
-          <a:fontRef idx="minor">
-            <a:schemeClr val="tx1"/>
-          </a:fontRef>
-        </p:style>
-      </p:cxnSp>
-      <p:cxnSp>
-        <p:nvCxnSpPr>
-          <p:cNvPr id="9" name="Straight Arrow Connector 8">
-            <a:extLst>
-              <a:ext uri="{FF2B5EF4-FFF2-40B4-BE49-F238E27FC236}">
-                <a16:creationId xmlns:a16="http://schemas.microsoft.com/office/drawing/2014/main" id="{16A38BB4-49B0-96EF-B066-166205536C2E}"/>
-              </a:ext>
-            </a:extLst>
-          </p:cNvPr>
-          <p:cNvCxnSpPr>
-            <a:cxnSpLocks/>
-          </p:cNvCxnSpPr>
-          <p:nvPr/>
-        </p:nvCxnSpPr>
-        <p:spPr>
-          <a:xfrm>
-            <a:off x="6924632" y="4036823"/>
-            <a:ext cx="722334" cy="0"/>
-          </a:xfrm>
-          <a:prstGeom prst="straightConnector1">
-            <a:avLst/>
-          </a:prstGeom>
-          <a:ln>
-            <a:tailEnd type="triangle"/>
-          </a:ln>
-        </p:spPr>
-        <p:style>
-          <a:lnRef idx="3">
-            <a:schemeClr val="accent6"/>
-          </a:lnRef>
-          <a:fillRef idx="0">
-            <a:schemeClr val="accent6"/>
-          </a:fillRef>
-          <a:effectRef idx="2">
-            <a:schemeClr val="accent6"/>
-          </a:effectRef>
-          <a:fontRef idx="minor">
-            <a:schemeClr val="tx1"/>
-          </a:fontRef>
-        </p:style>
-      </p:cxnSp>
-      <p:cxnSp>
-        <p:nvCxnSpPr>
-          <p:cNvPr id="10" name="Straight Arrow Connector 9">
-            <a:extLst>
-              <a:ext uri="{FF2B5EF4-FFF2-40B4-BE49-F238E27FC236}">
-                <a16:creationId xmlns:a16="http://schemas.microsoft.com/office/drawing/2014/main" id="{7F8076F6-5E93-CFFC-0DA4-773517B38B8E}"/>
-              </a:ext>
-            </a:extLst>
-          </p:cNvPr>
-          <p:cNvCxnSpPr>
-            <a:cxnSpLocks/>
-          </p:cNvCxnSpPr>
-          <p:nvPr/>
-        </p:nvCxnSpPr>
-        <p:spPr>
-          <a:xfrm flipH="1">
-            <a:off x="3721100" y="3827273"/>
-            <a:ext cx="722334" cy="0"/>
-          </a:xfrm>
-          <a:prstGeom prst="straightConnector1">
-            <a:avLst/>
-          </a:prstGeom>
-          <a:ln>
-            <a:tailEnd type="triangle"/>
-          </a:ln>
-        </p:spPr>
-        <p:style>
-          <a:lnRef idx="3">
-            <a:schemeClr val="accent6"/>
-          </a:lnRef>
-          <a:fillRef idx="0">
-            <a:schemeClr val="accent6"/>
-          </a:fillRef>
-          <a:effectRef idx="2">
-            <a:schemeClr val="accent6"/>
-          </a:effectRef>
-          <a:fontRef idx="minor">
-            <a:schemeClr val="tx1"/>
-          </a:fontRef>
-        </p:style>
-      </p:cxnSp>
-      <p:cxnSp>
-        <p:nvCxnSpPr>
-          <p:cNvPr id="13" name="Straight Arrow Connector 12">
-            <a:extLst>
-              <a:ext uri="{FF2B5EF4-FFF2-40B4-BE49-F238E27FC236}">
-                <a16:creationId xmlns:a16="http://schemas.microsoft.com/office/drawing/2014/main" id="{683955C8-EEB1-15E9-6714-F93519FBF730}"/>
-              </a:ext>
-            </a:extLst>
-          </p:cNvPr>
-          <p:cNvCxnSpPr>
-            <a:cxnSpLocks/>
-          </p:cNvCxnSpPr>
-          <p:nvPr/>
-        </p:nvCxnSpPr>
-        <p:spPr>
-          <a:xfrm flipH="1">
-            <a:off x="6924632" y="3827273"/>
-            <a:ext cx="722334" cy="0"/>
-          </a:xfrm>
-          <a:prstGeom prst="straightConnector1">
-            <a:avLst/>
-          </a:prstGeom>
-          <a:ln>
-            <a:tailEnd type="triangle"/>
-          </a:ln>
-        </p:spPr>
-        <p:style>
-          <a:lnRef idx="3">
-            <a:schemeClr val="accent6"/>
-          </a:lnRef>
-          <a:fillRef idx="0">
-            <a:schemeClr val="accent6"/>
-          </a:fillRef>
-          <a:effectRef idx="2">
-            <a:schemeClr val="accent6"/>
-          </a:effectRef>
-          <a:fontRef idx="minor">
-            <a:schemeClr val="tx1"/>
-          </a:fontRef>
-        </p:style>
-      </p:cxnSp>
+                <a:ea typeface="+mj-ea"/>
+                <a:cs typeface="+mj-cs"/>
+              </a:defRPr>
+            </a:lvl1pPr>
+          </a:lstStyle>
+          <a:p>
+            <a:pPr marL="457200" indent="-457200" algn="l">
+              <a:buFont typeface="Wingdings" panose="05000000000000000000" pitchFamily="2" charset="2"/>
+              <a:buChar char="§"/>
+            </a:pPr>
+            <a:r>
+              <a:rPr lang="en-PH" sz="3000" dirty="0"/>
+              <a:t>Singly Linked list</a:t>
+            </a:r>
+          </a:p>
+          <a:p>
+            <a:pPr marL="457200" indent="-457200" algn="l">
+              <a:buFont typeface="Wingdings" panose="05000000000000000000" pitchFamily="2" charset="2"/>
+              <a:buChar char="§"/>
+            </a:pPr>
+            <a:endParaRPr lang="en-PH" sz="3000" dirty="0"/>
+          </a:p>
+          <a:p>
+            <a:pPr marL="457200" indent="-457200" algn="l">
+              <a:buFont typeface="Wingdings" panose="05000000000000000000" pitchFamily="2" charset="2"/>
+              <a:buChar char="§"/>
+            </a:pPr>
+            <a:r>
+              <a:rPr lang="en-PH" sz="3000" dirty="0"/>
+              <a:t>Doubly Linked list</a:t>
+            </a:r>
+          </a:p>
+          <a:p>
+            <a:pPr marL="457200" indent="-457200" algn="l">
+              <a:buFont typeface="Wingdings" panose="05000000000000000000" pitchFamily="2" charset="2"/>
+              <a:buChar char="§"/>
+            </a:pPr>
+            <a:endParaRPr lang="en-PH" sz="3000" dirty="0"/>
+          </a:p>
+          <a:p>
+            <a:pPr marL="457200" indent="-457200" algn="l">
+              <a:buFont typeface="Wingdings" panose="05000000000000000000" pitchFamily="2" charset="2"/>
+              <a:buChar char="§"/>
+            </a:pPr>
+            <a:r>
+              <a:rPr lang="en-PH" sz="3000" dirty="0"/>
+              <a:t>Circular Linked list</a:t>
+            </a:r>
+          </a:p>
+          <a:p>
+            <a:pPr marL="457200" indent="-457200" algn="l">
+              <a:buFont typeface="Wingdings" panose="05000000000000000000" pitchFamily="2" charset="2"/>
+              <a:buChar char="§"/>
+            </a:pPr>
+            <a:endParaRPr lang="en-PH" sz="3000" dirty="0"/>
+          </a:p>
+          <a:p>
+            <a:pPr marL="457200" indent="-457200" algn="l">
+              <a:buFont typeface="Wingdings" panose="05000000000000000000" pitchFamily="2" charset="2"/>
+              <a:buChar char="§"/>
+            </a:pPr>
+            <a:endParaRPr lang="en-PH" sz="3000" dirty="0"/>
+          </a:p>
+          <a:p>
+            <a:pPr marL="457200" indent="-457200" algn="l">
+              <a:buFont typeface="Wingdings" panose="05000000000000000000" pitchFamily="2" charset="2"/>
+              <a:buChar char="§"/>
+            </a:pPr>
+            <a:endParaRPr lang="en-PH" sz="3000" dirty="0"/>
+          </a:p>
+          <a:p>
+            <a:pPr marL="457200" indent="-457200" algn="l">
+              <a:buFont typeface="Wingdings" panose="05000000000000000000" pitchFamily="2" charset="2"/>
+              <a:buChar char="§"/>
+            </a:pPr>
+            <a:endParaRPr lang="en-PH" sz="3000" dirty="0"/>
+          </a:p>
+          <a:p>
+            <a:pPr marL="457200" indent="-457200" algn="l">
+              <a:buFont typeface="Wingdings" panose="05000000000000000000" pitchFamily="2" charset="2"/>
+              <a:buChar char="§"/>
+            </a:pPr>
+            <a:endParaRPr lang="en-PH" sz="3000" dirty="0"/>
+          </a:p>
+        </p:txBody>
+      </p:sp>
     </p:spTree>
     <p:extLst>
       <p:ext uri="{BB962C8B-B14F-4D97-AF65-F5344CB8AC3E}">
-        <p14:creationId xmlns:p14="http://schemas.microsoft.com/office/powerpoint/2010/main" val="3292478843"/>
+        <p14:creationId xmlns:p14="http://schemas.microsoft.com/office/powerpoint/2010/main" val="2055979108"/>
       </p:ext>
     </p:extLst>
   </p:cSld>
@@ -10886,18 +12383,18 @@
 </file>
 
 <file path=customXml/item2.xml><?xml version="1.0" encoding="utf-8"?>
+<p:properties xmlns:p="http://schemas.microsoft.com/office/2006/metadata/properties" xmlns:xsi="http://www.w3.org/2001/XMLSchema-instance" xmlns:pc="http://schemas.microsoft.com/office/infopath/2007/PartnerControls">
+  <documentManagement/>
+</p:properties>
+</file>
+
+<file path=customXml/item3.xml><?xml version="1.0" encoding="utf-8"?>
 <?mso-contentType ?>
 <FormTemplates xmlns="http://schemas.microsoft.com/sharepoint/v3/contenttype/forms">
   <Display>DocumentLibraryForm</Display>
   <Edit>DocumentLibraryForm</Edit>
   <New>DocumentLibraryForm</New>
 </FormTemplates>
-</file>
-
-<file path=customXml/item3.xml><?xml version="1.0" encoding="utf-8"?>
-<p:properties xmlns:p="http://schemas.microsoft.com/office/2006/metadata/properties" xmlns:xsi="http://www.w3.org/2001/XMLSchema-instance" xmlns:pc="http://schemas.microsoft.com/office/infopath/2007/PartnerControls">
-  <documentManagement/>
-</p:properties>
 </file>
 
 <file path=customXml/itemProps1.xml><?xml version="1.0" encoding="utf-8"?>
@@ -10919,18 +12416,18 @@
 </file>
 
 <file path=customXml/itemProps2.xml><?xml version="1.0" encoding="utf-8"?>
-<ds:datastoreItem xmlns:ds="http://schemas.openxmlformats.org/officeDocument/2006/customXml" ds:itemID="{6C1A3F1B-CE3A-47AB-9F84-47E786467973}">
-  <ds:schemaRefs>
-    <ds:schemaRef ds:uri="http://schemas.microsoft.com/sharepoint/v3/contenttype/forms"/>
-  </ds:schemaRefs>
-</ds:datastoreItem>
-</file>
-
-<file path=customXml/itemProps3.xml><?xml version="1.0" encoding="utf-8"?>
 <ds:datastoreItem xmlns:ds="http://schemas.openxmlformats.org/officeDocument/2006/customXml" ds:itemID="{7ACF14CA-9E7F-410C-99DF-E0FAFDE78C11}">
   <ds:schemaRefs>
     <ds:schemaRef ds:uri="http://schemas.microsoft.com/office/2006/metadata/properties"/>
     <ds:schemaRef ds:uri="http://schemas.microsoft.com/office/infopath/2007/PartnerControls"/>
   </ds:schemaRefs>
 </ds:datastoreItem>
+</file>
+
+<file path=customXml/itemProps3.xml><?xml version="1.0" encoding="utf-8"?>
+<ds:datastoreItem xmlns:ds="http://schemas.openxmlformats.org/officeDocument/2006/customXml" ds:itemID="{6C1A3F1B-CE3A-47AB-9F84-47E786467973}">
+  <ds:schemaRefs>
+    <ds:schemaRef ds:uri="http://schemas.microsoft.com/sharepoint/v3/contenttype/forms"/>
+  </ds:schemaRefs>
+</ds:datastoreItem>
 </file>